--- a/Spec-driven development for REST API.pptx
+++ b/Spec-driven development for REST API.pptx
@@ -2,28 +2,29 @@
 <file path=ppt/presentation.xml><?xml version="1.0" encoding="utf-8"?>
 <p:presentation xmlns:a="http://schemas.openxmlformats.org/drawingml/2006/main" xmlns:r="http://schemas.openxmlformats.org/officeDocument/2006/relationships" xmlns:p="http://schemas.openxmlformats.org/presentationml/2006/main" saveSubsetFonts="1">
   <p:sldMasterIdLst>
-    <p:sldMasterId id="2147483648" r:id="rId1"/>
+    <p:sldMasterId id="2147483975" r:id="rId1"/>
   </p:sldMasterIdLst>
   <p:sldIdLst>
     <p:sldId id="256" r:id="rId2"/>
     <p:sldId id="257" r:id="rId3"/>
     <p:sldId id="266" r:id="rId4"/>
-    <p:sldId id="259" r:id="rId5"/>
-    <p:sldId id="260" r:id="rId6"/>
-    <p:sldId id="261" r:id="rId7"/>
-    <p:sldId id="262" r:id="rId8"/>
-    <p:sldId id="263" r:id="rId9"/>
-    <p:sldId id="264" r:id="rId10"/>
-    <p:sldId id="265" r:id="rId11"/>
+    <p:sldId id="267" r:id="rId5"/>
+    <p:sldId id="259" r:id="rId6"/>
+    <p:sldId id="260" r:id="rId7"/>
+    <p:sldId id="261" r:id="rId8"/>
+    <p:sldId id="262" r:id="rId9"/>
+    <p:sldId id="263" r:id="rId10"/>
+    <p:sldId id="264" r:id="rId11"/>
+    <p:sldId id="265" r:id="rId12"/>
   </p:sldIdLst>
   <p:sldSz cx="12192000" cy="6858000"/>
   <p:notesSz cx="6858000" cy="9144000"/>
   <p:defaultTextStyle>
     <a:defPPr>
-      <a:defRPr lang="ja-JP"/>
+      <a:defRPr lang="en-US"/>
     </a:defPPr>
-    <a:lvl1pPr marL="0" algn="l" defTabSz="914400" rtl="0" eaLnBrk="1" latinLnBrk="0" hangingPunct="1">
-      <a:defRPr kumimoji="1" sz="1800" kern="1200">
+    <a:lvl1pPr marL="0" algn="l" defTabSz="457200" rtl="0" eaLnBrk="1" latinLnBrk="0" hangingPunct="1">
+      <a:defRPr sz="1800" kern="1200">
         <a:solidFill>
           <a:schemeClr val="tx1"/>
         </a:solidFill>
@@ -32,8 +33,8 @@
         <a:cs typeface="+mn-cs"/>
       </a:defRPr>
     </a:lvl1pPr>
-    <a:lvl2pPr marL="457200" algn="l" defTabSz="914400" rtl="0" eaLnBrk="1" latinLnBrk="0" hangingPunct="1">
-      <a:defRPr kumimoji="1" sz="1800" kern="1200">
+    <a:lvl2pPr marL="457200" algn="l" defTabSz="457200" rtl="0" eaLnBrk="1" latinLnBrk="0" hangingPunct="1">
+      <a:defRPr sz="1800" kern="1200">
         <a:solidFill>
           <a:schemeClr val="tx1"/>
         </a:solidFill>
@@ -42,8 +43,8 @@
         <a:cs typeface="+mn-cs"/>
       </a:defRPr>
     </a:lvl2pPr>
-    <a:lvl3pPr marL="914400" algn="l" defTabSz="914400" rtl="0" eaLnBrk="1" latinLnBrk="0" hangingPunct="1">
-      <a:defRPr kumimoji="1" sz="1800" kern="1200">
+    <a:lvl3pPr marL="914400" algn="l" defTabSz="457200" rtl="0" eaLnBrk="1" latinLnBrk="0" hangingPunct="1">
+      <a:defRPr sz="1800" kern="1200">
         <a:solidFill>
           <a:schemeClr val="tx1"/>
         </a:solidFill>
@@ -52,8 +53,8 @@
         <a:cs typeface="+mn-cs"/>
       </a:defRPr>
     </a:lvl3pPr>
-    <a:lvl4pPr marL="1371600" algn="l" defTabSz="914400" rtl="0" eaLnBrk="1" latinLnBrk="0" hangingPunct="1">
-      <a:defRPr kumimoji="1" sz="1800" kern="1200">
+    <a:lvl4pPr marL="1371600" algn="l" defTabSz="457200" rtl="0" eaLnBrk="1" latinLnBrk="0" hangingPunct="1">
+      <a:defRPr sz="1800" kern="1200">
         <a:solidFill>
           <a:schemeClr val="tx1"/>
         </a:solidFill>
@@ -62,8 +63,8 @@
         <a:cs typeface="+mn-cs"/>
       </a:defRPr>
     </a:lvl4pPr>
-    <a:lvl5pPr marL="1828800" algn="l" defTabSz="914400" rtl="0" eaLnBrk="1" latinLnBrk="0" hangingPunct="1">
-      <a:defRPr kumimoji="1" sz="1800" kern="1200">
+    <a:lvl5pPr marL="1828800" algn="l" defTabSz="457200" rtl="0" eaLnBrk="1" latinLnBrk="0" hangingPunct="1">
+      <a:defRPr sz="1800" kern="1200">
         <a:solidFill>
           <a:schemeClr val="tx1"/>
         </a:solidFill>
@@ -72,8 +73,8 @@
         <a:cs typeface="+mn-cs"/>
       </a:defRPr>
     </a:lvl5pPr>
-    <a:lvl6pPr marL="2286000" algn="l" defTabSz="914400" rtl="0" eaLnBrk="1" latinLnBrk="0" hangingPunct="1">
-      <a:defRPr kumimoji="1" sz="1800" kern="1200">
+    <a:lvl6pPr marL="2286000" algn="l" defTabSz="457200" rtl="0" eaLnBrk="1" latinLnBrk="0" hangingPunct="1">
+      <a:defRPr sz="1800" kern="1200">
         <a:solidFill>
           <a:schemeClr val="tx1"/>
         </a:solidFill>
@@ -82,8 +83,8 @@
         <a:cs typeface="+mn-cs"/>
       </a:defRPr>
     </a:lvl6pPr>
-    <a:lvl7pPr marL="2743200" algn="l" defTabSz="914400" rtl="0" eaLnBrk="1" latinLnBrk="0" hangingPunct="1">
-      <a:defRPr kumimoji="1" sz="1800" kern="1200">
+    <a:lvl7pPr marL="2743200" algn="l" defTabSz="457200" rtl="0" eaLnBrk="1" latinLnBrk="0" hangingPunct="1">
+      <a:defRPr sz="1800" kern="1200">
         <a:solidFill>
           <a:schemeClr val="tx1"/>
         </a:solidFill>
@@ -92,8 +93,8 @@
         <a:cs typeface="+mn-cs"/>
       </a:defRPr>
     </a:lvl7pPr>
-    <a:lvl8pPr marL="3200400" algn="l" defTabSz="914400" rtl="0" eaLnBrk="1" latinLnBrk="0" hangingPunct="1">
-      <a:defRPr kumimoji="1" sz="1800" kern="1200">
+    <a:lvl8pPr marL="3200400" algn="l" defTabSz="457200" rtl="0" eaLnBrk="1" latinLnBrk="0" hangingPunct="1">
+      <a:defRPr sz="1800" kern="1200">
         <a:solidFill>
           <a:schemeClr val="tx1"/>
         </a:solidFill>
@@ -102,8 +103,8 @@
         <a:cs typeface="+mn-cs"/>
       </a:defRPr>
     </a:lvl8pPr>
-    <a:lvl9pPr marL="3657600" algn="l" defTabSz="914400" rtl="0" eaLnBrk="1" latinLnBrk="0" hangingPunct="1">
-      <a:defRPr kumimoji="1" sz="1800" kern="1200">
+    <a:lvl9pPr marL="3657600" algn="l" defTabSz="457200" rtl="0" eaLnBrk="1" latinLnBrk="0" hangingPunct="1">
+      <a:defRPr sz="1800" kern="1200">
         <a:solidFill>
           <a:schemeClr val="tx1"/>
         </a:solidFill>
@@ -140,7 +141,7 @@
       </p:grpSpPr>
       <p:sp>
         <p:nvSpPr>
-          <p:cNvPr id="2" name="タイトル 1"/>
+          <p:cNvPr id="2" name="Title 1"/>
           <p:cNvSpPr>
             <a:spLocks noGrp="1"/>
           </p:cNvSpPr>
@@ -150,29 +151,29 @@
         </p:nvSpPr>
         <p:spPr>
           <a:xfrm>
-            <a:off x="1524000" y="1122363"/>
-            <a:ext cx="9144000" cy="2387600"/>
+            <a:off x="1154955" y="1447800"/>
+            <a:ext cx="8825658" cy="3329581"/>
           </a:xfrm>
         </p:spPr>
         <p:txBody>
           <a:bodyPr anchor="b"/>
           <a:lstStyle>
-            <a:lvl1pPr algn="ctr">
-              <a:defRPr sz="6000"/>
+            <a:lvl1pPr>
+              <a:defRPr sz="7200"/>
             </a:lvl1pPr>
           </a:lstStyle>
           <a:p>
             <a:r>
-              <a:rPr kumimoji="1" lang="ja-JP" altLang="en-US" smtClean="0"/>
+              <a:rPr lang="ja-JP" altLang="en-US" smtClean="0"/>
               <a:t>マスター タイトルの書式設定</a:t>
             </a:r>
-            <a:endParaRPr kumimoji="1" lang="ja-JP" altLang="en-US"/>
-          </a:p>
-        </p:txBody>
-      </p:sp>
-      <p:sp>
-        <p:nvSpPr>
-          <p:cNvPr id="3" name="サブタイトル 2"/>
+            <a:endParaRPr lang="en-US" dirty="0"/>
+          </a:p>
+        </p:txBody>
+      </p:sp>
+      <p:sp>
+        <p:nvSpPr>
+          <p:cNvPr id="3" name="Subtitle 2"/>
           <p:cNvSpPr>
             <a:spLocks noGrp="1"/>
           </p:cNvSpPr>
@@ -182,62 +183,117 @@
         </p:nvSpPr>
         <p:spPr>
           <a:xfrm>
-            <a:off x="1524000" y="3602038"/>
-            <a:ext cx="9144000" cy="1655762"/>
+            <a:off x="1154955" y="4777380"/>
+            <a:ext cx="8825658" cy="861420"/>
           </a:xfrm>
         </p:spPr>
         <p:txBody>
-          <a:bodyPr/>
+          <a:bodyPr anchor="t"/>
           <a:lstStyle>
-            <a:lvl1pPr marL="0" indent="0" algn="ctr">
-              <a:buNone/>
-              <a:defRPr sz="2400"/>
+            <a:lvl1pPr marL="0" indent="0" algn="l">
+              <a:buNone/>
+              <a:defRPr cap="all">
+                <a:solidFill>
+                  <a:schemeClr val="bg2">
+                    <a:lumMod val="40000"/>
+                    <a:lumOff val="60000"/>
+                  </a:schemeClr>
+                </a:solidFill>
+              </a:defRPr>
             </a:lvl1pPr>
             <a:lvl2pPr marL="457200" indent="0" algn="ctr">
               <a:buNone/>
-              <a:defRPr sz="2000"/>
+              <a:defRPr>
+                <a:solidFill>
+                  <a:schemeClr val="tx1">
+                    <a:tint val="75000"/>
+                  </a:schemeClr>
+                </a:solidFill>
+              </a:defRPr>
             </a:lvl2pPr>
             <a:lvl3pPr marL="914400" indent="0" algn="ctr">
               <a:buNone/>
-              <a:defRPr sz="1800"/>
+              <a:defRPr>
+                <a:solidFill>
+                  <a:schemeClr val="tx1">
+                    <a:tint val="75000"/>
+                  </a:schemeClr>
+                </a:solidFill>
+              </a:defRPr>
             </a:lvl3pPr>
             <a:lvl4pPr marL="1371600" indent="0" algn="ctr">
               <a:buNone/>
-              <a:defRPr sz="1600"/>
+              <a:defRPr>
+                <a:solidFill>
+                  <a:schemeClr val="tx1">
+                    <a:tint val="75000"/>
+                  </a:schemeClr>
+                </a:solidFill>
+              </a:defRPr>
             </a:lvl4pPr>
             <a:lvl5pPr marL="1828800" indent="0" algn="ctr">
               <a:buNone/>
-              <a:defRPr sz="1600"/>
+              <a:defRPr>
+                <a:solidFill>
+                  <a:schemeClr val="tx1">
+                    <a:tint val="75000"/>
+                  </a:schemeClr>
+                </a:solidFill>
+              </a:defRPr>
             </a:lvl5pPr>
             <a:lvl6pPr marL="2286000" indent="0" algn="ctr">
               <a:buNone/>
-              <a:defRPr sz="1600"/>
+              <a:defRPr>
+                <a:solidFill>
+                  <a:schemeClr val="tx1">
+                    <a:tint val="75000"/>
+                  </a:schemeClr>
+                </a:solidFill>
+              </a:defRPr>
             </a:lvl6pPr>
             <a:lvl7pPr marL="2743200" indent="0" algn="ctr">
               <a:buNone/>
-              <a:defRPr sz="1600"/>
+              <a:defRPr>
+                <a:solidFill>
+                  <a:schemeClr val="tx1">
+                    <a:tint val="75000"/>
+                  </a:schemeClr>
+                </a:solidFill>
+              </a:defRPr>
             </a:lvl7pPr>
             <a:lvl8pPr marL="3200400" indent="0" algn="ctr">
               <a:buNone/>
-              <a:defRPr sz="1600"/>
+              <a:defRPr>
+                <a:solidFill>
+                  <a:schemeClr val="tx1">
+                    <a:tint val="75000"/>
+                  </a:schemeClr>
+                </a:solidFill>
+              </a:defRPr>
             </a:lvl8pPr>
             <a:lvl9pPr marL="3657600" indent="0" algn="ctr">
               <a:buNone/>
-              <a:defRPr sz="1600"/>
+              <a:defRPr>
+                <a:solidFill>
+                  <a:schemeClr val="tx1">
+                    <a:tint val="75000"/>
+                  </a:schemeClr>
+                </a:solidFill>
+              </a:defRPr>
             </a:lvl9pPr>
           </a:lstStyle>
           <a:p>
             <a:r>
-              <a:rPr kumimoji="1" lang="ja-JP" altLang="en-US" smtClean="0"/>
+              <a:rPr lang="ja-JP" altLang="en-US" smtClean="0"/>
               <a:t>マスター サブタイトルの書式設定</a:t>
             </a:r>
-            <a:endParaRPr kumimoji="1" lang="ja-JP" altLang="en-US"/>
-          </a:p>
-        </p:txBody>
-      </p:sp>
-      <p:sp>
-        <p:nvSpPr>
-          <p:cNvPr id="4" name="日付プレースホルダー 3"/>
+            <a:endParaRPr lang="en-US" dirty="0"/>
+          </a:p>
+        </p:txBody>
+      </p:sp>
+      <p:sp>
+        <p:nvSpPr>
+          <p:cNvPr id="4" name="Date Placeholder 3"/>
           <p:cNvSpPr>
             <a:spLocks noGrp="1"/>
           </p:cNvSpPr>
@@ -252,7 +308,7 @@
           <a:p>
             <a:fld id="{1A235D97-DFB1-401C-BDEE-EDF1579BAA11}" type="datetimeFigureOut">
               <a:rPr kumimoji="1" lang="ja-JP" altLang="en-US" smtClean="0"/>
-              <a:t>2020/8/14</a:t>
+              <a:t>2020/8/29</a:t>
             </a:fld>
             <a:endParaRPr kumimoji="1" lang="ja-JP" altLang="en-US"/>
           </a:p>
@@ -260,7 +316,7 @@
       </p:sp>
       <p:sp>
         <p:nvSpPr>
-          <p:cNvPr id="5" name="フッター プレースホルダー 4"/>
+          <p:cNvPr id="5" name="Footer Placeholder 4"/>
           <p:cNvSpPr>
             <a:spLocks noGrp="1"/>
           </p:cNvSpPr>
@@ -279,7 +335,7 @@
       </p:sp>
       <p:sp>
         <p:nvSpPr>
-          <p:cNvPr id="6" name="スライド番号プレースホルダー 5"/>
+          <p:cNvPr id="6" name="Slide Number Placeholder 5"/>
           <p:cNvSpPr>
             <a:spLocks noGrp="1"/>
           </p:cNvSpPr>
@@ -303,7 +359,7 @@
     </p:spTree>
     <p:extLst>
       <p:ext uri="{BB962C8B-B14F-4D97-AF65-F5344CB8AC3E}">
-        <p14:creationId xmlns:p14="http://schemas.microsoft.com/office/powerpoint/2010/main" val="3351355483"/>
+        <p14:creationId xmlns:p14="http://schemas.microsoft.com/office/powerpoint/2010/main" val="1993449039"/>
       </p:ext>
     </p:extLst>
   </p:cSld>
@@ -314,6 +370,2572 @@
 </file>
 
 <file path=ppt/slideLayouts/slideLayout10.xml><?xml version="1.0" encoding="utf-8"?>
+<p:sldLayout xmlns:a="http://schemas.openxmlformats.org/drawingml/2006/main" xmlns:r="http://schemas.openxmlformats.org/officeDocument/2006/relationships" xmlns:p="http://schemas.openxmlformats.org/presentationml/2006/main" preserve="1">
+  <p:cSld name="パノラマ写真 (キャプション付き)">
+    <p:spTree>
+      <p:nvGrpSpPr>
+        <p:cNvPr id="1" name=""/>
+        <p:cNvGrpSpPr/>
+        <p:nvPr/>
+      </p:nvGrpSpPr>
+      <p:grpSpPr>
+        <a:xfrm>
+          <a:off x="0" y="0"/>
+          <a:ext cx="0" cy="0"/>
+          <a:chOff x="0" y="0"/>
+          <a:chExt cx="0" cy="0"/>
+        </a:xfrm>
+      </p:grpSpPr>
+      <p:sp>
+        <p:nvSpPr>
+          <p:cNvPr id="2" name="Title 1"/>
+          <p:cNvSpPr>
+            <a:spLocks noGrp="1"/>
+          </p:cNvSpPr>
+          <p:nvPr>
+            <p:ph type="title"/>
+          </p:nvPr>
+        </p:nvSpPr>
+        <p:spPr>
+          <a:xfrm>
+            <a:off x="1154956" y="4800587"/>
+            <a:ext cx="8825657" cy="566738"/>
+          </a:xfrm>
+        </p:spPr>
+        <p:txBody>
+          <a:bodyPr anchor="b">
+            <a:normAutofit/>
+          </a:bodyPr>
+          <a:lstStyle>
+            <a:lvl1pPr algn="l">
+              <a:defRPr sz="2400" b="0"/>
+            </a:lvl1pPr>
+          </a:lstStyle>
+          <a:p>
+            <a:r>
+              <a:rPr lang="ja-JP" altLang="en-US" smtClean="0"/>
+              <a:t>マスター タイトルの書式設定</a:t>
+            </a:r>
+            <a:endParaRPr lang="en-US" dirty="0"/>
+          </a:p>
+        </p:txBody>
+      </p:sp>
+      <p:sp>
+        <p:nvSpPr>
+          <p:cNvPr id="3" name="Picture Placeholder 2"/>
+          <p:cNvSpPr>
+            <a:spLocks noGrp="1" noChangeAspect="1"/>
+          </p:cNvSpPr>
+          <p:nvPr>
+            <p:ph type="pic" idx="1"/>
+          </p:nvPr>
+        </p:nvSpPr>
+        <p:spPr>
+          <a:xfrm>
+            <a:off x="1154955" y="685800"/>
+            <a:ext cx="8825658" cy="3640666"/>
+          </a:xfrm>
+          <a:prstGeom prst="roundRect">
+            <a:avLst>
+              <a:gd name="adj" fmla="val 1858"/>
+            </a:avLst>
+          </a:prstGeom>
+          <a:effectLst>
+            <a:outerShdw blurRad="50800" dist="50800" dir="5400000" algn="tl" rotWithShape="0">
+              <a:srgbClr val="000000">
+                <a:alpha val="43000"/>
+              </a:srgbClr>
+            </a:outerShdw>
+          </a:effectLst>
+        </p:spPr>
+        <p:txBody>
+          <a:bodyPr anchor="t">
+            <a:normAutofit/>
+          </a:bodyPr>
+          <a:lstStyle>
+            <a:lvl1pPr marL="0" indent="0" algn="ctr">
+              <a:buNone/>
+              <a:defRPr sz="1600"/>
+            </a:lvl1pPr>
+            <a:lvl2pPr marL="457200" indent="0">
+              <a:buNone/>
+              <a:defRPr sz="1600"/>
+            </a:lvl2pPr>
+            <a:lvl3pPr marL="914400" indent="0">
+              <a:buNone/>
+              <a:defRPr sz="1600"/>
+            </a:lvl3pPr>
+            <a:lvl4pPr marL="1371600" indent="0">
+              <a:buNone/>
+              <a:defRPr sz="1600"/>
+            </a:lvl4pPr>
+            <a:lvl5pPr marL="1828800" indent="0">
+              <a:buNone/>
+              <a:defRPr sz="1600"/>
+            </a:lvl5pPr>
+            <a:lvl6pPr marL="2286000" indent="0">
+              <a:buNone/>
+              <a:defRPr sz="1600"/>
+            </a:lvl6pPr>
+            <a:lvl7pPr marL="2743200" indent="0">
+              <a:buNone/>
+              <a:defRPr sz="1600"/>
+            </a:lvl7pPr>
+            <a:lvl8pPr marL="3200400" indent="0">
+              <a:buNone/>
+              <a:defRPr sz="1600"/>
+            </a:lvl8pPr>
+            <a:lvl9pPr marL="3657600" indent="0">
+              <a:buNone/>
+              <a:defRPr sz="1600"/>
+            </a:lvl9pPr>
+          </a:lstStyle>
+          <a:p>
+            <a:r>
+              <a:rPr lang="ja-JP" altLang="en-US" smtClean="0"/>
+              <a:t>図を追加</a:t>
+            </a:r>
+            <a:endParaRPr lang="en-US" dirty="0"/>
+          </a:p>
+        </p:txBody>
+      </p:sp>
+      <p:sp>
+        <p:nvSpPr>
+          <p:cNvPr id="4" name="Text Placeholder 3"/>
+          <p:cNvSpPr>
+            <a:spLocks noGrp="1"/>
+          </p:cNvSpPr>
+          <p:nvPr>
+            <p:ph type="body" sz="half" idx="2"/>
+          </p:nvPr>
+        </p:nvSpPr>
+        <p:spPr>
+          <a:xfrm>
+            <a:off x="1154956" y="5367325"/>
+            <a:ext cx="8825656" cy="493712"/>
+          </a:xfrm>
+        </p:spPr>
+        <p:txBody>
+          <a:bodyPr>
+            <a:normAutofit/>
+          </a:bodyPr>
+          <a:lstStyle>
+            <a:lvl1pPr marL="0" indent="0">
+              <a:buNone/>
+              <a:defRPr sz="1200"/>
+            </a:lvl1pPr>
+            <a:lvl2pPr marL="457200" indent="0">
+              <a:buNone/>
+              <a:defRPr sz="1200"/>
+            </a:lvl2pPr>
+            <a:lvl3pPr marL="914400" indent="0">
+              <a:buNone/>
+              <a:defRPr sz="1000"/>
+            </a:lvl3pPr>
+            <a:lvl4pPr marL="1371600" indent="0">
+              <a:buNone/>
+              <a:defRPr sz="900"/>
+            </a:lvl4pPr>
+            <a:lvl5pPr marL="1828800" indent="0">
+              <a:buNone/>
+              <a:defRPr sz="900"/>
+            </a:lvl5pPr>
+            <a:lvl6pPr marL="2286000" indent="0">
+              <a:buNone/>
+              <a:defRPr sz="900"/>
+            </a:lvl6pPr>
+            <a:lvl7pPr marL="2743200" indent="0">
+              <a:buNone/>
+              <a:defRPr sz="900"/>
+            </a:lvl7pPr>
+            <a:lvl8pPr marL="3200400" indent="0">
+              <a:buNone/>
+              <a:defRPr sz="900"/>
+            </a:lvl8pPr>
+            <a:lvl9pPr marL="3657600" indent="0">
+              <a:buNone/>
+              <a:defRPr sz="900"/>
+            </a:lvl9pPr>
+          </a:lstStyle>
+          <a:p>
+            <a:pPr lvl="0"/>
+            <a:r>
+              <a:rPr lang="ja-JP" altLang="en-US" smtClean="0"/>
+              <a:t>マスター テキストの書式設定</a:t>
+            </a:r>
+          </a:p>
+        </p:txBody>
+      </p:sp>
+      <p:sp>
+        <p:nvSpPr>
+          <p:cNvPr id="5" name="Date Placeholder 4"/>
+          <p:cNvSpPr>
+            <a:spLocks noGrp="1"/>
+          </p:cNvSpPr>
+          <p:nvPr>
+            <p:ph type="dt" sz="half" idx="10"/>
+          </p:nvPr>
+        </p:nvSpPr>
+        <p:spPr/>
+        <p:txBody>
+          <a:bodyPr/>
+          <a:lstStyle/>
+          <a:p>
+            <a:fld id="{1A235D97-DFB1-401C-BDEE-EDF1579BAA11}" type="datetimeFigureOut">
+              <a:rPr kumimoji="1" lang="ja-JP" altLang="en-US" smtClean="0"/>
+              <a:t>2020/8/29</a:t>
+            </a:fld>
+            <a:endParaRPr kumimoji="1" lang="ja-JP" altLang="en-US"/>
+          </a:p>
+        </p:txBody>
+      </p:sp>
+      <p:sp>
+        <p:nvSpPr>
+          <p:cNvPr id="6" name="Footer Placeholder 5"/>
+          <p:cNvSpPr>
+            <a:spLocks noGrp="1"/>
+          </p:cNvSpPr>
+          <p:nvPr>
+            <p:ph type="ftr" sz="quarter" idx="11"/>
+          </p:nvPr>
+        </p:nvSpPr>
+        <p:spPr/>
+        <p:txBody>
+          <a:bodyPr/>
+          <a:lstStyle/>
+          <a:p>
+            <a:endParaRPr kumimoji="1" lang="ja-JP" altLang="en-US"/>
+          </a:p>
+        </p:txBody>
+      </p:sp>
+      <p:sp>
+        <p:nvSpPr>
+          <p:cNvPr id="7" name="Slide Number Placeholder 6"/>
+          <p:cNvSpPr>
+            <a:spLocks noGrp="1"/>
+          </p:cNvSpPr>
+          <p:nvPr>
+            <p:ph type="sldNum" sz="quarter" idx="12"/>
+          </p:nvPr>
+        </p:nvSpPr>
+        <p:spPr/>
+        <p:txBody>
+          <a:bodyPr/>
+          <a:lstStyle/>
+          <a:p>
+            <a:fld id="{788D6554-83FB-43EC-AC0E-8BF46B3CE7B6}" type="slidenum">
+              <a:rPr kumimoji="1" lang="ja-JP" altLang="en-US" smtClean="0"/>
+              <a:t>‹#›</a:t>
+            </a:fld>
+            <a:endParaRPr kumimoji="1" lang="ja-JP" altLang="en-US"/>
+          </a:p>
+        </p:txBody>
+      </p:sp>
+    </p:spTree>
+    <p:extLst>
+      <p:ext uri="{BB962C8B-B14F-4D97-AF65-F5344CB8AC3E}">
+        <p14:creationId xmlns:p14="http://schemas.microsoft.com/office/powerpoint/2010/main" val="1630211302"/>
+      </p:ext>
+    </p:extLst>
+  </p:cSld>
+  <p:clrMapOvr>
+    <a:masterClrMapping/>
+  </p:clrMapOvr>
+</p:sldLayout>
+</file>
+
+<file path=ppt/slideLayouts/slideLayout11.xml><?xml version="1.0" encoding="utf-8"?>
+<p:sldLayout xmlns:a="http://schemas.openxmlformats.org/drawingml/2006/main" xmlns:r="http://schemas.openxmlformats.org/officeDocument/2006/relationships" xmlns:p="http://schemas.openxmlformats.org/presentationml/2006/main" preserve="1">
+  <p:cSld name="タイトルとキャプション">
+    <p:spTree>
+      <p:nvGrpSpPr>
+        <p:cNvPr id="1" name=""/>
+        <p:cNvGrpSpPr/>
+        <p:nvPr/>
+      </p:nvGrpSpPr>
+      <p:grpSpPr>
+        <a:xfrm>
+          <a:off x="0" y="0"/>
+          <a:ext cx="0" cy="0"/>
+          <a:chOff x="0" y="0"/>
+          <a:chExt cx="0" cy="0"/>
+        </a:xfrm>
+      </p:grpSpPr>
+      <p:sp>
+        <p:nvSpPr>
+          <p:cNvPr id="2" name="Title 1"/>
+          <p:cNvSpPr>
+            <a:spLocks noGrp="1"/>
+          </p:cNvSpPr>
+          <p:nvPr>
+            <p:ph type="title"/>
+          </p:nvPr>
+        </p:nvSpPr>
+        <p:spPr>
+          <a:xfrm>
+            <a:off x="1154954" y="1447800"/>
+            <a:ext cx="8825659" cy="1981200"/>
+          </a:xfrm>
+        </p:spPr>
+        <p:txBody>
+          <a:bodyPr/>
+          <a:lstStyle>
+            <a:lvl1pPr>
+              <a:defRPr sz="4800"/>
+            </a:lvl1pPr>
+          </a:lstStyle>
+          <a:p>
+            <a:r>
+              <a:rPr lang="ja-JP" altLang="en-US" smtClean="0"/>
+              <a:t>マスター タイトルの書式設定</a:t>
+            </a:r>
+            <a:endParaRPr lang="en-US" dirty="0"/>
+          </a:p>
+        </p:txBody>
+      </p:sp>
+      <p:sp>
+        <p:nvSpPr>
+          <p:cNvPr id="8" name="Text Placeholder 3"/>
+          <p:cNvSpPr>
+            <a:spLocks noGrp="1"/>
+          </p:cNvSpPr>
+          <p:nvPr>
+            <p:ph type="body" sz="half" idx="2"/>
+          </p:nvPr>
+        </p:nvSpPr>
+        <p:spPr>
+          <a:xfrm>
+            <a:off x="1154954" y="3657600"/>
+            <a:ext cx="8825659" cy="2362200"/>
+          </a:xfrm>
+        </p:spPr>
+        <p:txBody>
+          <a:bodyPr anchor="ctr">
+            <a:normAutofit/>
+          </a:bodyPr>
+          <a:lstStyle>
+            <a:lvl1pPr marL="0" indent="0">
+              <a:buNone/>
+              <a:defRPr sz="1800"/>
+            </a:lvl1pPr>
+            <a:lvl2pPr marL="457200" indent="0">
+              <a:buNone/>
+              <a:defRPr sz="1200"/>
+            </a:lvl2pPr>
+            <a:lvl3pPr marL="914400" indent="0">
+              <a:buNone/>
+              <a:defRPr sz="1000"/>
+            </a:lvl3pPr>
+            <a:lvl4pPr marL="1371600" indent="0">
+              <a:buNone/>
+              <a:defRPr sz="900"/>
+            </a:lvl4pPr>
+            <a:lvl5pPr marL="1828800" indent="0">
+              <a:buNone/>
+              <a:defRPr sz="900"/>
+            </a:lvl5pPr>
+            <a:lvl6pPr marL="2286000" indent="0">
+              <a:buNone/>
+              <a:defRPr sz="900"/>
+            </a:lvl6pPr>
+            <a:lvl7pPr marL="2743200" indent="0">
+              <a:buNone/>
+              <a:defRPr sz="900"/>
+            </a:lvl7pPr>
+            <a:lvl8pPr marL="3200400" indent="0">
+              <a:buNone/>
+              <a:defRPr sz="900"/>
+            </a:lvl8pPr>
+            <a:lvl9pPr marL="3657600" indent="0">
+              <a:buNone/>
+              <a:defRPr sz="900"/>
+            </a:lvl9pPr>
+          </a:lstStyle>
+          <a:p>
+            <a:pPr lvl="0"/>
+            <a:r>
+              <a:rPr lang="ja-JP" altLang="en-US" smtClean="0"/>
+              <a:t>マスター テキストの書式設定</a:t>
+            </a:r>
+          </a:p>
+        </p:txBody>
+      </p:sp>
+      <p:sp>
+        <p:nvSpPr>
+          <p:cNvPr id="4" name="Date Placeholder 3"/>
+          <p:cNvSpPr>
+            <a:spLocks noGrp="1"/>
+          </p:cNvSpPr>
+          <p:nvPr>
+            <p:ph type="dt" sz="half" idx="10"/>
+          </p:nvPr>
+        </p:nvSpPr>
+        <p:spPr/>
+        <p:txBody>
+          <a:bodyPr/>
+          <a:lstStyle/>
+          <a:p>
+            <a:fld id="{1A235D97-DFB1-401C-BDEE-EDF1579BAA11}" type="datetimeFigureOut">
+              <a:rPr kumimoji="1" lang="ja-JP" altLang="en-US" smtClean="0"/>
+              <a:t>2020/8/29</a:t>
+            </a:fld>
+            <a:endParaRPr kumimoji="1" lang="ja-JP" altLang="en-US"/>
+          </a:p>
+        </p:txBody>
+      </p:sp>
+      <p:sp>
+        <p:nvSpPr>
+          <p:cNvPr id="5" name="Footer Placeholder 4"/>
+          <p:cNvSpPr>
+            <a:spLocks noGrp="1"/>
+          </p:cNvSpPr>
+          <p:nvPr>
+            <p:ph type="ftr" sz="quarter" idx="11"/>
+          </p:nvPr>
+        </p:nvSpPr>
+        <p:spPr/>
+        <p:txBody>
+          <a:bodyPr/>
+          <a:lstStyle/>
+          <a:p>
+            <a:endParaRPr kumimoji="1" lang="ja-JP" altLang="en-US"/>
+          </a:p>
+        </p:txBody>
+      </p:sp>
+      <p:sp>
+        <p:nvSpPr>
+          <p:cNvPr id="6" name="Slide Number Placeholder 5"/>
+          <p:cNvSpPr>
+            <a:spLocks noGrp="1"/>
+          </p:cNvSpPr>
+          <p:nvPr>
+            <p:ph type="sldNum" sz="quarter" idx="12"/>
+          </p:nvPr>
+        </p:nvSpPr>
+        <p:spPr/>
+        <p:txBody>
+          <a:bodyPr/>
+          <a:lstStyle/>
+          <a:p>
+            <a:fld id="{788D6554-83FB-43EC-AC0E-8BF46B3CE7B6}" type="slidenum">
+              <a:rPr kumimoji="1" lang="ja-JP" altLang="en-US" smtClean="0"/>
+              <a:t>‹#›</a:t>
+            </a:fld>
+            <a:endParaRPr kumimoji="1" lang="ja-JP" altLang="en-US"/>
+          </a:p>
+        </p:txBody>
+      </p:sp>
+    </p:spTree>
+    <p:extLst>
+      <p:ext uri="{BB962C8B-B14F-4D97-AF65-F5344CB8AC3E}">
+        <p14:creationId xmlns:p14="http://schemas.microsoft.com/office/powerpoint/2010/main" val="411218822"/>
+      </p:ext>
+    </p:extLst>
+  </p:cSld>
+  <p:clrMapOvr>
+    <a:masterClrMapping/>
+  </p:clrMapOvr>
+</p:sldLayout>
+</file>
+
+<file path=ppt/slideLayouts/slideLayout12.xml><?xml version="1.0" encoding="utf-8"?>
+<p:sldLayout xmlns:a="http://schemas.openxmlformats.org/drawingml/2006/main" xmlns:r="http://schemas.openxmlformats.org/officeDocument/2006/relationships" xmlns:p="http://schemas.openxmlformats.org/presentationml/2006/main" preserve="1">
+  <p:cSld name="引用 (キャプション付き)">
+    <p:spTree>
+      <p:nvGrpSpPr>
+        <p:cNvPr id="1" name=""/>
+        <p:cNvGrpSpPr/>
+        <p:nvPr/>
+      </p:nvGrpSpPr>
+      <p:grpSpPr>
+        <a:xfrm>
+          <a:off x="0" y="0"/>
+          <a:ext cx="0" cy="0"/>
+          <a:chOff x="0" y="0"/>
+          <a:chExt cx="0" cy="0"/>
+        </a:xfrm>
+      </p:grpSpPr>
+      <p:sp>
+        <p:nvSpPr>
+          <p:cNvPr id="2" name="Title 1"/>
+          <p:cNvSpPr>
+            <a:spLocks noGrp="1"/>
+          </p:cNvSpPr>
+          <p:nvPr>
+            <p:ph type="title"/>
+          </p:nvPr>
+        </p:nvSpPr>
+        <p:spPr>
+          <a:xfrm>
+            <a:off x="1574801" y="1447800"/>
+            <a:ext cx="7999315" cy="2323374"/>
+          </a:xfrm>
+        </p:spPr>
+        <p:txBody>
+          <a:bodyPr/>
+          <a:lstStyle>
+            <a:lvl1pPr>
+              <a:defRPr sz="4800"/>
+            </a:lvl1pPr>
+          </a:lstStyle>
+          <a:p>
+            <a:r>
+              <a:rPr lang="ja-JP" altLang="en-US" smtClean="0"/>
+              <a:t>マスター タイトルの書式設定</a:t>
+            </a:r>
+            <a:endParaRPr lang="en-US" dirty="0"/>
+          </a:p>
+        </p:txBody>
+      </p:sp>
+      <p:sp>
+        <p:nvSpPr>
+          <p:cNvPr id="11" name="Text Placeholder 3"/>
+          <p:cNvSpPr>
+            <a:spLocks noGrp="1"/>
+          </p:cNvSpPr>
+          <p:nvPr>
+            <p:ph type="body" sz="half" idx="14"/>
+          </p:nvPr>
+        </p:nvSpPr>
+        <p:spPr>
+          <a:xfrm>
+            <a:off x="1930400" y="3771174"/>
+            <a:ext cx="7279649" cy="342174"/>
+          </a:xfrm>
+        </p:spPr>
+        <p:txBody>
+          <a:bodyPr vert="horz" lIns="91440" tIns="45720" rIns="91440" bIns="45720" rtlCol="0" anchor="t">
+            <a:normAutofit/>
+          </a:bodyPr>
+          <a:lstStyle>
+            <a:lvl1pPr marL="0" indent="0">
+              <a:buNone/>
+              <a:defRPr lang="en-US" sz="1400" b="0" i="0" kern="1200" cap="small" dirty="0">
+                <a:solidFill>
+                  <a:schemeClr val="bg2">
+                    <a:lumMod val="40000"/>
+                    <a:lumOff val="60000"/>
+                  </a:schemeClr>
+                </a:solidFill>
+                <a:latin typeface="+mj-lt"/>
+                <a:ea typeface="+mj-ea"/>
+                <a:cs typeface="+mj-cs"/>
+              </a:defRPr>
+            </a:lvl1pPr>
+            <a:lvl2pPr marL="457200" indent="0">
+              <a:buNone/>
+              <a:defRPr sz="1200"/>
+            </a:lvl2pPr>
+            <a:lvl3pPr marL="914400" indent="0">
+              <a:buNone/>
+              <a:defRPr sz="1000"/>
+            </a:lvl3pPr>
+            <a:lvl4pPr marL="1371600" indent="0">
+              <a:buNone/>
+              <a:defRPr sz="900"/>
+            </a:lvl4pPr>
+            <a:lvl5pPr marL="1828800" indent="0">
+              <a:buNone/>
+              <a:defRPr sz="900"/>
+            </a:lvl5pPr>
+            <a:lvl6pPr marL="2286000" indent="0">
+              <a:buNone/>
+              <a:defRPr sz="900"/>
+            </a:lvl6pPr>
+            <a:lvl7pPr marL="2743200" indent="0">
+              <a:buNone/>
+              <a:defRPr sz="900"/>
+            </a:lvl7pPr>
+            <a:lvl8pPr marL="3200400" indent="0">
+              <a:buNone/>
+              <a:defRPr sz="900"/>
+            </a:lvl8pPr>
+            <a:lvl9pPr marL="3657600" indent="0">
+              <a:buNone/>
+              <a:defRPr sz="900"/>
+            </a:lvl9pPr>
+          </a:lstStyle>
+          <a:p>
+            <a:pPr marL="0" lvl="0" indent="0">
+              <a:buNone/>
+            </a:pPr>
+            <a:r>
+              <a:rPr lang="ja-JP" altLang="en-US" smtClean="0"/>
+              <a:t>マスター テキストの書式設定</a:t>
+            </a:r>
+          </a:p>
+        </p:txBody>
+      </p:sp>
+      <p:sp>
+        <p:nvSpPr>
+          <p:cNvPr id="10" name="Text Placeholder 3"/>
+          <p:cNvSpPr>
+            <a:spLocks noGrp="1"/>
+          </p:cNvSpPr>
+          <p:nvPr>
+            <p:ph type="body" sz="half" idx="2"/>
+          </p:nvPr>
+        </p:nvSpPr>
+        <p:spPr>
+          <a:xfrm>
+            <a:off x="1154954" y="4350657"/>
+            <a:ext cx="8825659" cy="1676400"/>
+          </a:xfrm>
+        </p:spPr>
+        <p:txBody>
+          <a:bodyPr anchor="ctr">
+            <a:normAutofit/>
+          </a:bodyPr>
+          <a:lstStyle>
+            <a:lvl1pPr marL="0" indent="0">
+              <a:buNone/>
+              <a:defRPr sz="1800"/>
+            </a:lvl1pPr>
+            <a:lvl2pPr marL="457200" indent="0">
+              <a:buNone/>
+              <a:defRPr sz="1200"/>
+            </a:lvl2pPr>
+            <a:lvl3pPr marL="914400" indent="0">
+              <a:buNone/>
+              <a:defRPr sz="1000"/>
+            </a:lvl3pPr>
+            <a:lvl4pPr marL="1371600" indent="0">
+              <a:buNone/>
+              <a:defRPr sz="900"/>
+            </a:lvl4pPr>
+            <a:lvl5pPr marL="1828800" indent="0">
+              <a:buNone/>
+              <a:defRPr sz="900"/>
+            </a:lvl5pPr>
+            <a:lvl6pPr marL="2286000" indent="0">
+              <a:buNone/>
+              <a:defRPr sz="900"/>
+            </a:lvl6pPr>
+            <a:lvl7pPr marL="2743200" indent="0">
+              <a:buNone/>
+              <a:defRPr sz="900"/>
+            </a:lvl7pPr>
+            <a:lvl8pPr marL="3200400" indent="0">
+              <a:buNone/>
+              <a:defRPr sz="900"/>
+            </a:lvl8pPr>
+            <a:lvl9pPr marL="3657600" indent="0">
+              <a:buNone/>
+              <a:defRPr sz="900"/>
+            </a:lvl9pPr>
+          </a:lstStyle>
+          <a:p>
+            <a:pPr lvl="0"/>
+            <a:r>
+              <a:rPr lang="ja-JP" altLang="en-US" smtClean="0"/>
+              <a:t>マスター テキストの書式設定</a:t>
+            </a:r>
+          </a:p>
+        </p:txBody>
+      </p:sp>
+      <p:sp>
+        <p:nvSpPr>
+          <p:cNvPr id="4" name="Date Placeholder 3"/>
+          <p:cNvSpPr>
+            <a:spLocks noGrp="1"/>
+          </p:cNvSpPr>
+          <p:nvPr>
+            <p:ph type="dt" sz="half" idx="10"/>
+          </p:nvPr>
+        </p:nvSpPr>
+        <p:spPr/>
+        <p:txBody>
+          <a:bodyPr/>
+          <a:lstStyle/>
+          <a:p>
+            <a:fld id="{1A235D97-DFB1-401C-BDEE-EDF1579BAA11}" type="datetimeFigureOut">
+              <a:rPr kumimoji="1" lang="ja-JP" altLang="en-US" smtClean="0"/>
+              <a:t>2020/8/29</a:t>
+            </a:fld>
+            <a:endParaRPr kumimoji="1" lang="ja-JP" altLang="en-US"/>
+          </a:p>
+        </p:txBody>
+      </p:sp>
+      <p:sp>
+        <p:nvSpPr>
+          <p:cNvPr id="5" name="Footer Placeholder 4"/>
+          <p:cNvSpPr>
+            <a:spLocks noGrp="1"/>
+          </p:cNvSpPr>
+          <p:nvPr>
+            <p:ph type="ftr" sz="quarter" idx="11"/>
+          </p:nvPr>
+        </p:nvSpPr>
+        <p:spPr/>
+        <p:txBody>
+          <a:bodyPr/>
+          <a:lstStyle/>
+          <a:p>
+            <a:endParaRPr kumimoji="1" lang="ja-JP" altLang="en-US"/>
+          </a:p>
+        </p:txBody>
+      </p:sp>
+      <p:sp>
+        <p:nvSpPr>
+          <p:cNvPr id="6" name="Slide Number Placeholder 5"/>
+          <p:cNvSpPr>
+            <a:spLocks noGrp="1"/>
+          </p:cNvSpPr>
+          <p:nvPr>
+            <p:ph type="sldNum" sz="quarter" idx="12"/>
+          </p:nvPr>
+        </p:nvSpPr>
+        <p:spPr/>
+        <p:txBody>
+          <a:bodyPr/>
+          <a:lstStyle/>
+          <a:p>
+            <a:fld id="{788D6554-83FB-43EC-AC0E-8BF46B3CE7B6}" type="slidenum">
+              <a:rPr kumimoji="1" lang="ja-JP" altLang="en-US" smtClean="0"/>
+              <a:t>‹#›</a:t>
+            </a:fld>
+            <a:endParaRPr kumimoji="1" lang="ja-JP" altLang="en-US"/>
+          </a:p>
+        </p:txBody>
+      </p:sp>
+      <p:sp>
+        <p:nvSpPr>
+          <p:cNvPr id="12" name="TextBox 11"/>
+          <p:cNvSpPr txBox="1"/>
+          <p:nvPr/>
+        </p:nvSpPr>
+        <p:spPr>
+          <a:xfrm>
+            <a:off x="898295" y="971253"/>
+            <a:ext cx="801912" cy="1969770"/>
+          </a:xfrm>
+          <a:prstGeom prst="rect">
+            <a:avLst/>
+          </a:prstGeom>
+          <a:noFill/>
+        </p:spPr>
+        <p:txBody>
+          <a:bodyPr wrap="square" rtlCol="0">
+            <a:spAutoFit/>
+          </a:bodyPr>
+          <a:lstStyle>
+            <a:defPPr>
+              <a:defRPr lang="en-US"/>
+            </a:defPPr>
+            <a:lvl1pPr algn="r">
+              <a:defRPr sz="12200" b="0" i="0">
+                <a:solidFill>
+                  <a:schemeClr val="bg2">
+                    <a:lumMod val="40000"/>
+                    <a:lumOff val="60000"/>
+                  </a:schemeClr>
+                </a:solidFill>
+                <a:latin typeface="Arial"/>
+                <a:ea typeface="+mj-ea"/>
+                <a:cs typeface="+mj-cs"/>
+              </a:defRPr>
+            </a:lvl1pPr>
+          </a:lstStyle>
+          <a:p>
+            <a:pPr lvl="0"/>
+            <a:r>
+              <a:rPr lang="en-US" dirty="0"/>
+              <a:t>“</a:t>
+            </a:r>
+          </a:p>
+        </p:txBody>
+      </p:sp>
+      <p:sp>
+        <p:nvSpPr>
+          <p:cNvPr id="15" name="TextBox 14"/>
+          <p:cNvSpPr txBox="1"/>
+          <p:nvPr/>
+        </p:nvSpPr>
+        <p:spPr>
+          <a:xfrm>
+            <a:off x="9330490" y="2613787"/>
+            <a:ext cx="801912" cy="1969770"/>
+          </a:xfrm>
+          <a:prstGeom prst="rect">
+            <a:avLst/>
+          </a:prstGeom>
+          <a:noFill/>
+        </p:spPr>
+        <p:txBody>
+          <a:bodyPr wrap="square" rtlCol="0">
+            <a:spAutoFit/>
+          </a:bodyPr>
+          <a:lstStyle>
+            <a:defPPr>
+              <a:defRPr lang="en-US"/>
+            </a:defPPr>
+            <a:lvl1pPr algn="r">
+              <a:defRPr sz="12200" b="0" i="0">
+                <a:solidFill>
+                  <a:schemeClr val="bg2">
+                    <a:lumMod val="40000"/>
+                    <a:lumOff val="60000"/>
+                  </a:schemeClr>
+                </a:solidFill>
+                <a:latin typeface="Arial"/>
+                <a:ea typeface="+mj-ea"/>
+                <a:cs typeface="+mj-cs"/>
+              </a:defRPr>
+            </a:lvl1pPr>
+          </a:lstStyle>
+          <a:p>
+            <a:pPr lvl="0"/>
+            <a:r>
+              <a:rPr lang="en-US" dirty="0"/>
+              <a:t>”</a:t>
+            </a:r>
+          </a:p>
+        </p:txBody>
+      </p:sp>
+    </p:spTree>
+    <p:extLst>
+      <p:ext uri="{BB962C8B-B14F-4D97-AF65-F5344CB8AC3E}">
+        <p14:creationId xmlns:p14="http://schemas.microsoft.com/office/powerpoint/2010/main" val="1798403671"/>
+      </p:ext>
+    </p:extLst>
+  </p:cSld>
+  <p:clrMapOvr>
+    <a:masterClrMapping/>
+  </p:clrMapOvr>
+</p:sldLayout>
+</file>
+
+<file path=ppt/slideLayouts/slideLayout13.xml><?xml version="1.0" encoding="utf-8"?>
+<p:sldLayout xmlns:a="http://schemas.openxmlformats.org/drawingml/2006/main" xmlns:r="http://schemas.openxmlformats.org/officeDocument/2006/relationships" xmlns:p="http://schemas.openxmlformats.org/presentationml/2006/main" preserve="1">
+  <p:cSld name="名札">
+    <p:spTree>
+      <p:nvGrpSpPr>
+        <p:cNvPr id="1" name=""/>
+        <p:cNvGrpSpPr/>
+        <p:nvPr/>
+      </p:nvGrpSpPr>
+      <p:grpSpPr>
+        <a:xfrm>
+          <a:off x="0" y="0"/>
+          <a:ext cx="0" cy="0"/>
+          <a:chOff x="0" y="0"/>
+          <a:chExt cx="0" cy="0"/>
+        </a:xfrm>
+      </p:grpSpPr>
+      <p:sp>
+        <p:nvSpPr>
+          <p:cNvPr id="2" name="Title 1"/>
+          <p:cNvSpPr>
+            <a:spLocks noGrp="1"/>
+          </p:cNvSpPr>
+          <p:nvPr>
+            <p:ph type="title"/>
+          </p:nvPr>
+        </p:nvSpPr>
+        <p:spPr>
+          <a:xfrm>
+            <a:off x="1154954" y="3124201"/>
+            <a:ext cx="8825660" cy="1653180"/>
+          </a:xfrm>
+        </p:spPr>
+        <p:txBody>
+          <a:bodyPr anchor="b"/>
+          <a:lstStyle>
+            <a:lvl1pPr algn="l">
+              <a:defRPr sz="4000" b="0" cap="none"/>
+            </a:lvl1pPr>
+          </a:lstStyle>
+          <a:p>
+            <a:r>
+              <a:rPr lang="ja-JP" altLang="en-US" smtClean="0"/>
+              <a:t>マスター タイトルの書式設定</a:t>
+            </a:r>
+            <a:endParaRPr lang="en-US" dirty="0"/>
+          </a:p>
+        </p:txBody>
+      </p:sp>
+      <p:sp>
+        <p:nvSpPr>
+          <p:cNvPr id="3" name="Text Placeholder 2"/>
+          <p:cNvSpPr>
+            <a:spLocks noGrp="1"/>
+          </p:cNvSpPr>
+          <p:nvPr>
+            <p:ph type="body" idx="1"/>
+          </p:nvPr>
+        </p:nvSpPr>
+        <p:spPr>
+          <a:xfrm>
+            <a:off x="1154954" y="4777381"/>
+            <a:ext cx="8825659" cy="860400"/>
+          </a:xfrm>
+        </p:spPr>
+        <p:txBody>
+          <a:bodyPr anchor="t"/>
+          <a:lstStyle>
+            <a:lvl1pPr marL="0" indent="0" algn="l">
+              <a:buNone/>
+              <a:defRPr sz="2000" cap="none">
+                <a:solidFill>
+                  <a:schemeClr val="bg2">
+                    <a:lumMod val="40000"/>
+                    <a:lumOff val="60000"/>
+                  </a:schemeClr>
+                </a:solidFill>
+              </a:defRPr>
+            </a:lvl1pPr>
+            <a:lvl2pPr marL="457200" indent="0">
+              <a:buNone/>
+              <a:defRPr sz="1800">
+                <a:solidFill>
+                  <a:schemeClr val="tx1">
+                    <a:tint val="75000"/>
+                  </a:schemeClr>
+                </a:solidFill>
+              </a:defRPr>
+            </a:lvl2pPr>
+            <a:lvl3pPr marL="914400" indent="0">
+              <a:buNone/>
+              <a:defRPr sz="1600">
+                <a:solidFill>
+                  <a:schemeClr val="tx1">
+                    <a:tint val="75000"/>
+                  </a:schemeClr>
+                </a:solidFill>
+              </a:defRPr>
+            </a:lvl3pPr>
+            <a:lvl4pPr marL="1371600" indent="0">
+              <a:buNone/>
+              <a:defRPr sz="1400">
+                <a:solidFill>
+                  <a:schemeClr val="tx1">
+                    <a:tint val="75000"/>
+                  </a:schemeClr>
+                </a:solidFill>
+              </a:defRPr>
+            </a:lvl4pPr>
+            <a:lvl5pPr marL="1828800" indent="0">
+              <a:buNone/>
+              <a:defRPr sz="1400">
+                <a:solidFill>
+                  <a:schemeClr val="tx1">
+                    <a:tint val="75000"/>
+                  </a:schemeClr>
+                </a:solidFill>
+              </a:defRPr>
+            </a:lvl5pPr>
+            <a:lvl6pPr marL="2286000" indent="0">
+              <a:buNone/>
+              <a:defRPr sz="1400">
+                <a:solidFill>
+                  <a:schemeClr val="tx1">
+                    <a:tint val="75000"/>
+                  </a:schemeClr>
+                </a:solidFill>
+              </a:defRPr>
+            </a:lvl6pPr>
+            <a:lvl7pPr marL="2743200" indent="0">
+              <a:buNone/>
+              <a:defRPr sz="1400">
+                <a:solidFill>
+                  <a:schemeClr val="tx1">
+                    <a:tint val="75000"/>
+                  </a:schemeClr>
+                </a:solidFill>
+              </a:defRPr>
+            </a:lvl7pPr>
+            <a:lvl8pPr marL="3200400" indent="0">
+              <a:buNone/>
+              <a:defRPr sz="1400">
+                <a:solidFill>
+                  <a:schemeClr val="tx1">
+                    <a:tint val="75000"/>
+                  </a:schemeClr>
+                </a:solidFill>
+              </a:defRPr>
+            </a:lvl8pPr>
+            <a:lvl9pPr marL="3657600" indent="0">
+              <a:buNone/>
+              <a:defRPr sz="1400">
+                <a:solidFill>
+                  <a:schemeClr val="tx1">
+                    <a:tint val="75000"/>
+                  </a:schemeClr>
+                </a:solidFill>
+              </a:defRPr>
+            </a:lvl9pPr>
+          </a:lstStyle>
+          <a:p>
+            <a:pPr lvl="0"/>
+            <a:r>
+              <a:rPr lang="ja-JP" altLang="en-US" smtClean="0"/>
+              <a:t>マスター テキストの書式設定</a:t>
+            </a:r>
+          </a:p>
+        </p:txBody>
+      </p:sp>
+      <p:sp>
+        <p:nvSpPr>
+          <p:cNvPr id="4" name="Date Placeholder 3"/>
+          <p:cNvSpPr>
+            <a:spLocks noGrp="1"/>
+          </p:cNvSpPr>
+          <p:nvPr>
+            <p:ph type="dt" sz="half" idx="10"/>
+          </p:nvPr>
+        </p:nvSpPr>
+        <p:spPr/>
+        <p:txBody>
+          <a:bodyPr/>
+          <a:lstStyle/>
+          <a:p>
+            <a:fld id="{1A235D97-DFB1-401C-BDEE-EDF1579BAA11}" type="datetimeFigureOut">
+              <a:rPr kumimoji="1" lang="ja-JP" altLang="en-US" smtClean="0"/>
+              <a:t>2020/8/29</a:t>
+            </a:fld>
+            <a:endParaRPr kumimoji="1" lang="ja-JP" altLang="en-US"/>
+          </a:p>
+        </p:txBody>
+      </p:sp>
+      <p:sp>
+        <p:nvSpPr>
+          <p:cNvPr id="5" name="Footer Placeholder 4"/>
+          <p:cNvSpPr>
+            <a:spLocks noGrp="1"/>
+          </p:cNvSpPr>
+          <p:nvPr>
+            <p:ph type="ftr" sz="quarter" idx="11"/>
+          </p:nvPr>
+        </p:nvSpPr>
+        <p:spPr/>
+        <p:txBody>
+          <a:bodyPr/>
+          <a:lstStyle/>
+          <a:p>
+            <a:endParaRPr kumimoji="1" lang="ja-JP" altLang="en-US"/>
+          </a:p>
+        </p:txBody>
+      </p:sp>
+      <p:sp>
+        <p:nvSpPr>
+          <p:cNvPr id="6" name="Slide Number Placeholder 5"/>
+          <p:cNvSpPr>
+            <a:spLocks noGrp="1"/>
+          </p:cNvSpPr>
+          <p:nvPr>
+            <p:ph type="sldNum" sz="quarter" idx="12"/>
+          </p:nvPr>
+        </p:nvSpPr>
+        <p:spPr/>
+        <p:txBody>
+          <a:bodyPr/>
+          <a:lstStyle/>
+          <a:p>
+            <a:fld id="{788D6554-83FB-43EC-AC0E-8BF46B3CE7B6}" type="slidenum">
+              <a:rPr kumimoji="1" lang="ja-JP" altLang="en-US" smtClean="0"/>
+              <a:t>‹#›</a:t>
+            </a:fld>
+            <a:endParaRPr kumimoji="1" lang="ja-JP" altLang="en-US"/>
+          </a:p>
+        </p:txBody>
+      </p:sp>
+    </p:spTree>
+    <p:extLst>
+      <p:ext uri="{BB962C8B-B14F-4D97-AF65-F5344CB8AC3E}">
+        <p14:creationId xmlns:p14="http://schemas.microsoft.com/office/powerpoint/2010/main" val="2237181932"/>
+      </p:ext>
+    </p:extLst>
+  </p:cSld>
+  <p:clrMapOvr>
+    <a:masterClrMapping/>
+  </p:clrMapOvr>
+</p:sldLayout>
+</file>
+
+<file path=ppt/slideLayouts/slideLayout14.xml><?xml version="1.0" encoding="utf-8"?>
+<p:sldLayout xmlns:a="http://schemas.openxmlformats.org/drawingml/2006/main" xmlns:r="http://schemas.openxmlformats.org/officeDocument/2006/relationships" xmlns:p="http://schemas.openxmlformats.org/presentationml/2006/main" preserve="1">
+  <p:cSld name="3 段">
+    <p:spTree>
+      <p:nvGrpSpPr>
+        <p:cNvPr id="1" name=""/>
+        <p:cNvGrpSpPr/>
+        <p:nvPr/>
+      </p:nvGrpSpPr>
+      <p:grpSpPr>
+        <a:xfrm>
+          <a:off x="0" y="0"/>
+          <a:ext cx="0" cy="0"/>
+          <a:chOff x="0" y="0"/>
+          <a:chExt cx="0" cy="0"/>
+        </a:xfrm>
+      </p:grpSpPr>
+      <p:sp>
+        <p:nvSpPr>
+          <p:cNvPr id="2" name="Title 1"/>
+          <p:cNvSpPr>
+            <a:spLocks noGrp="1"/>
+          </p:cNvSpPr>
+          <p:nvPr>
+            <p:ph type="title"/>
+          </p:nvPr>
+        </p:nvSpPr>
+        <p:spPr/>
+        <p:txBody>
+          <a:bodyPr/>
+          <a:lstStyle>
+            <a:lvl1pPr>
+              <a:defRPr sz="4200"/>
+            </a:lvl1pPr>
+          </a:lstStyle>
+          <a:p>
+            <a:r>
+              <a:rPr lang="ja-JP" altLang="en-US" smtClean="0"/>
+              <a:t>マスター タイトルの書式設定</a:t>
+            </a:r>
+            <a:endParaRPr lang="en-US" dirty="0"/>
+          </a:p>
+        </p:txBody>
+      </p:sp>
+      <p:sp>
+        <p:nvSpPr>
+          <p:cNvPr id="3" name="Text Placeholder 2"/>
+          <p:cNvSpPr>
+            <a:spLocks noGrp="1"/>
+          </p:cNvSpPr>
+          <p:nvPr>
+            <p:ph type="body" idx="1"/>
+          </p:nvPr>
+        </p:nvSpPr>
+        <p:spPr>
+          <a:xfrm>
+            <a:off x="632947" y="1981200"/>
+            <a:ext cx="2946866" cy="576262"/>
+          </a:xfrm>
+        </p:spPr>
+        <p:txBody>
+          <a:bodyPr anchor="b">
+            <a:noAutofit/>
+          </a:bodyPr>
+          <a:lstStyle>
+            <a:lvl1pPr marL="0" indent="0">
+              <a:buNone/>
+              <a:defRPr sz="2400" b="0">
+                <a:solidFill>
+                  <a:schemeClr val="bg2">
+                    <a:lumMod val="40000"/>
+                    <a:lumOff val="60000"/>
+                  </a:schemeClr>
+                </a:solidFill>
+              </a:defRPr>
+            </a:lvl1pPr>
+            <a:lvl2pPr marL="457200" indent="0">
+              <a:buNone/>
+              <a:defRPr sz="2000" b="1"/>
+            </a:lvl2pPr>
+            <a:lvl3pPr marL="914400" indent="0">
+              <a:buNone/>
+              <a:defRPr sz="1800" b="1"/>
+            </a:lvl3pPr>
+            <a:lvl4pPr marL="1371600" indent="0">
+              <a:buNone/>
+              <a:defRPr sz="1600" b="1"/>
+            </a:lvl4pPr>
+            <a:lvl5pPr marL="1828800" indent="0">
+              <a:buNone/>
+              <a:defRPr sz="1600" b="1"/>
+            </a:lvl5pPr>
+            <a:lvl6pPr marL="2286000" indent="0">
+              <a:buNone/>
+              <a:defRPr sz="1600" b="1"/>
+            </a:lvl6pPr>
+            <a:lvl7pPr marL="2743200" indent="0">
+              <a:buNone/>
+              <a:defRPr sz="1600" b="1"/>
+            </a:lvl7pPr>
+            <a:lvl8pPr marL="3200400" indent="0">
+              <a:buNone/>
+              <a:defRPr sz="1600" b="1"/>
+            </a:lvl8pPr>
+            <a:lvl9pPr marL="3657600" indent="0">
+              <a:buNone/>
+              <a:defRPr sz="1600" b="1"/>
+            </a:lvl9pPr>
+          </a:lstStyle>
+          <a:p>
+            <a:pPr lvl="0"/>
+            <a:r>
+              <a:rPr lang="ja-JP" altLang="en-US" smtClean="0"/>
+              <a:t>マスター テキストの書式設定</a:t>
+            </a:r>
+          </a:p>
+        </p:txBody>
+      </p:sp>
+      <p:sp>
+        <p:nvSpPr>
+          <p:cNvPr id="16" name="Text Placeholder 3"/>
+          <p:cNvSpPr>
+            <a:spLocks noGrp="1"/>
+          </p:cNvSpPr>
+          <p:nvPr>
+            <p:ph type="body" sz="half" idx="15"/>
+          </p:nvPr>
+        </p:nvSpPr>
+        <p:spPr>
+          <a:xfrm>
+            <a:off x="652463" y="2667000"/>
+            <a:ext cx="2927350" cy="3589338"/>
+          </a:xfrm>
+        </p:spPr>
+        <p:txBody>
+          <a:bodyPr anchor="t">
+            <a:normAutofit/>
+          </a:bodyPr>
+          <a:lstStyle>
+            <a:lvl1pPr marL="0" indent="0">
+              <a:buNone/>
+              <a:defRPr sz="1400"/>
+            </a:lvl1pPr>
+            <a:lvl2pPr marL="457200" indent="0">
+              <a:buNone/>
+              <a:defRPr sz="1200"/>
+            </a:lvl2pPr>
+            <a:lvl3pPr marL="914400" indent="0">
+              <a:buNone/>
+              <a:defRPr sz="1000"/>
+            </a:lvl3pPr>
+            <a:lvl4pPr marL="1371600" indent="0">
+              <a:buNone/>
+              <a:defRPr sz="900"/>
+            </a:lvl4pPr>
+            <a:lvl5pPr marL="1828800" indent="0">
+              <a:buNone/>
+              <a:defRPr sz="900"/>
+            </a:lvl5pPr>
+            <a:lvl6pPr marL="2286000" indent="0">
+              <a:buNone/>
+              <a:defRPr sz="900"/>
+            </a:lvl6pPr>
+            <a:lvl7pPr marL="2743200" indent="0">
+              <a:buNone/>
+              <a:defRPr sz="900"/>
+            </a:lvl7pPr>
+            <a:lvl8pPr marL="3200400" indent="0">
+              <a:buNone/>
+              <a:defRPr sz="900"/>
+            </a:lvl8pPr>
+            <a:lvl9pPr marL="3657600" indent="0">
+              <a:buNone/>
+              <a:defRPr sz="900"/>
+            </a:lvl9pPr>
+          </a:lstStyle>
+          <a:p>
+            <a:pPr lvl="0"/>
+            <a:r>
+              <a:rPr lang="ja-JP" altLang="en-US" smtClean="0"/>
+              <a:t>マスター テキストの書式設定</a:t>
+            </a:r>
+          </a:p>
+        </p:txBody>
+      </p:sp>
+      <p:sp>
+        <p:nvSpPr>
+          <p:cNvPr id="5" name="Text Placeholder 4"/>
+          <p:cNvSpPr>
+            <a:spLocks noGrp="1"/>
+          </p:cNvSpPr>
+          <p:nvPr>
+            <p:ph type="body" sz="quarter" idx="3"/>
+          </p:nvPr>
+        </p:nvSpPr>
+        <p:spPr>
+          <a:xfrm>
+            <a:off x="3883659" y="1981200"/>
+            <a:ext cx="2936241" cy="576262"/>
+          </a:xfrm>
+        </p:spPr>
+        <p:txBody>
+          <a:bodyPr anchor="b">
+            <a:noAutofit/>
+          </a:bodyPr>
+          <a:lstStyle>
+            <a:lvl1pPr marL="0" indent="0">
+              <a:buNone/>
+              <a:defRPr sz="2400" b="0">
+                <a:solidFill>
+                  <a:schemeClr val="bg2">
+                    <a:lumMod val="40000"/>
+                    <a:lumOff val="60000"/>
+                  </a:schemeClr>
+                </a:solidFill>
+              </a:defRPr>
+            </a:lvl1pPr>
+            <a:lvl2pPr marL="457200" indent="0">
+              <a:buNone/>
+              <a:defRPr sz="2000" b="1"/>
+            </a:lvl2pPr>
+            <a:lvl3pPr marL="914400" indent="0">
+              <a:buNone/>
+              <a:defRPr sz="1800" b="1"/>
+            </a:lvl3pPr>
+            <a:lvl4pPr marL="1371600" indent="0">
+              <a:buNone/>
+              <a:defRPr sz="1600" b="1"/>
+            </a:lvl4pPr>
+            <a:lvl5pPr marL="1828800" indent="0">
+              <a:buNone/>
+              <a:defRPr sz="1600" b="1"/>
+            </a:lvl5pPr>
+            <a:lvl6pPr marL="2286000" indent="0">
+              <a:buNone/>
+              <a:defRPr sz="1600" b="1"/>
+            </a:lvl6pPr>
+            <a:lvl7pPr marL="2743200" indent="0">
+              <a:buNone/>
+              <a:defRPr sz="1600" b="1"/>
+            </a:lvl7pPr>
+            <a:lvl8pPr marL="3200400" indent="0">
+              <a:buNone/>
+              <a:defRPr sz="1600" b="1"/>
+            </a:lvl8pPr>
+            <a:lvl9pPr marL="3657600" indent="0">
+              <a:buNone/>
+              <a:defRPr sz="1600" b="1"/>
+            </a:lvl9pPr>
+          </a:lstStyle>
+          <a:p>
+            <a:pPr lvl="0"/>
+            <a:r>
+              <a:rPr lang="ja-JP" altLang="en-US" smtClean="0"/>
+              <a:t>マスター テキストの書式設定</a:t>
+            </a:r>
+          </a:p>
+        </p:txBody>
+      </p:sp>
+      <p:sp>
+        <p:nvSpPr>
+          <p:cNvPr id="19" name="Text Placeholder 3"/>
+          <p:cNvSpPr>
+            <a:spLocks noGrp="1"/>
+          </p:cNvSpPr>
+          <p:nvPr>
+            <p:ph type="body" sz="half" idx="16"/>
+          </p:nvPr>
+        </p:nvSpPr>
+        <p:spPr>
+          <a:xfrm>
+            <a:off x="3873106" y="2667000"/>
+            <a:ext cx="2946794" cy="3589338"/>
+          </a:xfrm>
+        </p:spPr>
+        <p:txBody>
+          <a:bodyPr anchor="t">
+            <a:normAutofit/>
+          </a:bodyPr>
+          <a:lstStyle>
+            <a:lvl1pPr marL="0" indent="0">
+              <a:buNone/>
+              <a:defRPr sz="1400"/>
+            </a:lvl1pPr>
+            <a:lvl2pPr marL="457200" indent="0">
+              <a:buNone/>
+              <a:defRPr sz="1200"/>
+            </a:lvl2pPr>
+            <a:lvl3pPr marL="914400" indent="0">
+              <a:buNone/>
+              <a:defRPr sz="1000"/>
+            </a:lvl3pPr>
+            <a:lvl4pPr marL="1371600" indent="0">
+              <a:buNone/>
+              <a:defRPr sz="900"/>
+            </a:lvl4pPr>
+            <a:lvl5pPr marL="1828800" indent="0">
+              <a:buNone/>
+              <a:defRPr sz="900"/>
+            </a:lvl5pPr>
+            <a:lvl6pPr marL="2286000" indent="0">
+              <a:buNone/>
+              <a:defRPr sz="900"/>
+            </a:lvl6pPr>
+            <a:lvl7pPr marL="2743200" indent="0">
+              <a:buNone/>
+              <a:defRPr sz="900"/>
+            </a:lvl7pPr>
+            <a:lvl8pPr marL="3200400" indent="0">
+              <a:buNone/>
+              <a:defRPr sz="900"/>
+            </a:lvl8pPr>
+            <a:lvl9pPr marL="3657600" indent="0">
+              <a:buNone/>
+              <a:defRPr sz="900"/>
+            </a:lvl9pPr>
+          </a:lstStyle>
+          <a:p>
+            <a:pPr lvl="0"/>
+            <a:r>
+              <a:rPr lang="ja-JP" altLang="en-US" smtClean="0"/>
+              <a:t>マスター テキストの書式設定</a:t>
+            </a:r>
+          </a:p>
+        </p:txBody>
+      </p:sp>
+      <p:sp>
+        <p:nvSpPr>
+          <p:cNvPr id="14" name="Text Placeholder 4"/>
+          <p:cNvSpPr>
+            <a:spLocks noGrp="1"/>
+          </p:cNvSpPr>
+          <p:nvPr>
+            <p:ph type="body" sz="quarter" idx="13"/>
+          </p:nvPr>
+        </p:nvSpPr>
+        <p:spPr>
+          <a:xfrm>
+            <a:off x="7124700" y="1981200"/>
+            <a:ext cx="2932113" cy="576262"/>
+          </a:xfrm>
+        </p:spPr>
+        <p:txBody>
+          <a:bodyPr anchor="b">
+            <a:noAutofit/>
+          </a:bodyPr>
+          <a:lstStyle>
+            <a:lvl1pPr marL="0" indent="0">
+              <a:buNone/>
+              <a:defRPr sz="2400" b="0">
+                <a:solidFill>
+                  <a:schemeClr val="bg2">
+                    <a:lumMod val="40000"/>
+                    <a:lumOff val="60000"/>
+                  </a:schemeClr>
+                </a:solidFill>
+              </a:defRPr>
+            </a:lvl1pPr>
+            <a:lvl2pPr marL="457200" indent="0">
+              <a:buNone/>
+              <a:defRPr sz="2000" b="1"/>
+            </a:lvl2pPr>
+            <a:lvl3pPr marL="914400" indent="0">
+              <a:buNone/>
+              <a:defRPr sz="1800" b="1"/>
+            </a:lvl3pPr>
+            <a:lvl4pPr marL="1371600" indent="0">
+              <a:buNone/>
+              <a:defRPr sz="1600" b="1"/>
+            </a:lvl4pPr>
+            <a:lvl5pPr marL="1828800" indent="0">
+              <a:buNone/>
+              <a:defRPr sz="1600" b="1"/>
+            </a:lvl5pPr>
+            <a:lvl6pPr marL="2286000" indent="0">
+              <a:buNone/>
+              <a:defRPr sz="1600" b="1"/>
+            </a:lvl6pPr>
+            <a:lvl7pPr marL="2743200" indent="0">
+              <a:buNone/>
+              <a:defRPr sz="1600" b="1"/>
+            </a:lvl7pPr>
+            <a:lvl8pPr marL="3200400" indent="0">
+              <a:buNone/>
+              <a:defRPr sz="1600" b="1"/>
+            </a:lvl8pPr>
+            <a:lvl9pPr marL="3657600" indent="0">
+              <a:buNone/>
+              <a:defRPr sz="1600" b="1"/>
+            </a:lvl9pPr>
+          </a:lstStyle>
+          <a:p>
+            <a:pPr lvl="0"/>
+            <a:r>
+              <a:rPr lang="ja-JP" altLang="en-US" smtClean="0"/>
+              <a:t>マスター テキストの書式設定</a:t>
+            </a:r>
+          </a:p>
+        </p:txBody>
+      </p:sp>
+      <p:sp>
+        <p:nvSpPr>
+          <p:cNvPr id="20" name="Text Placeholder 3"/>
+          <p:cNvSpPr>
+            <a:spLocks noGrp="1"/>
+          </p:cNvSpPr>
+          <p:nvPr>
+            <p:ph type="body" sz="half" idx="17"/>
+          </p:nvPr>
+        </p:nvSpPr>
+        <p:spPr>
+          <a:xfrm>
+            <a:off x="7124700" y="2667000"/>
+            <a:ext cx="2932113" cy="3589338"/>
+          </a:xfrm>
+        </p:spPr>
+        <p:txBody>
+          <a:bodyPr anchor="t">
+            <a:normAutofit/>
+          </a:bodyPr>
+          <a:lstStyle>
+            <a:lvl1pPr marL="0" indent="0">
+              <a:buNone/>
+              <a:defRPr sz="1400"/>
+            </a:lvl1pPr>
+            <a:lvl2pPr marL="457200" indent="0">
+              <a:buNone/>
+              <a:defRPr sz="1200"/>
+            </a:lvl2pPr>
+            <a:lvl3pPr marL="914400" indent="0">
+              <a:buNone/>
+              <a:defRPr sz="1000"/>
+            </a:lvl3pPr>
+            <a:lvl4pPr marL="1371600" indent="0">
+              <a:buNone/>
+              <a:defRPr sz="900"/>
+            </a:lvl4pPr>
+            <a:lvl5pPr marL="1828800" indent="0">
+              <a:buNone/>
+              <a:defRPr sz="900"/>
+            </a:lvl5pPr>
+            <a:lvl6pPr marL="2286000" indent="0">
+              <a:buNone/>
+              <a:defRPr sz="900"/>
+            </a:lvl6pPr>
+            <a:lvl7pPr marL="2743200" indent="0">
+              <a:buNone/>
+              <a:defRPr sz="900"/>
+            </a:lvl7pPr>
+            <a:lvl8pPr marL="3200400" indent="0">
+              <a:buNone/>
+              <a:defRPr sz="900"/>
+            </a:lvl8pPr>
+            <a:lvl9pPr marL="3657600" indent="0">
+              <a:buNone/>
+              <a:defRPr sz="900"/>
+            </a:lvl9pPr>
+          </a:lstStyle>
+          <a:p>
+            <a:pPr lvl="0"/>
+            <a:r>
+              <a:rPr lang="ja-JP" altLang="en-US" smtClean="0"/>
+              <a:t>マスター テキストの書式設定</a:t>
+            </a:r>
+          </a:p>
+        </p:txBody>
+      </p:sp>
+      <p:cxnSp>
+        <p:nvCxnSpPr>
+          <p:cNvPr id="17" name="Straight Connector 16"/>
+          <p:cNvCxnSpPr/>
+          <p:nvPr/>
+        </p:nvCxnSpPr>
+        <p:spPr>
+          <a:xfrm>
+            <a:off x="3726142" y="2133600"/>
+            <a:ext cx="0" cy="3962400"/>
+          </a:xfrm>
+          <a:prstGeom prst="line">
+            <a:avLst/>
+          </a:prstGeom>
+          <a:ln w="12700" cmpd="sng">
+            <a:solidFill>
+              <a:schemeClr val="bg2">
+                <a:lumMod val="40000"/>
+                <a:lumOff val="60000"/>
+                <a:alpha val="40000"/>
+              </a:schemeClr>
+            </a:solidFill>
+          </a:ln>
+        </p:spPr>
+        <p:style>
+          <a:lnRef idx="2">
+            <a:schemeClr val="accent1"/>
+          </a:lnRef>
+          <a:fillRef idx="0">
+            <a:schemeClr val="accent1"/>
+          </a:fillRef>
+          <a:effectRef idx="1">
+            <a:schemeClr val="accent1"/>
+          </a:effectRef>
+          <a:fontRef idx="minor">
+            <a:schemeClr val="tx1"/>
+          </a:fontRef>
+        </p:style>
+      </p:cxnSp>
+      <p:cxnSp>
+        <p:nvCxnSpPr>
+          <p:cNvPr id="18" name="Straight Connector 17"/>
+          <p:cNvCxnSpPr/>
+          <p:nvPr/>
+        </p:nvCxnSpPr>
+        <p:spPr>
+          <a:xfrm>
+            <a:off x="6962227" y="2133600"/>
+            <a:ext cx="0" cy="3966882"/>
+          </a:xfrm>
+          <a:prstGeom prst="line">
+            <a:avLst/>
+          </a:prstGeom>
+          <a:ln w="12700" cmpd="sng">
+            <a:solidFill>
+              <a:schemeClr val="bg2">
+                <a:lumMod val="40000"/>
+                <a:lumOff val="60000"/>
+                <a:alpha val="40000"/>
+              </a:schemeClr>
+            </a:solidFill>
+          </a:ln>
+        </p:spPr>
+        <p:style>
+          <a:lnRef idx="2">
+            <a:schemeClr val="accent1"/>
+          </a:lnRef>
+          <a:fillRef idx="0">
+            <a:schemeClr val="accent1"/>
+          </a:fillRef>
+          <a:effectRef idx="1">
+            <a:schemeClr val="accent1"/>
+          </a:effectRef>
+          <a:fontRef idx="minor">
+            <a:schemeClr val="tx1"/>
+          </a:fontRef>
+        </p:style>
+      </p:cxnSp>
+      <p:sp>
+        <p:nvSpPr>
+          <p:cNvPr id="7" name="Date Placeholder 3"/>
+          <p:cNvSpPr>
+            <a:spLocks noGrp="1"/>
+          </p:cNvSpPr>
+          <p:nvPr>
+            <p:ph type="dt" sz="half" idx="10"/>
+          </p:nvPr>
+        </p:nvSpPr>
+        <p:spPr/>
+        <p:txBody>
+          <a:bodyPr/>
+          <a:lstStyle/>
+          <a:p>
+            <a:fld id="{1A235D97-DFB1-401C-BDEE-EDF1579BAA11}" type="datetimeFigureOut">
+              <a:rPr kumimoji="1" lang="ja-JP" altLang="en-US" smtClean="0"/>
+              <a:t>2020/8/29</a:t>
+            </a:fld>
+            <a:endParaRPr kumimoji="1" lang="ja-JP" altLang="en-US"/>
+          </a:p>
+        </p:txBody>
+      </p:sp>
+      <p:sp>
+        <p:nvSpPr>
+          <p:cNvPr id="4" name="Footer Placeholder 4"/>
+          <p:cNvSpPr>
+            <a:spLocks noGrp="1"/>
+          </p:cNvSpPr>
+          <p:nvPr>
+            <p:ph type="ftr" sz="quarter" idx="11"/>
+          </p:nvPr>
+        </p:nvSpPr>
+        <p:spPr/>
+        <p:txBody>
+          <a:bodyPr/>
+          <a:lstStyle/>
+          <a:p>
+            <a:endParaRPr kumimoji="1" lang="ja-JP" altLang="en-US"/>
+          </a:p>
+        </p:txBody>
+      </p:sp>
+      <p:sp>
+        <p:nvSpPr>
+          <p:cNvPr id="6" name="Slide Number Placeholder 5"/>
+          <p:cNvSpPr>
+            <a:spLocks noGrp="1"/>
+          </p:cNvSpPr>
+          <p:nvPr>
+            <p:ph type="sldNum" sz="quarter" idx="12"/>
+          </p:nvPr>
+        </p:nvSpPr>
+        <p:spPr/>
+        <p:txBody>
+          <a:bodyPr/>
+          <a:lstStyle/>
+          <a:p>
+            <a:fld id="{788D6554-83FB-43EC-AC0E-8BF46B3CE7B6}" type="slidenum">
+              <a:rPr kumimoji="1" lang="ja-JP" altLang="en-US" smtClean="0"/>
+              <a:t>‹#›</a:t>
+            </a:fld>
+            <a:endParaRPr kumimoji="1" lang="ja-JP" altLang="en-US"/>
+          </a:p>
+        </p:txBody>
+      </p:sp>
+    </p:spTree>
+    <p:extLst>
+      <p:ext uri="{BB962C8B-B14F-4D97-AF65-F5344CB8AC3E}">
+        <p14:creationId xmlns:p14="http://schemas.microsoft.com/office/powerpoint/2010/main" val="2325794986"/>
+      </p:ext>
+    </p:extLst>
+  </p:cSld>
+  <p:clrMapOvr>
+    <a:masterClrMapping/>
+  </p:clrMapOvr>
+</p:sldLayout>
+</file>
+
+<file path=ppt/slideLayouts/slideLayout15.xml><?xml version="1.0" encoding="utf-8"?>
+<p:sldLayout xmlns:a="http://schemas.openxmlformats.org/drawingml/2006/main" xmlns:r="http://schemas.openxmlformats.org/officeDocument/2006/relationships" xmlns:p="http://schemas.openxmlformats.org/presentationml/2006/main" preserve="1">
+  <p:cSld name="3 つの画像列">
+    <p:spTree>
+      <p:nvGrpSpPr>
+        <p:cNvPr id="1" name=""/>
+        <p:cNvGrpSpPr/>
+        <p:nvPr/>
+      </p:nvGrpSpPr>
+      <p:grpSpPr>
+        <a:xfrm>
+          <a:off x="0" y="0"/>
+          <a:ext cx="0" cy="0"/>
+          <a:chOff x="0" y="0"/>
+          <a:chExt cx="0" cy="0"/>
+        </a:xfrm>
+      </p:grpSpPr>
+      <p:sp>
+        <p:nvSpPr>
+          <p:cNvPr id="2" name="Title 1"/>
+          <p:cNvSpPr>
+            <a:spLocks noGrp="1"/>
+          </p:cNvSpPr>
+          <p:nvPr>
+            <p:ph type="title"/>
+          </p:nvPr>
+        </p:nvSpPr>
+        <p:spPr/>
+        <p:txBody>
+          <a:bodyPr/>
+          <a:lstStyle>
+            <a:lvl1pPr>
+              <a:defRPr sz="4200"/>
+            </a:lvl1pPr>
+          </a:lstStyle>
+          <a:p>
+            <a:r>
+              <a:rPr lang="ja-JP" altLang="en-US" smtClean="0"/>
+              <a:t>マスター タイトルの書式設定</a:t>
+            </a:r>
+            <a:endParaRPr lang="en-US" dirty="0"/>
+          </a:p>
+        </p:txBody>
+      </p:sp>
+      <p:sp>
+        <p:nvSpPr>
+          <p:cNvPr id="3" name="Text Placeholder 2"/>
+          <p:cNvSpPr>
+            <a:spLocks noGrp="1"/>
+          </p:cNvSpPr>
+          <p:nvPr>
+            <p:ph type="body" idx="1"/>
+          </p:nvPr>
+        </p:nvSpPr>
+        <p:spPr>
+          <a:xfrm>
+            <a:off x="652463" y="4250949"/>
+            <a:ext cx="2940050" cy="576262"/>
+          </a:xfrm>
+        </p:spPr>
+        <p:txBody>
+          <a:bodyPr anchor="b">
+            <a:noAutofit/>
+          </a:bodyPr>
+          <a:lstStyle>
+            <a:lvl1pPr marL="0" indent="0">
+              <a:buNone/>
+              <a:defRPr sz="2400" b="0">
+                <a:solidFill>
+                  <a:schemeClr val="bg2">
+                    <a:lumMod val="40000"/>
+                    <a:lumOff val="60000"/>
+                  </a:schemeClr>
+                </a:solidFill>
+              </a:defRPr>
+            </a:lvl1pPr>
+            <a:lvl2pPr marL="457200" indent="0">
+              <a:buNone/>
+              <a:defRPr sz="2000" b="1"/>
+            </a:lvl2pPr>
+            <a:lvl3pPr marL="914400" indent="0">
+              <a:buNone/>
+              <a:defRPr sz="1800" b="1"/>
+            </a:lvl3pPr>
+            <a:lvl4pPr marL="1371600" indent="0">
+              <a:buNone/>
+              <a:defRPr sz="1600" b="1"/>
+            </a:lvl4pPr>
+            <a:lvl5pPr marL="1828800" indent="0">
+              <a:buNone/>
+              <a:defRPr sz="1600" b="1"/>
+            </a:lvl5pPr>
+            <a:lvl6pPr marL="2286000" indent="0">
+              <a:buNone/>
+              <a:defRPr sz="1600" b="1"/>
+            </a:lvl6pPr>
+            <a:lvl7pPr marL="2743200" indent="0">
+              <a:buNone/>
+              <a:defRPr sz="1600" b="1"/>
+            </a:lvl7pPr>
+            <a:lvl8pPr marL="3200400" indent="0">
+              <a:buNone/>
+              <a:defRPr sz="1600" b="1"/>
+            </a:lvl8pPr>
+            <a:lvl9pPr marL="3657600" indent="0">
+              <a:buNone/>
+              <a:defRPr sz="1600" b="1"/>
+            </a:lvl9pPr>
+          </a:lstStyle>
+          <a:p>
+            <a:pPr lvl="0"/>
+            <a:r>
+              <a:rPr lang="ja-JP" altLang="en-US" smtClean="0"/>
+              <a:t>マスター テキストの書式設定</a:t>
+            </a:r>
+          </a:p>
+        </p:txBody>
+      </p:sp>
+      <p:sp>
+        <p:nvSpPr>
+          <p:cNvPr id="29" name="Picture Placeholder 2"/>
+          <p:cNvSpPr>
+            <a:spLocks noGrp="1" noChangeAspect="1"/>
+          </p:cNvSpPr>
+          <p:nvPr>
+            <p:ph type="pic" idx="15"/>
+          </p:nvPr>
+        </p:nvSpPr>
+        <p:spPr>
+          <a:xfrm>
+            <a:off x="652463" y="2209800"/>
+            <a:ext cx="2940050" cy="1524000"/>
+          </a:xfrm>
+          <a:prstGeom prst="roundRect">
+            <a:avLst>
+              <a:gd name="adj" fmla="val 1858"/>
+            </a:avLst>
+          </a:prstGeom>
+          <a:effectLst>
+            <a:outerShdw blurRad="50800" dist="50800" dir="5400000" algn="tl" rotWithShape="0">
+              <a:srgbClr val="000000">
+                <a:alpha val="43000"/>
+              </a:srgbClr>
+            </a:outerShdw>
+          </a:effectLst>
+        </p:spPr>
+        <p:txBody>
+          <a:bodyPr anchor="t">
+            <a:normAutofit/>
+          </a:bodyPr>
+          <a:lstStyle>
+            <a:lvl1pPr marL="0" indent="0" algn="ctr">
+              <a:buNone/>
+              <a:defRPr sz="1600"/>
+            </a:lvl1pPr>
+            <a:lvl2pPr marL="457200" indent="0">
+              <a:buNone/>
+              <a:defRPr sz="1600"/>
+            </a:lvl2pPr>
+            <a:lvl3pPr marL="914400" indent="0">
+              <a:buNone/>
+              <a:defRPr sz="1600"/>
+            </a:lvl3pPr>
+            <a:lvl4pPr marL="1371600" indent="0">
+              <a:buNone/>
+              <a:defRPr sz="1600"/>
+            </a:lvl4pPr>
+            <a:lvl5pPr marL="1828800" indent="0">
+              <a:buNone/>
+              <a:defRPr sz="1600"/>
+            </a:lvl5pPr>
+            <a:lvl6pPr marL="2286000" indent="0">
+              <a:buNone/>
+              <a:defRPr sz="1600"/>
+            </a:lvl6pPr>
+            <a:lvl7pPr marL="2743200" indent="0">
+              <a:buNone/>
+              <a:defRPr sz="1600"/>
+            </a:lvl7pPr>
+            <a:lvl8pPr marL="3200400" indent="0">
+              <a:buNone/>
+              <a:defRPr sz="1600"/>
+            </a:lvl8pPr>
+            <a:lvl9pPr marL="3657600" indent="0">
+              <a:buNone/>
+              <a:defRPr sz="1600"/>
+            </a:lvl9pPr>
+          </a:lstStyle>
+          <a:p>
+            <a:r>
+              <a:rPr lang="ja-JP" altLang="en-US" smtClean="0"/>
+              <a:t>図を追加</a:t>
+            </a:r>
+            <a:endParaRPr lang="en-US" dirty="0"/>
+          </a:p>
+        </p:txBody>
+      </p:sp>
+      <p:sp>
+        <p:nvSpPr>
+          <p:cNvPr id="22" name="Text Placeholder 3"/>
+          <p:cNvSpPr>
+            <a:spLocks noGrp="1"/>
+          </p:cNvSpPr>
+          <p:nvPr>
+            <p:ph type="body" sz="half" idx="18"/>
+          </p:nvPr>
+        </p:nvSpPr>
+        <p:spPr>
+          <a:xfrm>
+            <a:off x="652463" y="4827211"/>
+            <a:ext cx="2940050" cy="659189"/>
+          </a:xfrm>
+        </p:spPr>
+        <p:txBody>
+          <a:bodyPr anchor="t">
+            <a:normAutofit/>
+          </a:bodyPr>
+          <a:lstStyle>
+            <a:lvl1pPr marL="0" indent="0">
+              <a:buNone/>
+              <a:defRPr sz="1400"/>
+            </a:lvl1pPr>
+            <a:lvl2pPr marL="457200" indent="0">
+              <a:buNone/>
+              <a:defRPr sz="1200"/>
+            </a:lvl2pPr>
+            <a:lvl3pPr marL="914400" indent="0">
+              <a:buNone/>
+              <a:defRPr sz="1000"/>
+            </a:lvl3pPr>
+            <a:lvl4pPr marL="1371600" indent="0">
+              <a:buNone/>
+              <a:defRPr sz="900"/>
+            </a:lvl4pPr>
+            <a:lvl5pPr marL="1828800" indent="0">
+              <a:buNone/>
+              <a:defRPr sz="900"/>
+            </a:lvl5pPr>
+            <a:lvl6pPr marL="2286000" indent="0">
+              <a:buNone/>
+              <a:defRPr sz="900"/>
+            </a:lvl6pPr>
+            <a:lvl7pPr marL="2743200" indent="0">
+              <a:buNone/>
+              <a:defRPr sz="900"/>
+            </a:lvl7pPr>
+            <a:lvl8pPr marL="3200400" indent="0">
+              <a:buNone/>
+              <a:defRPr sz="900"/>
+            </a:lvl8pPr>
+            <a:lvl9pPr marL="3657600" indent="0">
+              <a:buNone/>
+              <a:defRPr sz="900"/>
+            </a:lvl9pPr>
+          </a:lstStyle>
+          <a:p>
+            <a:pPr lvl="0"/>
+            <a:r>
+              <a:rPr lang="ja-JP" altLang="en-US" smtClean="0"/>
+              <a:t>マスター テキストの書式設定</a:t>
+            </a:r>
+          </a:p>
+        </p:txBody>
+      </p:sp>
+      <p:sp>
+        <p:nvSpPr>
+          <p:cNvPr id="5" name="Text Placeholder 4"/>
+          <p:cNvSpPr>
+            <a:spLocks noGrp="1"/>
+          </p:cNvSpPr>
+          <p:nvPr>
+            <p:ph type="body" sz="quarter" idx="3"/>
+          </p:nvPr>
+        </p:nvSpPr>
+        <p:spPr>
+          <a:xfrm>
+            <a:off x="3889375" y="4250949"/>
+            <a:ext cx="2930525" cy="576262"/>
+          </a:xfrm>
+        </p:spPr>
+        <p:txBody>
+          <a:bodyPr anchor="b">
+            <a:noAutofit/>
+          </a:bodyPr>
+          <a:lstStyle>
+            <a:lvl1pPr marL="0" indent="0">
+              <a:buNone/>
+              <a:defRPr sz="2400" b="0">
+                <a:solidFill>
+                  <a:schemeClr val="bg2">
+                    <a:lumMod val="40000"/>
+                    <a:lumOff val="60000"/>
+                  </a:schemeClr>
+                </a:solidFill>
+              </a:defRPr>
+            </a:lvl1pPr>
+            <a:lvl2pPr marL="457200" indent="0">
+              <a:buNone/>
+              <a:defRPr sz="2000" b="1"/>
+            </a:lvl2pPr>
+            <a:lvl3pPr marL="914400" indent="0">
+              <a:buNone/>
+              <a:defRPr sz="1800" b="1"/>
+            </a:lvl3pPr>
+            <a:lvl4pPr marL="1371600" indent="0">
+              <a:buNone/>
+              <a:defRPr sz="1600" b="1"/>
+            </a:lvl4pPr>
+            <a:lvl5pPr marL="1828800" indent="0">
+              <a:buNone/>
+              <a:defRPr sz="1600" b="1"/>
+            </a:lvl5pPr>
+            <a:lvl6pPr marL="2286000" indent="0">
+              <a:buNone/>
+              <a:defRPr sz="1600" b="1"/>
+            </a:lvl6pPr>
+            <a:lvl7pPr marL="2743200" indent="0">
+              <a:buNone/>
+              <a:defRPr sz="1600" b="1"/>
+            </a:lvl7pPr>
+            <a:lvl8pPr marL="3200400" indent="0">
+              <a:buNone/>
+              <a:defRPr sz="1600" b="1"/>
+            </a:lvl8pPr>
+            <a:lvl9pPr marL="3657600" indent="0">
+              <a:buNone/>
+              <a:defRPr sz="1600" b="1"/>
+            </a:lvl9pPr>
+          </a:lstStyle>
+          <a:p>
+            <a:pPr lvl="0"/>
+            <a:r>
+              <a:rPr lang="ja-JP" altLang="en-US" smtClean="0"/>
+              <a:t>マスター テキストの書式設定</a:t>
+            </a:r>
+          </a:p>
+        </p:txBody>
+      </p:sp>
+      <p:sp>
+        <p:nvSpPr>
+          <p:cNvPr id="30" name="Picture Placeholder 2"/>
+          <p:cNvSpPr>
+            <a:spLocks noGrp="1" noChangeAspect="1"/>
+          </p:cNvSpPr>
+          <p:nvPr>
+            <p:ph type="pic" idx="21"/>
+          </p:nvPr>
+        </p:nvSpPr>
+        <p:spPr>
+          <a:xfrm>
+            <a:off x="3889374" y="2209800"/>
+            <a:ext cx="2930525" cy="1524000"/>
+          </a:xfrm>
+          <a:prstGeom prst="roundRect">
+            <a:avLst>
+              <a:gd name="adj" fmla="val 1858"/>
+            </a:avLst>
+          </a:prstGeom>
+          <a:effectLst>
+            <a:outerShdw blurRad="50800" dist="50800" dir="5400000" algn="tl" rotWithShape="0">
+              <a:srgbClr val="000000">
+                <a:alpha val="43000"/>
+              </a:srgbClr>
+            </a:outerShdw>
+          </a:effectLst>
+        </p:spPr>
+        <p:txBody>
+          <a:bodyPr anchor="t">
+            <a:normAutofit/>
+          </a:bodyPr>
+          <a:lstStyle>
+            <a:lvl1pPr marL="0" indent="0" algn="ctr">
+              <a:buNone/>
+              <a:defRPr sz="1600"/>
+            </a:lvl1pPr>
+            <a:lvl2pPr marL="457200" indent="0">
+              <a:buNone/>
+              <a:defRPr sz="1600"/>
+            </a:lvl2pPr>
+            <a:lvl3pPr marL="914400" indent="0">
+              <a:buNone/>
+              <a:defRPr sz="1600"/>
+            </a:lvl3pPr>
+            <a:lvl4pPr marL="1371600" indent="0">
+              <a:buNone/>
+              <a:defRPr sz="1600"/>
+            </a:lvl4pPr>
+            <a:lvl5pPr marL="1828800" indent="0">
+              <a:buNone/>
+              <a:defRPr sz="1600"/>
+            </a:lvl5pPr>
+            <a:lvl6pPr marL="2286000" indent="0">
+              <a:buNone/>
+              <a:defRPr sz="1600"/>
+            </a:lvl6pPr>
+            <a:lvl7pPr marL="2743200" indent="0">
+              <a:buNone/>
+              <a:defRPr sz="1600"/>
+            </a:lvl7pPr>
+            <a:lvl8pPr marL="3200400" indent="0">
+              <a:buNone/>
+              <a:defRPr sz="1600"/>
+            </a:lvl8pPr>
+            <a:lvl9pPr marL="3657600" indent="0">
+              <a:buNone/>
+              <a:defRPr sz="1600"/>
+            </a:lvl9pPr>
+          </a:lstStyle>
+          <a:p>
+            <a:r>
+              <a:rPr lang="ja-JP" altLang="en-US" smtClean="0"/>
+              <a:t>図を追加</a:t>
+            </a:r>
+            <a:endParaRPr lang="en-US" dirty="0"/>
+          </a:p>
+        </p:txBody>
+      </p:sp>
+      <p:sp>
+        <p:nvSpPr>
+          <p:cNvPr id="23" name="Text Placeholder 3"/>
+          <p:cNvSpPr>
+            <a:spLocks noGrp="1"/>
+          </p:cNvSpPr>
+          <p:nvPr>
+            <p:ph type="body" sz="half" idx="19"/>
+          </p:nvPr>
+        </p:nvSpPr>
+        <p:spPr>
+          <a:xfrm>
+            <a:off x="3888022" y="4827210"/>
+            <a:ext cx="2934406" cy="659189"/>
+          </a:xfrm>
+        </p:spPr>
+        <p:txBody>
+          <a:bodyPr anchor="t">
+            <a:normAutofit/>
+          </a:bodyPr>
+          <a:lstStyle>
+            <a:lvl1pPr marL="0" indent="0">
+              <a:buNone/>
+              <a:defRPr sz="1400"/>
+            </a:lvl1pPr>
+            <a:lvl2pPr marL="457200" indent="0">
+              <a:buNone/>
+              <a:defRPr sz="1200"/>
+            </a:lvl2pPr>
+            <a:lvl3pPr marL="914400" indent="0">
+              <a:buNone/>
+              <a:defRPr sz="1000"/>
+            </a:lvl3pPr>
+            <a:lvl4pPr marL="1371600" indent="0">
+              <a:buNone/>
+              <a:defRPr sz="900"/>
+            </a:lvl4pPr>
+            <a:lvl5pPr marL="1828800" indent="0">
+              <a:buNone/>
+              <a:defRPr sz="900"/>
+            </a:lvl5pPr>
+            <a:lvl6pPr marL="2286000" indent="0">
+              <a:buNone/>
+              <a:defRPr sz="900"/>
+            </a:lvl6pPr>
+            <a:lvl7pPr marL="2743200" indent="0">
+              <a:buNone/>
+              <a:defRPr sz="900"/>
+            </a:lvl7pPr>
+            <a:lvl8pPr marL="3200400" indent="0">
+              <a:buNone/>
+              <a:defRPr sz="900"/>
+            </a:lvl8pPr>
+            <a:lvl9pPr marL="3657600" indent="0">
+              <a:buNone/>
+              <a:defRPr sz="900"/>
+            </a:lvl9pPr>
+          </a:lstStyle>
+          <a:p>
+            <a:pPr lvl="0"/>
+            <a:r>
+              <a:rPr lang="ja-JP" altLang="en-US" smtClean="0"/>
+              <a:t>マスター テキストの書式設定</a:t>
+            </a:r>
+          </a:p>
+        </p:txBody>
+      </p:sp>
+      <p:sp>
+        <p:nvSpPr>
+          <p:cNvPr id="14" name="Text Placeholder 4"/>
+          <p:cNvSpPr>
+            <a:spLocks noGrp="1"/>
+          </p:cNvSpPr>
+          <p:nvPr>
+            <p:ph type="body" sz="quarter" idx="13"/>
+          </p:nvPr>
+        </p:nvSpPr>
+        <p:spPr>
+          <a:xfrm>
+            <a:off x="7124700" y="4250949"/>
+            <a:ext cx="2932113" cy="576262"/>
+          </a:xfrm>
+        </p:spPr>
+        <p:txBody>
+          <a:bodyPr anchor="b">
+            <a:noAutofit/>
+          </a:bodyPr>
+          <a:lstStyle>
+            <a:lvl1pPr marL="0" indent="0">
+              <a:buNone/>
+              <a:defRPr sz="2400" b="0">
+                <a:solidFill>
+                  <a:schemeClr val="bg2">
+                    <a:lumMod val="40000"/>
+                    <a:lumOff val="60000"/>
+                  </a:schemeClr>
+                </a:solidFill>
+              </a:defRPr>
+            </a:lvl1pPr>
+            <a:lvl2pPr marL="457200" indent="0">
+              <a:buNone/>
+              <a:defRPr sz="2000" b="1"/>
+            </a:lvl2pPr>
+            <a:lvl3pPr marL="914400" indent="0">
+              <a:buNone/>
+              <a:defRPr sz="1800" b="1"/>
+            </a:lvl3pPr>
+            <a:lvl4pPr marL="1371600" indent="0">
+              <a:buNone/>
+              <a:defRPr sz="1600" b="1"/>
+            </a:lvl4pPr>
+            <a:lvl5pPr marL="1828800" indent="0">
+              <a:buNone/>
+              <a:defRPr sz="1600" b="1"/>
+            </a:lvl5pPr>
+            <a:lvl6pPr marL="2286000" indent="0">
+              <a:buNone/>
+              <a:defRPr sz="1600" b="1"/>
+            </a:lvl6pPr>
+            <a:lvl7pPr marL="2743200" indent="0">
+              <a:buNone/>
+              <a:defRPr sz="1600" b="1"/>
+            </a:lvl7pPr>
+            <a:lvl8pPr marL="3200400" indent="0">
+              <a:buNone/>
+              <a:defRPr sz="1600" b="1"/>
+            </a:lvl8pPr>
+            <a:lvl9pPr marL="3657600" indent="0">
+              <a:buNone/>
+              <a:defRPr sz="1600" b="1"/>
+            </a:lvl9pPr>
+          </a:lstStyle>
+          <a:p>
+            <a:pPr lvl="0"/>
+            <a:r>
+              <a:rPr lang="ja-JP" altLang="en-US" smtClean="0"/>
+              <a:t>マスター テキストの書式設定</a:t>
+            </a:r>
+          </a:p>
+        </p:txBody>
+      </p:sp>
+      <p:sp>
+        <p:nvSpPr>
+          <p:cNvPr id="31" name="Picture Placeholder 2"/>
+          <p:cNvSpPr>
+            <a:spLocks noGrp="1" noChangeAspect="1"/>
+          </p:cNvSpPr>
+          <p:nvPr>
+            <p:ph type="pic" idx="22"/>
+          </p:nvPr>
+        </p:nvSpPr>
+        <p:spPr>
+          <a:xfrm>
+            <a:off x="7124699" y="2209800"/>
+            <a:ext cx="2932113" cy="1524000"/>
+          </a:xfrm>
+          <a:prstGeom prst="roundRect">
+            <a:avLst>
+              <a:gd name="adj" fmla="val 1858"/>
+            </a:avLst>
+          </a:prstGeom>
+          <a:effectLst>
+            <a:outerShdw blurRad="50800" dist="50800" dir="5400000" algn="tl" rotWithShape="0">
+              <a:srgbClr val="000000">
+                <a:alpha val="43000"/>
+              </a:srgbClr>
+            </a:outerShdw>
+          </a:effectLst>
+        </p:spPr>
+        <p:txBody>
+          <a:bodyPr anchor="t">
+            <a:normAutofit/>
+          </a:bodyPr>
+          <a:lstStyle>
+            <a:lvl1pPr marL="0" indent="0" algn="ctr">
+              <a:buNone/>
+              <a:defRPr sz="1600"/>
+            </a:lvl1pPr>
+            <a:lvl2pPr marL="457200" indent="0">
+              <a:buNone/>
+              <a:defRPr sz="1600"/>
+            </a:lvl2pPr>
+            <a:lvl3pPr marL="914400" indent="0">
+              <a:buNone/>
+              <a:defRPr sz="1600"/>
+            </a:lvl3pPr>
+            <a:lvl4pPr marL="1371600" indent="0">
+              <a:buNone/>
+              <a:defRPr sz="1600"/>
+            </a:lvl4pPr>
+            <a:lvl5pPr marL="1828800" indent="0">
+              <a:buNone/>
+              <a:defRPr sz="1600"/>
+            </a:lvl5pPr>
+            <a:lvl6pPr marL="2286000" indent="0">
+              <a:buNone/>
+              <a:defRPr sz="1600"/>
+            </a:lvl6pPr>
+            <a:lvl7pPr marL="2743200" indent="0">
+              <a:buNone/>
+              <a:defRPr sz="1600"/>
+            </a:lvl7pPr>
+            <a:lvl8pPr marL="3200400" indent="0">
+              <a:buNone/>
+              <a:defRPr sz="1600"/>
+            </a:lvl8pPr>
+            <a:lvl9pPr marL="3657600" indent="0">
+              <a:buNone/>
+              <a:defRPr sz="1600"/>
+            </a:lvl9pPr>
+          </a:lstStyle>
+          <a:p>
+            <a:r>
+              <a:rPr lang="ja-JP" altLang="en-US" smtClean="0"/>
+              <a:t>図を追加</a:t>
+            </a:r>
+            <a:endParaRPr lang="en-US" dirty="0"/>
+          </a:p>
+        </p:txBody>
+      </p:sp>
+      <p:sp>
+        <p:nvSpPr>
+          <p:cNvPr id="24" name="Text Placeholder 3"/>
+          <p:cNvSpPr>
+            <a:spLocks noGrp="1"/>
+          </p:cNvSpPr>
+          <p:nvPr>
+            <p:ph type="body" sz="half" idx="20"/>
+          </p:nvPr>
+        </p:nvSpPr>
+        <p:spPr>
+          <a:xfrm>
+            <a:off x="7124575" y="4827208"/>
+            <a:ext cx="2935997" cy="659189"/>
+          </a:xfrm>
+        </p:spPr>
+        <p:txBody>
+          <a:bodyPr anchor="t">
+            <a:normAutofit/>
+          </a:bodyPr>
+          <a:lstStyle>
+            <a:lvl1pPr marL="0" indent="0">
+              <a:buNone/>
+              <a:defRPr sz="1400"/>
+            </a:lvl1pPr>
+            <a:lvl2pPr marL="457200" indent="0">
+              <a:buNone/>
+              <a:defRPr sz="1200"/>
+            </a:lvl2pPr>
+            <a:lvl3pPr marL="914400" indent="0">
+              <a:buNone/>
+              <a:defRPr sz="1000"/>
+            </a:lvl3pPr>
+            <a:lvl4pPr marL="1371600" indent="0">
+              <a:buNone/>
+              <a:defRPr sz="900"/>
+            </a:lvl4pPr>
+            <a:lvl5pPr marL="1828800" indent="0">
+              <a:buNone/>
+              <a:defRPr sz="900"/>
+            </a:lvl5pPr>
+            <a:lvl6pPr marL="2286000" indent="0">
+              <a:buNone/>
+              <a:defRPr sz="900"/>
+            </a:lvl6pPr>
+            <a:lvl7pPr marL="2743200" indent="0">
+              <a:buNone/>
+              <a:defRPr sz="900"/>
+            </a:lvl7pPr>
+            <a:lvl8pPr marL="3200400" indent="0">
+              <a:buNone/>
+              <a:defRPr sz="900"/>
+            </a:lvl8pPr>
+            <a:lvl9pPr marL="3657600" indent="0">
+              <a:buNone/>
+              <a:defRPr sz="900"/>
+            </a:lvl9pPr>
+          </a:lstStyle>
+          <a:p>
+            <a:pPr lvl="0"/>
+            <a:r>
+              <a:rPr lang="ja-JP" altLang="en-US" smtClean="0"/>
+              <a:t>マスター テキストの書式設定</a:t>
+            </a:r>
+          </a:p>
+        </p:txBody>
+      </p:sp>
+      <p:cxnSp>
+        <p:nvCxnSpPr>
+          <p:cNvPr id="19" name="Straight Connector 18"/>
+          <p:cNvCxnSpPr/>
+          <p:nvPr/>
+        </p:nvCxnSpPr>
+        <p:spPr>
+          <a:xfrm>
+            <a:off x="3726142" y="2133600"/>
+            <a:ext cx="0" cy="3962400"/>
+          </a:xfrm>
+          <a:prstGeom prst="line">
+            <a:avLst/>
+          </a:prstGeom>
+          <a:ln w="12700" cmpd="sng">
+            <a:solidFill>
+              <a:schemeClr val="bg2">
+                <a:lumMod val="40000"/>
+                <a:lumOff val="60000"/>
+                <a:alpha val="40000"/>
+              </a:schemeClr>
+            </a:solidFill>
+          </a:ln>
+        </p:spPr>
+        <p:style>
+          <a:lnRef idx="2">
+            <a:schemeClr val="accent1"/>
+          </a:lnRef>
+          <a:fillRef idx="0">
+            <a:schemeClr val="accent1"/>
+          </a:fillRef>
+          <a:effectRef idx="1">
+            <a:schemeClr val="accent1"/>
+          </a:effectRef>
+          <a:fontRef idx="minor">
+            <a:schemeClr val="tx1"/>
+          </a:fontRef>
+        </p:style>
+      </p:cxnSp>
+      <p:cxnSp>
+        <p:nvCxnSpPr>
+          <p:cNvPr id="20" name="Straight Connector 19"/>
+          <p:cNvCxnSpPr/>
+          <p:nvPr/>
+        </p:nvCxnSpPr>
+        <p:spPr>
+          <a:xfrm>
+            <a:off x="6962227" y="2133600"/>
+            <a:ext cx="0" cy="3966882"/>
+          </a:xfrm>
+          <a:prstGeom prst="line">
+            <a:avLst/>
+          </a:prstGeom>
+          <a:ln w="12700" cmpd="sng">
+            <a:solidFill>
+              <a:schemeClr val="bg2">
+                <a:lumMod val="40000"/>
+                <a:lumOff val="60000"/>
+                <a:alpha val="40000"/>
+              </a:schemeClr>
+            </a:solidFill>
+          </a:ln>
+        </p:spPr>
+        <p:style>
+          <a:lnRef idx="2">
+            <a:schemeClr val="accent1"/>
+          </a:lnRef>
+          <a:fillRef idx="0">
+            <a:schemeClr val="accent1"/>
+          </a:fillRef>
+          <a:effectRef idx="1">
+            <a:schemeClr val="accent1"/>
+          </a:effectRef>
+          <a:fontRef idx="minor">
+            <a:schemeClr val="tx1"/>
+          </a:fontRef>
+        </p:style>
+      </p:cxnSp>
+      <p:sp>
+        <p:nvSpPr>
+          <p:cNvPr id="7" name="Date Placeholder 3"/>
+          <p:cNvSpPr>
+            <a:spLocks noGrp="1"/>
+          </p:cNvSpPr>
+          <p:nvPr>
+            <p:ph type="dt" sz="half" idx="10"/>
+          </p:nvPr>
+        </p:nvSpPr>
+        <p:spPr/>
+        <p:txBody>
+          <a:bodyPr/>
+          <a:lstStyle/>
+          <a:p>
+            <a:fld id="{1A235D97-DFB1-401C-BDEE-EDF1579BAA11}" type="datetimeFigureOut">
+              <a:rPr kumimoji="1" lang="ja-JP" altLang="en-US" smtClean="0"/>
+              <a:t>2020/8/29</a:t>
+            </a:fld>
+            <a:endParaRPr kumimoji="1" lang="ja-JP" altLang="en-US"/>
+          </a:p>
+        </p:txBody>
+      </p:sp>
+      <p:sp>
+        <p:nvSpPr>
+          <p:cNvPr id="4" name="Footer Placeholder 4"/>
+          <p:cNvSpPr>
+            <a:spLocks noGrp="1"/>
+          </p:cNvSpPr>
+          <p:nvPr>
+            <p:ph type="ftr" sz="quarter" idx="11"/>
+          </p:nvPr>
+        </p:nvSpPr>
+        <p:spPr/>
+        <p:txBody>
+          <a:bodyPr/>
+          <a:lstStyle/>
+          <a:p>
+            <a:endParaRPr kumimoji="1" lang="ja-JP" altLang="en-US"/>
+          </a:p>
+        </p:txBody>
+      </p:sp>
+      <p:sp>
+        <p:nvSpPr>
+          <p:cNvPr id="6" name="Slide Number Placeholder 5"/>
+          <p:cNvSpPr>
+            <a:spLocks noGrp="1"/>
+          </p:cNvSpPr>
+          <p:nvPr>
+            <p:ph type="sldNum" sz="quarter" idx="12"/>
+          </p:nvPr>
+        </p:nvSpPr>
+        <p:spPr/>
+        <p:txBody>
+          <a:bodyPr/>
+          <a:lstStyle/>
+          <a:p>
+            <a:fld id="{788D6554-83FB-43EC-AC0E-8BF46B3CE7B6}" type="slidenum">
+              <a:rPr kumimoji="1" lang="ja-JP" altLang="en-US" smtClean="0"/>
+              <a:t>‹#›</a:t>
+            </a:fld>
+            <a:endParaRPr kumimoji="1" lang="ja-JP" altLang="en-US"/>
+          </a:p>
+        </p:txBody>
+      </p:sp>
+    </p:spTree>
+    <p:extLst>
+      <p:ext uri="{BB962C8B-B14F-4D97-AF65-F5344CB8AC3E}">
+        <p14:creationId xmlns:p14="http://schemas.microsoft.com/office/powerpoint/2010/main" val="3170310718"/>
+      </p:ext>
+    </p:extLst>
+  </p:cSld>
+  <p:clrMapOvr>
+    <a:masterClrMapping/>
+  </p:clrMapOvr>
+</p:sldLayout>
+</file>
+
+<file path=ppt/slideLayouts/slideLayout16.xml><?xml version="1.0" encoding="utf-8"?>
 <p:sldLayout xmlns:a="http://schemas.openxmlformats.org/drawingml/2006/main" xmlns:r="http://schemas.openxmlformats.org/officeDocument/2006/relationships" xmlns:p="http://schemas.openxmlformats.org/presentationml/2006/main" type="vertTx" preserve="1">
   <p:cSld name="タイトルと&#10;縦書きテキスト">
     <p:spTree>
@@ -332,7 +2954,7 @@
       </p:grpSpPr>
       <p:sp>
         <p:nvSpPr>
-          <p:cNvPr id="2" name="タイトル 1"/>
+          <p:cNvPr id="2" name="Title 1"/>
           <p:cNvSpPr>
             <a:spLocks noGrp="1"/>
           </p:cNvSpPr>
@@ -346,16 +2968,16 @@
           <a:lstStyle/>
           <a:p>
             <a:r>
-              <a:rPr kumimoji="1" lang="ja-JP" altLang="en-US" smtClean="0"/>
+              <a:rPr lang="ja-JP" altLang="en-US" smtClean="0"/>
               <a:t>マスター タイトルの書式設定</a:t>
             </a:r>
-            <a:endParaRPr kumimoji="1" lang="ja-JP" altLang="en-US"/>
-          </a:p>
-        </p:txBody>
-      </p:sp>
-      <p:sp>
-        <p:nvSpPr>
-          <p:cNvPr id="3" name="縦書きテキスト プレースホルダー 2"/>
+            <a:endParaRPr lang="en-US" dirty="0"/>
+          </a:p>
+        </p:txBody>
+      </p:sp>
+      <p:sp>
+        <p:nvSpPr>
+          <p:cNvPr id="3" name="Vertical Text Placeholder 2"/>
           <p:cNvSpPr>
             <a:spLocks noGrp="1"/>
           </p:cNvSpPr>
@@ -365,81 +2987,81 @@
         </p:nvSpPr>
         <p:spPr/>
         <p:txBody>
-          <a:bodyPr vert="eaVert"/>
+          <a:bodyPr vert="eaVert" anchor="t" anchorCtr="0"/>
           <a:lstStyle/>
           <a:p>
             <a:pPr lvl="0"/>
             <a:r>
-              <a:rPr kumimoji="1" lang="ja-JP" altLang="en-US" smtClean="0"/>
+              <a:rPr lang="ja-JP" altLang="en-US" smtClean="0"/>
               <a:t>マスター テキストの書式設定</a:t>
             </a:r>
           </a:p>
           <a:p>
             <a:pPr lvl="1"/>
             <a:r>
-              <a:rPr kumimoji="1" lang="ja-JP" altLang="en-US" smtClean="0"/>
+              <a:rPr lang="ja-JP" altLang="en-US" smtClean="0"/>
               <a:t>第 </a:t>
             </a:r>
             <a:r>
-              <a:rPr kumimoji="1" lang="en-US" altLang="ja-JP" smtClean="0"/>
+              <a:rPr lang="en-US" altLang="ja-JP" smtClean="0"/>
               <a:t>2 </a:t>
             </a:r>
             <a:r>
-              <a:rPr kumimoji="1" lang="ja-JP" altLang="en-US" smtClean="0"/>
+              <a:rPr lang="ja-JP" altLang="en-US" smtClean="0"/>
               <a:t>レベル</a:t>
             </a:r>
           </a:p>
           <a:p>
             <a:pPr lvl="2"/>
             <a:r>
-              <a:rPr kumimoji="1" lang="ja-JP" altLang="en-US" smtClean="0"/>
+              <a:rPr lang="ja-JP" altLang="en-US" smtClean="0"/>
               <a:t>第 </a:t>
             </a:r>
             <a:r>
-              <a:rPr kumimoji="1" lang="en-US" altLang="ja-JP" smtClean="0"/>
+              <a:rPr lang="en-US" altLang="ja-JP" smtClean="0"/>
               <a:t>3 </a:t>
             </a:r>
             <a:r>
-              <a:rPr kumimoji="1" lang="ja-JP" altLang="en-US" smtClean="0"/>
+              <a:rPr lang="ja-JP" altLang="en-US" smtClean="0"/>
               <a:t>レベル</a:t>
             </a:r>
           </a:p>
           <a:p>
             <a:pPr lvl="3"/>
             <a:r>
-              <a:rPr kumimoji="1" lang="ja-JP" altLang="en-US" smtClean="0"/>
+              <a:rPr lang="ja-JP" altLang="en-US" smtClean="0"/>
               <a:t>第 </a:t>
             </a:r>
             <a:r>
-              <a:rPr kumimoji="1" lang="en-US" altLang="ja-JP" smtClean="0"/>
+              <a:rPr lang="en-US" altLang="ja-JP" smtClean="0"/>
               <a:t>4 </a:t>
             </a:r>
             <a:r>
-              <a:rPr kumimoji="1" lang="ja-JP" altLang="en-US" smtClean="0"/>
+              <a:rPr lang="ja-JP" altLang="en-US" smtClean="0"/>
               <a:t>レベル</a:t>
             </a:r>
           </a:p>
           <a:p>
             <a:pPr lvl="4"/>
             <a:r>
-              <a:rPr kumimoji="1" lang="ja-JP" altLang="en-US" smtClean="0"/>
+              <a:rPr lang="ja-JP" altLang="en-US" smtClean="0"/>
               <a:t>第 </a:t>
             </a:r>
             <a:r>
-              <a:rPr kumimoji="1" lang="en-US" altLang="ja-JP" smtClean="0"/>
+              <a:rPr lang="en-US" altLang="ja-JP" smtClean="0"/>
               <a:t>5 </a:t>
             </a:r>
             <a:r>
-              <a:rPr kumimoji="1" lang="ja-JP" altLang="en-US" smtClean="0"/>
+              <a:rPr lang="ja-JP" altLang="en-US" smtClean="0"/>
               <a:t>レベル</a:t>
             </a:r>
-            <a:endParaRPr kumimoji="1" lang="ja-JP" altLang="en-US"/>
-          </a:p>
-        </p:txBody>
-      </p:sp>
-      <p:sp>
-        <p:nvSpPr>
-          <p:cNvPr id="4" name="日付プレースホルダー 3"/>
+            <a:endParaRPr lang="en-US" dirty="0"/>
+          </a:p>
+        </p:txBody>
+      </p:sp>
+      <p:sp>
+        <p:nvSpPr>
+          <p:cNvPr id="4" name="Date Placeholder 3"/>
           <p:cNvSpPr>
             <a:spLocks noGrp="1"/>
           </p:cNvSpPr>
@@ -454,7 +3076,7 @@
           <a:p>
             <a:fld id="{1A235D97-DFB1-401C-BDEE-EDF1579BAA11}" type="datetimeFigureOut">
               <a:rPr kumimoji="1" lang="ja-JP" altLang="en-US" smtClean="0"/>
-              <a:t>2020/8/14</a:t>
+              <a:t>2020/8/29</a:t>
             </a:fld>
             <a:endParaRPr kumimoji="1" lang="ja-JP" altLang="en-US"/>
           </a:p>
@@ -462,7 +3084,7 @@
       </p:sp>
       <p:sp>
         <p:nvSpPr>
-          <p:cNvPr id="5" name="フッター プレースホルダー 4"/>
+          <p:cNvPr id="5" name="Footer Placeholder 4"/>
           <p:cNvSpPr>
             <a:spLocks noGrp="1"/>
           </p:cNvSpPr>
@@ -481,7 +3103,7 @@
       </p:sp>
       <p:sp>
         <p:nvSpPr>
-          <p:cNvPr id="6" name="スライド番号プレースホルダー 5"/>
+          <p:cNvPr id="6" name="Slide Number Placeholder 5"/>
           <p:cNvSpPr>
             <a:spLocks noGrp="1"/>
           </p:cNvSpPr>
@@ -505,7 +3127,7 @@
     </p:spTree>
     <p:extLst>
       <p:ext uri="{BB962C8B-B14F-4D97-AF65-F5344CB8AC3E}">
-        <p14:creationId xmlns:p14="http://schemas.microsoft.com/office/powerpoint/2010/main" val="593116539"/>
+        <p14:creationId xmlns:p14="http://schemas.microsoft.com/office/powerpoint/2010/main" val="1602989604"/>
       </p:ext>
     </p:extLst>
   </p:cSld>
@@ -515,7 +3137,7 @@
 </p:sldLayout>
 </file>
 
-<file path=ppt/slideLayouts/slideLayout11.xml><?xml version="1.0" encoding="utf-8"?>
+<file path=ppt/slideLayouts/slideLayout17.xml><?xml version="1.0" encoding="utf-8"?>
 <p:sldLayout xmlns:a="http://schemas.openxmlformats.org/drawingml/2006/main" xmlns:r="http://schemas.openxmlformats.org/officeDocument/2006/relationships" xmlns:p="http://schemas.openxmlformats.org/presentationml/2006/main" type="vertTitleAndTx" preserve="1">
   <p:cSld name="縦書きタイトルと&#10;縦書きテキスト">
     <p:spTree>
@@ -534,7 +3156,7 @@
       </p:grpSpPr>
       <p:sp>
         <p:nvSpPr>
-          <p:cNvPr id="2" name="縦書きタイトル 1"/>
+          <p:cNvPr id="2" name="Vertical Title 1"/>
           <p:cNvSpPr>
             <a:spLocks noGrp="1"/>
           </p:cNvSpPr>
@@ -544,114 +3166,114 @@
         </p:nvSpPr>
         <p:spPr>
           <a:xfrm>
-            <a:off x="8724900" y="365125"/>
-            <a:ext cx="2628900" cy="5811838"/>
+            <a:off x="8304212" y="430213"/>
+            <a:ext cx="1752601" cy="5826125"/>
           </a:xfrm>
         </p:spPr>
         <p:txBody>
+          <a:bodyPr vert="eaVert" anchor="b" anchorCtr="0"/>
+          <a:lstStyle/>
+          <a:p>
+            <a:r>
+              <a:rPr lang="ja-JP" altLang="en-US" smtClean="0"/>
+              <a:t>マスター タイトルの書式設定</a:t>
+            </a:r>
+            <a:endParaRPr lang="en-US" dirty="0"/>
+          </a:p>
+        </p:txBody>
+      </p:sp>
+      <p:sp>
+        <p:nvSpPr>
+          <p:cNvPr id="3" name="Vertical Text Placeholder 2"/>
+          <p:cNvSpPr>
+            <a:spLocks noGrp="1"/>
+          </p:cNvSpPr>
+          <p:nvPr>
+            <p:ph type="body" orient="vert" idx="1"/>
+          </p:nvPr>
+        </p:nvSpPr>
+        <p:spPr>
+          <a:xfrm>
+            <a:off x="652463" y="887414"/>
+            <a:ext cx="7423149" cy="5368924"/>
+          </a:xfrm>
+        </p:spPr>
+        <p:txBody>
           <a:bodyPr vert="eaVert"/>
           <a:lstStyle/>
           <a:p>
-            <a:r>
-              <a:rPr kumimoji="1" lang="ja-JP" altLang="en-US" smtClean="0"/>
-              <a:t>マスター タイトルの書式設定</a:t>
-            </a:r>
-            <a:endParaRPr kumimoji="1" lang="ja-JP" altLang="en-US"/>
-          </a:p>
-        </p:txBody>
-      </p:sp>
-      <p:sp>
-        <p:nvSpPr>
-          <p:cNvPr id="3" name="縦書きテキスト プレースホルダー 2"/>
-          <p:cNvSpPr>
-            <a:spLocks noGrp="1"/>
-          </p:cNvSpPr>
-          <p:nvPr>
-            <p:ph type="body" orient="vert" idx="1"/>
-          </p:nvPr>
-        </p:nvSpPr>
-        <p:spPr>
-          <a:xfrm>
-            <a:off x="838200" y="365125"/>
-            <a:ext cx="7734300" cy="5811838"/>
-          </a:xfrm>
-        </p:spPr>
-        <p:txBody>
-          <a:bodyPr vert="eaVert"/>
-          <a:lstStyle/>
-          <a:p>
             <a:pPr lvl="0"/>
             <a:r>
-              <a:rPr kumimoji="1" lang="ja-JP" altLang="en-US" smtClean="0"/>
+              <a:rPr lang="ja-JP" altLang="en-US" smtClean="0"/>
               <a:t>マスター テキストの書式設定</a:t>
             </a:r>
           </a:p>
           <a:p>
             <a:pPr lvl="1"/>
             <a:r>
-              <a:rPr kumimoji="1" lang="ja-JP" altLang="en-US" smtClean="0"/>
+              <a:rPr lang="ja-JP" altLang="en-US" smtClean="0"/>
               <a:t>第 </a:t>
             </a:r>
             <a:r>
-              <a:rPr kumimoji="1" lang="en-US" altLang="ja-JP" smtClean="0"/>
+              <a:rPr lang="en-US" altLang="ja-JP" smtClean="0"/>
               <a:t>2 </a:t>
             </a:r>
             <a:r>
-              <a:rPr kumimoji="1" lang="ja-JP" altLang="en-US" smtClean="0"/>
+              <a:rPr lang="ja-JP" altLang="en-US" smtClean="0"/>
               <a:t>レベル</a:t>
             </a:r>
           </a:p>
           <a:p>
             <a:pPr lvl="2"/>
             <a:r>
-              <a:rPr kumimoji="1" lang="ja-JP" altLang="en-US" smtClean="0"/>
+              <a:rPr lang="ja-JP" altLang="en-US" smtClean="0"/>
               <a:t>第 </a:t>
             </a:r>
             <a:r>
-              <a:rPr kumimoji="1" lang="en-US" altLang="ja-JP" smtClean="0"/>
+              <a:rPr lang="en-US" altLang="ja-JP" smtClean="0"/>
               <a:t>3 </a:t>
             </a:r>
             <a:r>
-              <a:rPr kumimoji="1" lang="ja-JP" altLang="en-US" smtClean="0"/>
+              <a:rPr lang="ja-JP" altLang="en-US" smtClean="0"/>
               <a:t>レベル</a:t>
             </a:r>
           </a:p>
           <a:p>
             <a:pPr lvl="3"/>
             <a:r>
-              <a:rPr kumimoji="1" lang="ja-JP" altLang="en-US" smtClean="0"/>
+              <a:rPr lang="ja-JP" altLang="en-US" smtClean="0"/>
               <a:t>第 </a:t>
             </a:r>
             <a:r>
-              <a:rPr kumimoji="1" lang="en-US" altLang="ja-JP" smtClean="0"/>
+              <a:rPr lang="en-US" altLang="ja-JP" smtClean="0"/>
               <a:t>4 </a:t>
             </a:r>
             <a:r>
-              <a:rPr kumimoji="1" lang="ja-JP" altLang="en-US" smtClean="0"/>
+              <a:rPr lang="ja-JP" altLang="en-US" smtClean="0"/>
               <a:t>レベル</a:t>
             </a:r>
           </a:p>
           <a:p>
             <a:pPr lvl="4"/>
             <a:r>
-              <a:rPr kumimoji="1" lang="ja-JP" altLang="en-US" smtClean="0"/>
+              <a:rPr lang="ja-JP" altLang="en-US" smtClean="0"/>
               <a:t>第 </a:t>
             </a:r>
             <a:r>
-              <a:rPr kumimoji="1" lang="en-US" altLang="ja-JP" smtClean="0"/>
+              <a:rPr lang="en-US" altLang="ja-JP" smtClean="0"/>
               <a:t>5 </a:t>
             </a:r>
             <a:r>
-              <a:rPr kumimoji="1" lang="ja-JP" altLang="en-US" smtClean="0"/>
+              <a:rPr lang="ja-JP" altLang="en-US" smtClean="0"/>
               <a:t>レベル</a:t>
             </a:r>
-            <a:endParaRPr kumimoji="1" lang="ja-JP" altLang="en-US"/>
-          </a:p>
-        </p:txBody>
-      </p:sp>
-      <p:sp>
-        <p:nvSpPr>
-          <p:cNvPr id="4" name="日付プレースホルダー 3"/>
+            <a:endParaRPr lang="en-US" dirty="0"/>
+          </a:p>
+        </p:txBody>
+      </p:sp>
+      <p:sp>
+        <p:nvSpPr>
+          <p:cNvPr id="4" name="Date Placeholder 3"/>
           <p:cNvSpPr>
             <a:spLocks noGrp="1"/>
           </p:cNvSpPr>
@@ -666,7 +3288,7 @@
           <a:p>
             <a:fld id="{1A235D97-DFB1-401C-BDEE-EDF1579BAA11}" type="datetimeFigureOut">
               <a:rPr kumimoji="1" lang="ja-JP" altLang="en-US" smtClean="0"/>
-              <a:t>2020/8/14</a:t>
+              <a:t>2020/8/29</a:t>
             </a:fld>
             <a:endParaRPr kumimoji="1" lang="ja-JP" altLang="en-US"/>
           </a:p>
@@ -674,7 +3296,7 @@
       </p:sp>
       <p:sp>
         <p:nvSpPr>
-          <p:cNvPr id="5" name="フッター プレースホルダー 4"/>
+          <p:cNvPr id="5" name="Footer Placeholder 4"/>
           <p:cNvSpPr>
             <a:spLocks noGrp="1"/>
           </p:cNvSpPr>
@@ -693,7 +3315,7 @@
       </p:sp>
       <p:sp>
         <p:nvSpPr>
-          <p:cNvPr id="6" name="スライド番号プレースホルダー 5"/>
+          <p:cNvPr id="6" name="Slide Number Placeholder 5"/>
           <p:cNvSpPr>
             <a:spLocks noGrp="1"/>
           </p:cNvSpPr>
@@ -717,7 +3339,7 @@
     </p:spTree>
     <p:extLst>
       <p:ext uri="{BB962C8B-B14F-4D97-AF65-F5344CB8AC3E}">
-        <p14:creationId xmlns:p14="http://schemas.microsoft.com/office/powerpoint/2010/main" val="1371029471"/>
+        <p14:creationId xmlns:p14="http://schemas.microsoft.com/office/powerpoint/2010/main" val="1119708610"/>
       </p:ext>
     </p:extLst>
   </p:cSld>
@@ -746,7 +3368,7 @@
       </p:grpSpPr>
       <p:sp>
         <p:nvSpPr>
-          <p:cNvPr id="2" name="タイトル 1"/>
+          <p:cNvPr id="2" name="Title 1"/>
           <p:cNvSpPr>
             <a:spLocks noGrp="1"/>
           </p:cNvSpPr>
@@ -760,16 +3382,16 @@
           <a:lstStyle/>
           <a:p>
             <a:r>
-              <a:rPr kumimoji="1" lang="ja-JP" altLang="en-US" smtClean="0"/>
+              <a:rPr lang="ja-JP" altLang="en-US" smtClean="0"/>
               <a:t>マスター タイトルの書式設定</a:t>
             </a:r>
-            <a:endParaRPr kumimoji="1" lang="ja-JP" altLang="en-US"/>
-          </a:p>
-        </p:txBody>
-      </p:sp>
-      <p:sp>
-        <p:nvSpPr>
-          <p:cNvPr id="3" name="コンテンツ プレースホルダー 2"/>
+            <a:endParaRPr lang="en-US" dirty="0"/>
+          </a:p>
+        </p:txBody>
+      </p:sp>
+      <p:sp>
+        <p:nvSpPr>
+          <p:cNvPr id="3" name="Content Placeholder 2"/>
           <p:cNvSpPr>
             <a:spLocks noGrp="1"/>
           </p:cNvSpPr>
@@ -784,76 +3406,76 @@
           <a:p>
             <a:pPr lvl="0"/>
             <a:r>
-              <a:rPr kumimoji="1" lang="ja-JP" altLang="en-US" smtClean="0"/>
+              <a:rPr lang="ja-JP" altLang="en-US" smtClean="0"/>
               <a:t>マスター テキストの書式設定</a:t>
             </a:r>
           </a:p>
           <a:p>
             <a:pPr lvl="1"/>
             <a:r>
-              <a:rPr kumimoji="1" lang="ja-JP" altLang="en-US" smtClean="0"/>
+              <a:rPr lang="ja-JP" altLang="en-US" smtClean="0"/>
               <a:t>第 </a:t>
             </a:r>
             <a:r>
-              <a:rPr kumimoji="1" lang="en-US" altLang="ja-JP" smtClean="0"/>
+              <a:rPr lang="en-US" altLang="ja-JP" smtClean="0"/>
               <a:t>2 </a:t>
             </a:r>
             <a:r>
-              <a:rPr kumimoji="1" lang="ja-JP" altLang="en-US" smtClean="0"/>
+              <a:rPr lang="ja-JP" altLang="en-US" smtClean="0"/>
               <a:t>レベル</a:t>
             </a:r>
           </a:p>
           <a:p>
             <a:pPr lvl="2"/>
             <a:r>
-              <a:rPr kumimoji="1" lang="ja-JP" altLang="en-US" smtClean="0"/>
+              <a:rPr lang="ja-JP" altLang="en-US" smtClean="0"/>
               <a:t>第 </a:t>
             </a:r>
             <a:r>
-              <a:rPr kumimoji="1" lang="en-US" altLang="ja-JP" smtClean="0"/>
+              <a:rPr lang="en-US" altLang="ja-JP" smtClean="0"/>
               <a:t>3 </a:t>
             </a:r>
             <a:r>
-              <a:rPr kumimoji="1" lang="ja-JP" altLang="en-US" smtClean="0"/>
+              <a:rPr lang="ja-JP" altLang="en-US" smtClean="0"/>
               <a:t>レベル</a:t>
             </a:r>
           </a:p>
           <a:p>
             <a:pPr lvl="3"/>
             <a:r>
-              <a:rPr kumimoji="1" lang="ja-JP" altLang="en-US" smtClean="0"/>
+              <a:rPr lang="ja-JP" altLang="en-US" smtClean="0"/>
               <a:t>第 </a:t>
             </a:r>
             <a:r>
-              <a:rPr kumimoji="1" lang="en-US" altLang="ja-JP" smtClean="0"/>
+              <a:rPr lang="en-US" altLang="ja-JP" smtClean="0"/>
               <a:t>4 </a:t>
             </a:r>
             <a:r>
-              <a:rPr kumimoji="1" lang="ja-JP" altLang="en-US" smtClean="0"/>
+              <a:rPr lang="ja-JP" altLang="en-US" smtClean="0"/>
               <a:t>レベル</a:t>
             </a:r>
           </a:p>
           <a:p>
             <a:pPr lvl="4"/>
             <a:r>
-              <a:rPr kumimoji="1" lang="ja-JP" altLang="en-US" smtClean="0"/>
+              <a:rPr lang="ja-JP" altLang="en-US" smtClean="0"/>
               <a:t>第 </a:t>
             </a:r>
             <a:r>
-              <a:rPr kumimoji="1" lang="en-US" altLang="ja-JP" smtClean="0"/>
+              <a:rPr lang="en-US" altLang="ja-JP" smtClean="0"/>
               <a:t>5 </a:t>
             </a:r>
             <a:r>
-              <a:rPr kumimoji="1" lang="ja-JP" altLang="en-US" smtClean="0"/>
+              <a:rPr lang="ja-JP" altLang="en-US" smtClean="0"/>
               <a:t>レベル</a:t>
             </a:r>
-            <a:endParaRPr kumimoji="1" lang="ja-JP" altLang="en-US"/>
-          </a:p>
-        </p:txBody>
-      </p:sp>
-      <p:sp>
-        <p:nvSpPr>
-          <p:cNvPr id="4" name="日付プレースホルダー 3"/>
+            <a:endParaRPr lang="en-US" dirty="0"/>
+          </a:p>
+        </p:txBody>
+      </p:sp>
+      <p:sp>
+        <p:nvSpPr>
+          <p:cNvPr id="7" name="Date Placeholder 3"/>
           <p:cNvSpPr>
             <a:spLocks noGrp="1"/>
           </p:cNvSpPr>
@@ -868,7 +3490,7 @@
           <a:p>
             <a:fld id="{1A235D97-DFB1-401C-BDEE-EDF1579BAA11}" type="datetimeFigureOut">
               <a:rPr kumimoji="1" lang="ja-JP" altLang="en-US" smtClean="0"/>
-              <a:t>2020/8/14</a:t>
+              <a:t>2020/8/29</a:t>
             </a:fld>
             <a:endParaRPr kumimoji="1" lang="ja-JP" altLang="en-US"/>
           </a:p>
@@ -876,7 +3498,7 @@
       </p:sp>
       <p:sp>
         <p:nvSpPr>
-          <p:cNvPr id="5" name="フッター プレースホルダー 4"/>
+          <p:cNvPr id="5" name="Footer Placeholder 4"/>
           <p:cNvSpPr>
             <a:spLocks noGrp="1"/>
           </p:cNvSpPr>
@@ -895,7 +3517,7 @@
       </p:sp>
       <p:sp>
         <p:nvSpPr>
-          <p:cNvPr id="6" name="スライド番号プレースホルダー 5"/>
+          <p:cNvPr id="6" name="Slide Number Placeholder 5"/>
           <p:cNvSpPr>
             <a:spLocks noGrp="1"/>
           </p:cNvSpPr>
@@ -919,7 +3541,7 @@
     </p:spTree>
     <p:extLst>
       <p:ext uri="{BB962C8B-B14F-4D97-AF65-F5344CB8AC3E}">
-        <p14:creationId xmlns:p14="http://schemas.microsoft.com/office/powerpoint/2010/main" val="1847536658"/>
+        <p14:creationId xmlns:p14="http://schemas.microsoft.com/office/powerpoint/2010/main" val="3982765583"/>
       </p:ext>
     </p:extLst>
   </p:cSld>
@@ -948,7 +3570,7 @@
       </p:grpSpPr>
       <p:sp>
         <p:nvSpPr>
-          <p:cNvPr id="2" name="タイトル 1"/>
+          <p:cNvPr id="2" name="Title 1"/>
           <p:cNvSpPr>
             <a:spLocks noGrp="1"/>
           </p:cNvSpPr>
@@ -958,29 +3580,29 @@
         </p:nvSpPr>
         <p:spPr>
           <a:xfrm>
-            <a:off x="831850" y="1709738"/>
-            <a:ext cx="10515600" cy="2852737"/>
+            <a:off x="1154956" y="2861733"/>
+            <a:ext cx="8825657" cy="1915647"/>
           </a:xfrm>
         </p:spPr>
         <p:txBody>
           <a:bodyPr anchor="b"/>
           <a:lstStyle>
-            <a:lvl1pPr>
-              <a:defRPr sz="6000"/>
+            <a:lvl1pPr algn="l">
+              <a:defRPr sz="4000" b="0" cap="none"/>
             </a:lvl1pPr>
           </a:lstStyle>
           <a:p>
             <a:r>
-              <a:rPr kumimoji="1" lang="ja-JP" altLang="en-US" smtClean="0"/>
+              <a:rPr lang="ja-JP" altLang="en-US" smtClean="0"/>
               <a:t>マスター タイトルの書式設定</a:t>
             </a:r>
-            <a:endParaRPr kumimoji="1" lang="ja-JP" altLang="en-US"/>
-          </a:p>
-        </p:txBody>
-      </p:sp>
-      <p:sp>
-        <p:nvSpPr>
-          <p:cNvPr id="3" name="テキスト プレースホルダー 2"/>
+            <a:endParaRPr lang="en-US" dirty="0"/>
+          </a:p>
+        </p:txBody>
+      </p:sp>
+      <p:sp>
+        <p:nvSpPr>
+          <p:cNvPr id="3" name="Text Placeholder 2"/>
           <p:cNvSpPr>
             <a:spLocks noGrp="1"/>
           </p:cNvSpPr>
@@ -990,26 +3612,27 @@
         </p:nvSpPr>
         <p:spPr>
           <a:xfrm>
-            <a:off x="831850" y="4589463"/>
-            <a:ext cx="10515600" cy="1500187"/>
+            <a:off x="1154955" y="4777381"/>
+            <a:ext cx="8825658" cy="860400"/>
           </a:xfrm>
         </p:spPr>
         <p:txBody>
-          <a:bodyPr/>
+          <a:bodyPr anchor="t"/>
           <a:lstStyle>
-            <a:lvl1pPr marL="0" indent="0">
-              <a:buNone/>
-              <a:defRPr sz="2400">
+            <a:lvl1pPr marL="0" indent="0" algn="l">
+              <a:buNone/>
+              <a:defRPr sz="2000" cap="all">
                 <a:solidFill>
-                  <a:schemeClr val="tx1">
-                    <a:tint val="75000"/>
+                  <a:schemeClr val="bg2">
+                    <a:lumMod val="40000"/>
+                    <a:lumOff val="60000"/>
                   </a:schemeClr>
                 </a:solidFill>
               </a:defRPr>
             </a:lvl1pPr>
             <a:lvl2pPr marL="457200" indent="0">
               <a:buNone/>
-              <a:defRPr sz="2000">
+              <a:defRPr sz="1800">
                 <a:solidFill>
                   <a:schemeClr val="tx1">
                     <a:tint val="75000"/>
@@ -1019,7 +3642,7 @@
             </a:lvl2pPr>
             <a:lvl3pPr marL="914400" indent="0">
               <a:buNone/>
-              <a:defRPr sz="1800">
+              <a:defRPr sz="1600">
                 <a:solidFill>
                   <a:schemeClr val="tx1">
                     <a:tint val="75000"/>
@@ -1029,7 +3652,7 @@
             </a:lvl3pPr>
             <a:lvl4pPr marL="1371600" indent="0">
               <a:buNone/>
-              <a:defRPr sz="1600">
+              <a:defRPr sz="1400">
                 <a:solidFill>
                   <a:schemeClr val="tx1">
                     <a:tint val="75000"/>
@@ -1039,7 +3662,7 @@
             </a:lvl4pPr>
             <a:lvl5pPr marL="1828800" indent="0">
               <a:buNone/>
-              <a:defRPr sz="1600">
+              <a:defRPr sz="1400">
                 <a:solidFill>
                   <a:schemeClr val="tx1">
                     <a:tint val="75000"/>
@@ -1049,7 +3672,7 @@
             </a:lvl5pPr>
             <a:lvl6pPr marL="2286000" indent="0">
               <a:buNone/>
-              <a:defRPr sz="1600">
+              <a:defRPr sz="1400">
                 <a:solidFill>
                   <a:schemeClr val="tx1">
                     <a:tint val="75000"/>
@@ -1059,7 +3682,7 @@
             </a:lvl6pPr>
             <a:lvl7pPr marL="2743200" indent="0">
               <a:buNone/>
-              <a:defRPr sz="1600">
+              <a:defRPr sz="1400">
                 <a:solidFill>
                   <a:schemeClr val="tx1">
                     <a:tint val="75000"/>
@@ -1069,7 +3692,7 @@
             </a:lvl7pPr>
             <a:lvl8pPr marL="3200400" indent="0">
               <a:buNone/>
-              <a:defRPr sz="1600">
+              <a:defRPr sz="1400">
                 <a:solidFill>
                   <a:schemeClr val="tx1">
                     <a:tint val="75000"/>
@@ -1079,7 +3702,7 @@
             </a:lvl8pPr>
             <a:lvl9pPr marL="3657600" indent="0">
               <a:buNone/>
-              <a:defRPr sz="1600">
+              <a:defRPr sz="1400">
                 <a:solidFill>
                   <a:schemeClr val="tx1">
                     <a:tint val="75000"/>
@@ -1091,7 +3714,7 @@
           <a:p>
             <a:pPr lvl="0"/>
             <a:r>
-              <a:rPr kumimoji="1" lang="ja-JP" altLang="en-US" smtClean="0"/>
+              <a:rPr lang="ja-JP" altLang="en-US" smtClean="0"/>
               <a:t>マスター テキストの書式設定</a:t>
             </a:r>
           </a:p>
@@ -1099,7 +3722,7 @@
       </p:sp>
       <p:sp>
         <p:nvSpPr>
-          <p:cNvPr id="4" name="日付プレースホルダー 3"/>
+          <p:cNvPr id="4" name="Date Placeholder 3"/>
           <p:cNvSpPr>
             <a:spLocks noGrp="1"/>
           </p:cNvSpPr>
@@ -1114,7 +3737,7 @@
           <a:p>
             <a:fld id="{1A235D97-DFB1-401C-BDEE-EDF1579BAA11}" type="datetimeFigureOut">
               <a:rPr kumimoji="1" lang="ja-JP" altLang="en-US" smtClean="0"/>
-              <a:t>2020/8/14</a:t>
+              <a:t>2020/8/29</a:t>
             </a:fld>
             <a:endParaRPr kumimoji="1" lang="ja-JP" altLang="en-US"/>
           </a:p>
@@ -1122,7 +3745,7 @@
       </p:sp>
       <p:sp>
         <p:nvSpPr>
-          <p:cNvPr id="5" name="フッター プレースホルダー 4"/>
+          <p:cNvPr id="5" name="Footer Placeholder 4"/>
           <p:cNvSpPr>
             <a:spLocks noGrp="1"/>
           </p:cNvSpPr>
@@ -1141,7 +3764,7 @@
       </p:sp>
       <p:sp>
         <p:nvSpPr>
-          <p:cNvPr id="6" name="スライド番号プレースホルダー 5"/>
+          <p:cNvPr id="6" name="Slide Number Placeholder 5"/>
           <p:cNvSpPr>
             <a:spLocks noGrp="1"/>
           </p:cNvSpPr>
@@ -1165,7 +3788,7 @@
     </p:spTree>
     <p:extLst>
       <p:ext uri="{BB962C8B-B14F-4D97-AF65-F5344CB8AC3E}">
-        <p14:creationId xmlns:p14="http://schemas.microsoft.com/office/powerpoint/2010/main" val="3829687840"/>
+        <p14:creationId xmlns:p14="http://schemas.microsoft.com/office/powerpoint/2010/main" val="3514032109"/>
       </p:ext>
     </p:extLst>
   </p:cSld>
@@ -1194,7 +3817,7 @@
       </p:grpSpPr>
       <p:sp>
         <p:nvSpPr>
-          <p:cNvPr id="2" name="タイトル 1"/>
+          <p:cNvPr id="2" name="Title 1"/>
           <p:cNvSpPr>
             <a:spLocks noGrp="1"/>
           </p:cNvSpPr>
@@ -1208,16 +3831,16 @@
           <a:lstStyle/>
           <a:p>
             <a:r>
-              <a:rPr kumimoji="1" lang="ja-JP" altLang="en-US" smtClean="0"/>
+              <a:rPr lang="ja-JP" altLang="en-US" smtClean="0"/>
               <a:t>マスター タイトルの書式設定</a:t>
             </a:r>
-            <a:endParaRPr kumimoji="1" lang="ja-JP" altLang="en-US"/>
-          </a:p>
-        </p:txBody>
-      </p:sp>
-      <p:sp>
-        <p:nvSpPr>
-          <p:cNvPr id="3" name="コンテンツ プレースホルダー 2"/>
+            <a:endParaRPr lang="en-US" dirty="0"/>
+          </a:p>
+        </p:txBody>
+      </p:sp>
+      <p:sp>
+        <p:nvSpPr>
+          <p:cNvPr id="3" name="Content Placeholder 2"/>
           <p:cNvSpPr>
             <a:spLocks noGrp="1"/>
           </p:cNvSpPr>
@@ -1227,217 +3850,277 @@
         </p:nvSpPr>
         <p:spPr>
           <a:xfrm>
-            <a:off x="838200" y="1825625"/>
-            <a:ext cx="5181600" cy="4351338"/>
+            <a:off x="1103312" y="2060575"/>
+            <a:ext cx="4396339" cy="4195763"/>
           </a:xfrm>
         </p:spPr>
         <p:txBody>
+          <a:bodyPr>
+            <a:normAutofit/>
+          </a:bodyPr>
+          <a:lstStyle>
+            <a:lvl1pPr>
+              <a:defRPr sz="1800"/>
+            </a:lvl1pPr>
+            <a:lvl2pPr>
+              <a:defRPr sz="1600"/>
+            </a:lvl2pPr>
+            <a:lvl3pPr>
+              <a:defRPr sz="1400"/>
+            </a:lvl3pPr>
+            <a:lvl4pPr>
+              <a:defRPr sz="1200"/>
+            </a:lvl4pPr>
+            <a:lvl5pPr>
+              <a:defRPr sz="1200"/>
+            </a:lvl5pPr>
+            <a:lvl6pPr>
+              <a:defRPr sz="1200"/>
+            </a:lvl6pPr>
+            <a:lvl7pPr>
+              <a:defRPr sz="1200"/>
+            </a:lvl7pPr>
+            <a:lvl8pPr>
+              <a:defRPr sz="1200"/>
+            </a:lvl8pPr>
+            <a:lvl9pPr>
+              <a:defRPr sz="1200"/>
+            </a:lvl9pPr>
+          </a:lstStyle>
+          <a:p>
+            <a:pPr lvl="0"/>
+            <a:r>
+              <a:rPr lang="ja-JP" altLang="en-US" smtClean="0"/>
+              <a:t>マスター テキストの書式設定</a:t>
+            </a:r>
+          </a:p>
+          <a:p>
+            <a:pPr lvl="1"/>
+            <a:r>
+              <a:rPr lang="ja-JP" altLang="en-US" smtClean="0"/>
+              <a:t>第 </a:t>
+            </a:r>
+            <a:r>
+              <a:rPr lang="en-US" altLang="ja-JP" smtClean="0"/>
+              <a:t>2 </a:t>
+            </a:r>
+            <a:r>
+              <a:rPr lang="ja-JP" altLang="en-US" smtClean="0"/>
+              <a:t>レベル</a:t>
+            </a:r>
+          </a:p>
+          <a:p>
+            <a:pPr lvl="2"/>
+            <a:r>
+              <a:rPr lang="ja-JP" altLang="en-US" smtClean="0"/>
+              <a:t>第 </a:t>
+            </a:r>
+            <a:r>
+              <a:rPr lang="en-US" altLang="ja-JP" smtClean="0"/>
+              <a:t>3 </a:t>
+            </a:r>
+            <a:r>
+              <a:rPr lang="ja-JP" altLang="en-US" smtClean="0"/>
+              <a:t>レベル</a:t>
+            </a:r>
+          </a:p>
+          <a:p>
+            <a:pPr lvl="3"/>
+            <a:r>
+              <a:rPr lang="ja-JP" altLang="en-US" smtClean="0"/>
+              <a:t>第 </a:t>
+            </a:r>
+            <a:r>
+              <a:rPr lang="en-US" altLang="ja-JP" smtClean="0"/>
+              <a:t>4 </a:t>
+            </a:r>
+            <a:r>
+              <a:rPr lang="ja-JP" altLang="en-US" smtClean="0"/>
+              <a:t>レベル</a:t>
+            </a:r>
+          </a:p>
+          <a:p>
+            <a:pPr lvl="4"/>
+            <a:r>
+              <a:rPr lang="ja-JP" altLang="en-US" smtClean="0"/>
+              <a:t>第 </a:t>
+            </a:r>
+            <a:r>
+              <a:rPr lang="en-US" altLang="ja-JP" smtClean="0"/>
+              <a:t>5 </a:t>
+            </a:r>
+            <a:r>
+              <a:rPr lang="ja-JP" altLang="en-US" smtClean="0"/>
+              <a:t>レベル</a:t>
+            </a:r>
+            <a:endParaRPr lang="en-US" dirty="0"/>
+          </a:p>
+        </p:txBody>
+      </p:sp>
+      <p:sp>
+        <p:nvSpPr>
+          <p:cNvPr id="4" name="Content Placeholder 3"/>
+          <p:cNvSpPr>
+            <a:spLocks noGrp="1"/>
+          </p:cNvSpPr>
+          <p:nvPr>
+            <p:ph sz="half" idx="2"/>
+          </p:nvPr>
+        </p:nvSpPr>
+        <p:spPr>
+          <a:xfrm>
+            <a:off x="5654493" y="2056092"/>
+            <a:ext cx="4396341" cy="4200245"/>
+          </a:xfrm>
+        </p:spPr>
+        <p:txBody>
+          <a:bodyPr>
+            <a:normAutofit/>
+          </a:bodyPr>
+          <a:lstStyle>
+            <a:lvl1pPr>
+              <a:defRPr sz="1800"/>
+            </a:lvl1pPr>
+            <a:lvl2pPr>
+              <a:defRPr sz="1600"/>
+            </a:lvl2pPr>
+            <a:lvl3pPr>
+              <a:defRPr sz="1400"/>
+            </a:lvl3pPr>
+            <a:lvl4pPr>
+              <a:defRPr sz="1200"/>
+            </a:lvl4pPr>
+            <a:lvl5pPr>
+              <a:defRPr sz="1200"/>
+            </a:lvl5pPr>
+            <a:lvl6pPr>
+              <a:defRPr sz="1200"/>
+            </a:lvl6pPr>
+            <a:lvl7pPr>
+              <a:defRPr sz="1200"/>
+            </a:lvl7pPr>
+            <a:lvl8pPr>
+              <a:defRPr sz="1200"/>
+            </a:lvl8pPr>
+            <a:lvl9pPr>
+              <a:defRPr sz="1200"/>
+            </a:lvl9pPr>
+          </a:lstStyle>
+          <a:p>
+            <a:pPr lvl="0"/>
+            <a:r>
+              <a:rPr lang="ja-JP" altLang="en-US" smtClean="0"/>
+              <a:t>マスター テキストの書式設定</a:t>
+            </a:r>
+          </a:p>
+          <a:p>
+            <a:pPr lvl="1"/>
+            <a:r>
+              <a:rPr lang="ja-JP" altLang="en-US" smtClean="0"/>
+              <a:t>第 </a:t>
+            </a:r>
+            <a:r>
+              <a:rPr lang="en-US" altLang="ja-JP" smtClean="0"/>
+              <a:t>2 </a:t>
+            </a:r>
+            <a:r>
+              <a:rPr lang="ja-JP" altLang="en-US" smtClean="0"/>
+              <a:t>レベル</a:t>
+            </a:r>
+          </a:p>
+          <a:p>
+            <a:pPr lvl="2"/>
+            <a:r>
+              <a:rPr lang="ja-JP" altLang="en-US" smtClean="0"/>
+              <a:t>第 </a:t>
+            </a:r>
+            <a:r>
+              <a:rPr lang="en-US" altLang="ja-JP" smtClean="0"/>
+              <a:t>3 </a:t>
+            </a:r>
+            <a:r>
+              <a:rPr lang="ja-JP" altLang="en-US" smtClean="0"/>
+              <a:t>レベル</a:t>
+            </a:r>
+          </a:p>
+          <a:p>
+            <a:pPr lvl="3"/>
+            <a:r>
+              <a:rPr lang="ja-JP" altLang="en-US" smtClean="0"/>
+              <a:t>第 </a:t>
+            </a:r>
+            <a:r>
+              <a:rPr lang="en-US" altLang="ja-JP" smtClean="0"/>
+              <a:t>4 </a:t>
+            </a:r>
+            <a:r>
+              <a:rPr lang="ja-JP" altLang="en-US" smtClean="0"/>
+              <a:t>レベル</a:t>
+            </a:r>
+          </a:p>
+          <a:p>
+            <a:pPr lvl="4"/>
+            <a:r>
+              <a:rPr lang="ja-JP" altLang="en-US" smtClean="0"/>
+              <a:t>第 </a:t>
+            </a:r>
+            <a:r>
+              <a:rPr lang="en-US" altLang="ja-JP" smtClean="0"/>
+              <a:t>5 </a:t>
+            </a:r>
+            <a:r>
+              <a:rPr lang="ja-JP" altLang="en-US" smtClean="0"/>
+              <a:t>レベル</a:t>
+            </a:r>
+            <a:endParaRPr lang="en-US" dirty="0"/>
+          </a:p>
+        </p:txBody>
+      </p:sp>
+      <p:sp>
+        <p:nvSpPr>
+          <p:cNvPr id="5" name="Date Placeholder 4"/>
+          <p:cNvSpPr>
+            <a:spLocks noGrp="1"/>
+          </p:cNvSpPr>
+          <p:nvPr>
+            <p:ph type="dt" sz="half" idx="10"/>
+          </p:nvPr>
+        </p:nvSpPr>
+        <p:spPr/>
+        <p:txBody>
           <a:bodyPr/>
           <a:lstStyle/>
           <a:p>
-            <a:pPr lvl="0"/>
-            <a:r>
+            <a:fld id="{1A235D97-DFB1-401C-BDEE-EDF1579BAA11}" type="datetimeFigureOut">
               <a:rPr kumimoji="1" lang="ja-JP" altLang="en-US" smtClean="0"/>
-              <a:t>マスター テキストの書式設定</a:t>
-            </a:r>
-          </a:p>
-          <a:p>
-            <a:pPr lvl="1"/>
-            <a:r>
-              <a:rPr kumimoji="1" lang="ja-JP" altLang="en-US" smtClean="0"/>
-              <a:t>第 </a:t>
-            </a:r>
-            <a:r>
-              <a:rPr kumimoji="1" lang="en-US" altLang="ja-JP" smtClean="0"/>
-              <a:t>2 </a:t>
-            </a:r>
-            <a:r>
-              <a:rPr kumimoji="1" lang="ja-JP" altLang="en-US" smtClean="0"/>
-              <a:t>レベル</a:t>
-            </a:r>
-          </a:p>
-          <a:p>
-            <a:pPr lvl="2"/>
-            <a:r>
-              <a:rPr kumimoji="1" lang="ja-JP" altLang="en-US" smtClean="0"/>
-              <a:t>第 </a:t>
-            </a:r>
-            <a:r>
-              <a:rPr kumimoji="1" lang="en-US" altLang="ja-JP" smtClean="0"/>
-              <a:t>3 </a:t>
-            </a:r>
-            <a:r>
-              <a:rPr kumimoji="1" lang="ja-JP" altLang="en-US" smtClean="0"/>
-              <a:t>レベル</a:t>
-            </a:r>
-          </a:p>
-          <a:p>
-            <a:pPr lvl="3"/>
-            <a:r>
-              <a:rPr kumimoji="1" lang="ja-JP" altLang="en-US" smtClean="0"/>
-              <a:t>第 </a:t>
-            </a:r>
-            <a:r>
-              <a:rPr kumimoji="1" lang="en-US" altLang="ja-JP" smtClean="0"/>
-              <a:t>4 </a:t>
-            </a:r>
-            <a:r>
-              <a:rPr kumimoji="1" lang="ja-JP" altLang="en-US" smtClean="0"/>
-              <a:t>レベル</a:t>
-            </a:r>
-          </a:p>
-          <a:p>
-            <a:pPr lvl="4"/>
-            <a:r>
-              <a:rPr kumimoji="1" lang="ja-JP" altLang="en-US" smtClean="0"/>
-              <a:t>第 </a:t>
-            </a:r>
-            <a:r>
-              <a:rPr kumimoji="1" lang="en-US" altLang="ja-JP" smtClean="0"/>
-              <a:t>5 </a:t>
-            </a:r>
-            <a:r>
-              <a:rPr kumimoji="1" lang="ja-JP" altLang="en-US" smtClean="0"/>
-              <a:t>レベル</a:t>
-            </a:r>
+              <a:t>2020/8/29</a:t>
+            </a:fld>
             <a:endParaRPr kumimoji="1" lang="ja-JP" altLang="en-US"/>
           </a:p>
         </p:txBody>
       </p:sp>
       <p:sp>
         <p:nvSpPr>
-          <p:cNvPr id="4" name="コンテンツ プレースホルダー 3"/>
-          <p:cNvSpPr>
-            <a:spLocks noGrp="1"/>
-          </p:cNvSpPr>
-          <p:nvPr>
-            <p:ph sz="half" idx="2"/>
-          </p:nvPr>
-        </p:nvSpPr>
-        <p:spPr>
-          <a:xfrm>
-            <a:off x="6172200" y="1825625"/>
-            <a:ext cx="5181600" cy="4351338"/>
-          </a:xfrm>
-        </p:spPr>
+          <p:cNvPr id="6" name="Footer Placeholder 5"/>
+          <p:cNvSpPr>
+            <a:spLocks noGrp="1"/>
+          </p:cNvSpPr>
+          <p:nvPr>
+            <p:ph type="ftr" sz="quarter" idx="11"/>
+          </p:nvPr>
+        </p:nvSpPr>
+        <p:spPr/>
         <p:txBody>
           <a:bodyPr/>
           <a:lstStyle/>
           <a:p>
-            <a:pPr lvl="0"/>
-            <a:r>
-              <a:rPr kumimoji="1" lang="ja-JP" altLang="en-US" smtClean="0"/>
-              <a:t>マスター テキストの書式設定</a:t>
-            </a:r>
-          </a:p>
-          <a:p>
-            <a:pPr lvl="1"/>
-            <a:r>
-              <a:rPr kumimoji="1" lang="ja-JP" altLang="en-US" smtClean="0"/>
-              <a:t>第 </a:t>
-            </a:r>
-            <a:r>
-              <a:rPr kumimoji="1" lang="en-US" altLang="ja-JP" smtClean="0"/>
-              <a:t>2 </a:t>
-            </a:r>
-            <a:r>
-              <a:rPr kumimoji="1" lang="ja-JP" altLang="en-US" smtClean="0"/>
-              <a:t>レベル</a:t>
-            </a:r>
-          </a:p>
-          <a:p>
-            <a:pPr lvl="2"/>
-            <a:r>
-              <a:rPr kumimoji="1" lang="ja-JP" altLang="en-US" smtClean="0"/>
-              <a:t>第 </a:t>
-            </a:r>
-            <a:r>
-              <a:rPr kumimoji="1" lang="en-US" altLang="ja-JP" smtClean="0"/>
-              <a:t>3 </a:t>
-            </a:r>
-            <a:r>
-              <a:rPr kumimoji="1" lang="ja-JP" altLang="en-US" smtClean="0"/>
-              <a:t>レベル</a:t>
-            </a:r>
-          </a:p>
-          <a:p>
-            <a:pPr lvl="3"/>
-            <a:r>
-              <a:rPr kumimoji="1" lang="ja-JP" altLang="en-US" smtClean="0"/>
-              <a:t>第 </a:t>
-            </a:r>
-            <a:r>
-              <a:rPr kumimoji="1" lang="en-US" altLang="ja-JP" smtClean="0"/>
-              <a:t>4 </a:t>
-            </a:r>
-            <a:r>
-              <a:rPr kumimoji="1" lang="ja-JP" altLang="en-US" smtClean="0"/>
-              <a:t>レベル</a:t>
-            </a:r>
-          </a:p>
-          <a:p>
-            <a:pPr lvl="4"/>
-            <a:r>
-              <a:rPr kumimoji="1" lang="ja-JP" altLang="en-US" smtClean="0"/>
-              <a:t>第 </a:t>
-            </a:r>
-            <a:r>
-              <a:rPr kumimoji="1" lang="en-US" altLang="ja-JP" smtClean="0"/>
-              <a:t>5 </a:t>
-            </a:r>
-            <a:r>
-              <a:rPr kumimoji="1" lang="ja-JP" altLang="en-US" smtClean="0"/>
-              <a:t>レベル</a:t>
-            </a:r>
             <a:endParaRPr kumimoji="1" lang="ja-JP" altLang="en-US"/>
           </a:p>
         </p:txBody>
       </p:sp>
       <p:sp>
         <p:nvSpPr>
-          <p:cNvPr id="5" name="日付プレースホルダー 4"/>
-          <p:cNvSpPr>
-            <a:spLocks noGrp="1"/>
-          </p:cNvSpPr>
-          <p:nvPr>
-            <p:ph type="dt" sz="half" idx="10"/>
-          </p:nvPr>
-        </p:nvSpPr>
-        <p:spPr/>
-        <p:txBody>
-          <a:bodyPr/>
-          <a:lstStyle/>
-          <a:p>
-            <a:fld id="{1A235D97-DFB1-401C-BDEE-EDF1579BAA11}" type="datetimeFigureOut">
-              <a:rPr kumimoji="1" lang="ja-JP" altLang="en-US" smtClean="0"/>
-              <a:t>2020/8/14</a:t>
-            </a:fld>
-            <a:endParaRPr kumimoji="1" lang="ja-JP" altLang="en-US"/>
-          </a:p>
-        </p:txBody>
-      </p:sp>
-      <p:sp>
-        <p:nvSpPr>
-          <p:cNvPr id="6" name="フッター プレースホルダー 5"/>
-          <p:cNvSpPr>
-            <a:spLocks noGrp="1"/>
-          </p:cNvSpPr>
-          <p:nvPr>
-            <p:ph type="ftr" sz="quarter" idx="11"/>
-          </p:nvPr>
-        </p:nvSpPr>
-        <p:spPr/>
-        <p:txBody>
-          <a:bodyPr/>
-          <a:lstStyle/>
-          <a:p>
-            <a:endParaRPr kumimoji="1" lang="ja-JP" altLang="en-US"/>
-          </a:p>
-        </p:txBody>
-      </p:sp>
-      <p:sp>
-        <p:nvSpPr>
-          <p:cNvPr id="7" name="スライド番号プレースホルダー 6"/>
+          <p:cNvPr id="7" name="Slide Number Placeholder 6"/>
           <p:cNvSpPr>
             <a:spLocks noGrp="1"/>
           </p:cNvSpPr>
@@ -1461,7 +4144,7 @@
     </p:spTree>
     <p:extLst>
       <p:ext uri="{BB962C8B-B14F-4D97-AF65-F5344CB8AC3E}">
-        <p14:creationId xmlns:p14="http://schemas.microsoft.com/office/powerpoint/2010/main" val="4168099521"/>
+        <p14:creationId xmlns:p14="http://schemas.microsoft.com/office/powerpoint/2010/main" val="2385493540"/>
       </p:ext>
     </p:extLst>
   </p:cSld>
@@ -1490,54 +4173,62 @@
       </p:grpSpPr>
       <p:sp>
         <p:nvSpPr>
-          <p:cNvPr id="2" name="タイトル 1"/>
+          <p:cNvPr id="2" name="Title 1"/>
           <p:cNvSpPr>
             <a:spLocks noGrp="1"/>
           </p:cNvSpPr>
           <p:nvPr>
             <p:ph type="title"/>
+          </p:nvPr>
+        </p:nvSpPr>
+        <p:spPr/>
+        <p:txBody>
+          <a:bodyPr/>
+          <a:lstStyle>
+            <a:lvl1pPr>
+              <a:defRPr/>
+            </a:lvl1pPr>
+          </a:lstStyle>
+          <a:p>
+            <a:r>
+              <a:rPr lang="ja-JP" altLang="en-US" smtClean="0"/>
+              <a:t>マスター タイトルの書式設定</a:t>
+            </a:r>
+            <a:endParaRPr lang="en-US" dirty="0"/>
+          </a:p>
+        </p:txBody>
+      </p:sp>
+      <p:sp>
+        <p:nvSpPr>
+          <p:cNvPr id="3" name="Text Placeholder 2"/>
+          <p:cNvSpPr>
+            <a:spLocks noGrp="1"/>
+          </p:cNvSpPr>
+          <p:nvPr>
+            <p:ph type="body" idx="1"/>
           </p:nvPr>
         </p:nvSpPr>
         <p:spPr>
           <a:xfrm>
-            <a:off x="839788" y="365125"/>
-            <a:ext cx="10515600" cy="1325563"/>
+            <a:off x="1103313" y="1905000"/>
+            <a:ext cx="4396338" cy="576262"/>
           </a:xfrm>
         </p:spPr>
         <p:txBody>
-          <a:bodyPr/>
-          <a:lstStyle/>
-          <a:p>
-            <a:r>
-              <a:rPr kumimoji="1" lang="ja-JP" altLang="en-US" smtClean="0"/>
-              <a:t>マスター タイトルの書式設定</a:t>
-            </a:r>
-            <a:endParaRPr kumimoji="1" lang="ja-JP" altLang="en-US"/>
-          </a:p>
-        </p:txBody>
-      </p:sp>
-      <p:sp>
-        <p:nvSpPr>
-          <p:cNvPr id="3" name="テキスト プレースホルダー 2"/>
-          <p:cNvSpPr>
-            <a:spLocks noGrp="1"/>
-          </p:cNvSpPr>
-          <p:nvPr>
-            <p:ph type="body" idx="1"/>
-          </p:nvPr>
-        </p:nvSpPr>
-        <p:spPr>
-          <a:xfrm>
-            <a:off x="839788" y="1681163"/>
-            <a:ext cx="5157787" cy="823912"/>
-          </a:xfrm>
-        </p:spPr>
-        <p:txBody>
-          <a:bodyPr anchor="b"/>
+          <a:bodyPr anchor="b">
+            <a:noAutofit/>
+          </a:bodyPr>
           <a:lstStyle>
             <a:lvl1pPr marL="0" indent="0">
               <a:buNone/>
-              <a:defRPr sz="2400" b="1"/>
+              <a:defRPr sz="2400" b="0">
+                <a:solidFill>
+                  <a:schemeClr val="bg2">
+                    <a:lumMod val="40000"/>
+                    <a:lumOff val="60000"/>
+                  </a:schemeClr>
+                </a:solidFill>
+              </a:defRPr>
             </a:lvl1pPr>
             <a:lvl2pPr marL="457200" indent="0">
               <a:buNone/>
@@ -1575,7 +4266,7 @@
           <a:p>
             <a:pPr lvl="0"/>
             <a:r>
-              <a:rPr kumimoji="1" lang="ja-JP" altLang="en-US" smtClean="0"/>
+              <a:rPr lang="ja-JP" altLang="en-US" smtClean="0"/>
               <a:t>マスター テキストの書式設定</a:t>
             </a:r>
           </a:p>
@@ -1583,7 +4274,7 @@
       </p:sp>
       <p:sp>
         <p:nvSpPr>
-          <p:cNvPr id="4" name="コンテンツ プレースホルダー 3"/>
+          <p:cNvPr id="4" name="Content Placeholder 3"/>
           <p:cNvSpPr>
             <a:spLocks noGrp="1"/>
           </p:cNvSpPr>
@@ -1593,86 +4284,116 @@
         </p:nvSpPr>
         <p:spPr>
           <a:xfrm>
-            <a:off x="839788" y="2505075"/>
-            <a:ext cx="5157787" cy="3684588"/>
+            <a:off x="1103312" y="2514600"/>
+            <a:ext cx="4396339" cy="3741738"/>
           </a:xfrm>
         </p:spPr>
         <p:txBody>
-          <a:bodyPr/>
-          <a:lstStyle/>
+          <a:bodyPr>
+            <a:normAutofit/>
+          </a:bodyPr>
+          <a:lstStyle>
+            <a:lvl1pPr>
+              <a:defRPr sz="1800"/>
+            </a:lvl1pPr>
+            <a:lvl2pPr>
+              <a:defRPr sz="1600"/>
+            </a:lvl2pPr>
+            <a:lvl3pPr>
+              <a:defRPr sz="1400"/>
+            </a:lvl3pPr>
+            <a:lvl4pPr>
+              <a:defRPr sz="1200"/>
+            </a:lvl4pPr>
+            <a:lvl5pPr>
+              <a:defRPr sz="1200"/>
+            </a:lvl5pPr>
+            <a:lvl6pPr>
+              <a:defRPr sz="1200"/>
+            </a:lvl6pPr>
+            <a:lvl7pPr>
+              <a:defRPr sz="1200"/>
+            </a:lvl7pPr>
+            <a:lvl8pPr>
+              <a:defRPr sz="1200"/>
+            </a:lvl8pPr>
+            <a:lvl9pPr>
+              <a:defRPr sz="1200"/>
+            </a:lvl9pPr>
+          </a:lstStyle>
           <a:p>
             <a:pPr lvl="0"/>
             <a:r>
-              <a:rPr kumimoji="1" lang="ja-JP" altLang="en-US" smtClean="0"/>
+              <a:rPr lang="ja-JP" altLang="en-US" smtClean="0"/>
               <a:t>マスター テキストの書式設定</a:t>
             </a:r>
           </a:p>
           <a:p>
             <a:pPr lvl="1"/>
             <a:r>
-              <a:rPr kumimoji="1" lang="ja-JP" altLang="en-US" smtClean="0"/>
+              <a:rPr lang="ja-JP" altLang="en-US" smtClean="0"/>
               <a:t>第 </a:t>
             </a:r>
             <a:r>
-              <a:rPr kumimoji="1" lang="en-US" altLang="ja-JP" smtClean="0"/>
+              <a:rPr lang="en-US" altLang="ja-JP" smtClean="0"/>
               <a:t>2 </a:t>
             </a:r>
             <a:r>
-              <a:rPr kumimoji="1" lang="ja-JP" altLang="en-US" smtClean="0"/>
+              <a:rPr lang="ja-JP" altLang="en-US" smtClean="0"/>
               <a:t>レベル</a:t>
             </a:r>
           </a:p>
           <a:p>
             <a:pPr lvl="2"/>
             <a:r>
-              <a:rPr kumimoji="1" lang="ja-JP" altLang="en-US" smtClean="0"/>
+              <a:rPr lang="ja-JP" altLang="en-US" smtClean="0"/>
               <a:t>第 </a:t>
             </a:r>
             <a:r>
-              <a:rPr kumimoji="1" lang="en-US" altLang="ja-JP" smtClean="0"/>
+              <a:rPr lang="en-US" altLang="ja-JP" smtClean="0"/>
               <a:t>3 </a:t>
             </a:r>
             <a:r>
-              <a:rPr kumimoji="1" lang="ja-JP" altLang="en-US" smtClean="0"/>
+              <a:rPr lang="ja-JP" altLang="en-US" smtClean="0"/>
               <a:t>レベル</a:t>
             </a:r>
           </a:p>
           <a:p>
             <a:pPr lvl="3"/>
             <a:r>
-              <a:rPr kumimoji="1" lang="ja-JP" altLang="en-US" smtClean="0"/>
+              <a:rPr lang="ja-JP" altLang="en-US" smtClean="0"/>
               <a:t>第 </a:t>
             </a:r>
             <a:r>
-              <a:rPr kumimoji="1" lang="en-US" altLang="ja-JP" smtClean="0"/>
+              <a:rPr lang="en-US" altLang="ja-JP" smtClean="0"/>
               <a:t>4 </a:t>
             </a:r>
             <a:r>
-              <a:rPr kumimoji="1" lang="ja-JP" altLang="en-US" smtClean="0"/>
+              <a:rPr lang="ja-JP" altLang="en-US" smtClean="0"/>
               <a:t>レベル</a:t>
             </a:r>
           </a:p>
           <a:p>
             <a:pPr lvl="4"/>
             <a:r>
-              <a:rPr kumimoji="1" lang="ja-JP" altLang="en-US" smtClean="0"/>
+              <a:rPr lang="ja-JP" altLang="en-US" smtClean="0"/>
               <a:t>第 </a:t>
             </a:r>
             <a:r>
-              <a:rPr kumimoji="1" lang="en-US" altLang="ja-JP" smtClean="0"/>
+              <a:rPr lang="en-US" altLang="ja-JP" smtClean="0"/>
               <a:t>5 </a:t>
             </a:r>
             <a:r>
-              <a:rPr kumimoji="1" lang="ja-JP" altLang="en-US" smtClean="0"/>
+              <a:rPr lang="ja-JP" altLang="en-US" smtClean="0"/>
               <a:t>レベル</a:t>
             </a:r>
-            <a:endParaRPr kumimoji="1" lang="ja-JP" altLang="en-US"/>
-          </a:p>
-        </p:txBody>
-      </p:sp>
-      <p:sp>
-        <p:nvSpPr>
-          <p:cNvPr id="5" name="テキスト プレースホルダー 4"/>
+            <a:endParaRPr lang="en-US" dirty="0"/>
+          </a:p>
+        </p:txBody>
+      </p:sp>
+      <p:sp>
+        <p:nvSpPr>
+          <p:cNvPr id="5" name="Text Placeholder 4"/>
           <p:cNvSpPr>
             <a:spLocks noGrp="1"/>
           </p:cNvSpPr>
@@ -1682,16 +4403,25 @@
         </p:nvSpPr>
         <p:spPr>
           <a:xfrm>
-            <a:off x="6172200" y="1681163"/>
-            <a:ext cx="5183188" cy="823912"/>
+            <a:off x="5654495" y="1905000"/>
+            <a:ext cx="4396339" cy="576262"/>
           </a:xfrm>
         </p:spPr>
         <p:txBody>
-          <a:bodyPr anchor="b"/>
+          <a:bodyPr anchor="b">
+            <a:noAutofit/>
+          </a:bodyPr>
           <a:lstStyle>
             <a:lvl1pPr marL="0" indent="0">
               <a:buNone/>
-              <a:defRPr sz="2400" b="1"/>
+              <a:defRPr sz="2400" b="0">
+                <a:solidFill>
+                  <a:schemeClr val="bg2">
+                    <a:lumMod val="40000"/>
+                    <a:lumOff val="60000"/>
+                  </a:schemeClr>
+                </a:solidFill>
+              </a:defRPr>
             </a:lvl1pPr>
             <a:lvl2pPr marL="457200" indent="0">
               <a:buNone/>
@@ -1729,7 +4459,7 @@
           <a:p>
             <a:pPr lvl="0"/>
             <a:r>
-              <a:rPr kumimoji="1" lang="ja-JP" altLang="en-US" smtClean="0"/>
+              <a:rPr lang="ja-JP" altLang="en-US" smtClean="0"/>
               <a:t>マスター テキストの書式設定</a:t>
             </a:r>
           </a:p>
@@ -1737,7 +4467,7 @@
       </p:sp>
       <p:sp>
         <p:nvSpPr>
-          <p:cNvPr id="6" name="コンテンツ プレースホルダー 5"/>
+          <p:cNvPr id="6" name="Content Placeholder 5"/>
           <p:cNvSpPr>
             <a:spLocks noGrp="1"/>
           </p:cNvSpPr>
@@ -1747,91 +4477,144 @@
         </p:nvSpPr>
         <p:spPr>
           <a:xfrm>
-            <a:off x="6172200" y="2505075"/>
-            <a:ext cx="5183188" cy="3684588"/>
+            <a:off x="5654495" y="2514600"/>
+            <a:ext cx="4396339" cy="3741738"/>
           </a:xfrm>
         </p:spPr>
         <p:txBody>
+          <a:bodyPr>
+            <a:normAutofit/>
+          </a:bodyPr>
+          <a:lstStyle>
+            <a:lvl1pPr>
+              <a:defRPr sz="1800"/>
+            </a:lvl1pPr>
+            <a:lvl2pPr>
+              <a:defRPr sz="1600"/>
+            </a:lvl2pPr>
+            <a:lvl3pPr>
+              <a:defRPr sz="1400"/>
+            </a:lvl3pPr>
+            <a:lvl4pPr>
+              <a:defRPr sz="1200"/>
+            </a:lvl4pPr>
+            <a:lvl5pPr>
+              <a:defRPr sz="1200"/>
+            </a:lvl5pPr>
+            <a:lvl6pPr>
+              <a:defRPr sz="1200"/>
+            </a:lvl6pPr>
+            <a:lvl7pPr>
+              <a:defRPr sz="1200"/>
+            </a:lvl7pPr>
+            <a:lvl8pPr>
+              <a:defRPr sz="1200"/>
+            </a:lvl8pPr>
+            <a:lvl9pPr>
+              <a:defRPr sz="1200"/>
+            </a:lvl9pPr>
+          </a:lstStyle>
+          <a:p>
+            <a:pPr lvl="0"/>
+            <a:r>
+              <a:rPr lang="ja-JP" altLang="en-US" smtClean="0"/>
+              <a:t>マスター テキストの書式設定</a:t>
+            </a:r>
+          </a:p>
+          <a:p>
+            <a:pPr lvl="1"/>
+            <a:r>
+              <a:rPr lang="ja-JP" altLang="en-US" smtClean="0"/>
+              <a:t>第 </a:t>
+            </a:r>
+            <a:r>
+              <a:rPr lang="en-US" altLang="ja-JP" smtClean="0"/>
+              <a:t>2 </a:t>
+            </a:r>
+            <a:r>
+              <a:rPr lang="ja-JP" altLang="en-US" smtClean="0"/>
+              <a:t>レベル</a:t>
+            </a:r>
+          </a:p>
+          <a:p>
+            <a:pPr lvl="2"/>
+            <a:r>
+              <a:rPr lang="ja-JP" altLang="en-US" smtClean="0"/>
+              <a:t>第 </a:t>
+            </a:r>
+            <a:r>
+              <a:rPr lang="en-US" altLang="ja-JP" smtClean="0"/>
+              <a:t>3 </a:t>
+            </a:r>
+            <a:r>
+              <a:rPr lang="ja-JP" altLang="en-US" smtClean="0"/>
+              <a:t>レベル</a:t>
+            </a:r>
+          </a:p>
+          <a:p>
+            <a:pPr lvl="3"/>
+            <a:r>
+              <a:rPr lang="ja-JP" altLang="en-US" smtClean="0"/>
+              <a:t>第 </a:t>
+            </a:r>
+            <a:r>
+              <a:rPr lang="en-US" altLang="ja-JP" smtClean="0"/>
+              <a:t>4 </a:t>
+            </a:r>
+            <a:r>
+              <a:rPr lang="ja-JP" altLang="en-US" smtClean="0"/>
+              <a:t>レベル</a:t>
+            </a:r>
+          </a:p>
+          <a:p>
+            <a:pPr lvl="4"/>
+            <a:r>
+              <a:rPr lang="ja-JP" altLang="en-US" smtClean="0"/>
+              <a:t>第 </a:t>
+            </a:r>
+            <a:r>
+              <a:rPr lang="en-US" altLang="ja-JP" smtClean="0"/>
+              <a:t>5 </a:t>
+            </a:r>
+            <a:r>
+              <a:rPr lang="ja-JP" altLang="en-US" smtClean="0"/>
+              <a:t>レベル</a:t>
+            </a:r>
+            <a:endParaRPr lang="en-US" dirty="0"/>
+          </a:p>
+        </p:txBody>
+      </p:sp>
+      <p:sp>
+        <p:nvSpPr>
+          <p:cNvPr id="7" name="Date Placeholder 6"/>
+          <p:cNvSpPr>
+            <a:spLocks noGrp="1"/>
+          </p:cNvSpPr>
+          <p:nvPr>
+            <p:ph type="dt" sz="half" idx="10"/>
+          </p:nvPr>
+        </p:nvSpPr>
+        <p:spPr/>
+        <p:txBody>
           <a:bodyPr/>
           <a:lstStyle/>
           <a:p>
-            <a:pPr lvl="0"/>
-            <a:r>
+            <a:fld id="{1A235D97-DFB1-401C-BDEE-EDF1579BAA11}" type="datetimeFigureOut">
               <a:rPr kumimoji="1" lang="ja-JP" altLang="en-US" smtClean="0"/>
-              <a:t>マスター テキストの書式設定</a:t>
-            </a:r>
-          </a:p>
-          <a:p>
-            <a:pPr lvl="1"/>
-            <a:r>
-              <a:rPr kumimoji="1" lang="ja-JP" altLang="en-US" smtClean="0"/>
-              <a:t>第 </a:t>
-            </a:r>
-            <a:r>
-              <a:rPr kumimoji="1" lang="en-US" altLang="ja-JP" smtClean="0"/>
-              <a:t>2 </a:t>
-            </a:r>
-            <a:r>
-              <a:rPr kumimoji="1" lang="ja-JP" altLang="en-US" smtClean="0"/>
-              <a:t>レベル</a:t>
-            </a:r>
-          </a:p>
-          <a:p>
-            <a:pPr lvl="2"/>
-            <a:r>
-              <a:rPr kumimoji="1" lang="ja-JP" altLang="en-US" smtClean="0"/>
-              <a:t>第 </a:t>
-            </a:r>
-            <a:r>
-              <a:rPr kumimoji="1" lang="en-US" altLang="ja-JP" smtClean="0"/>
-              <a:t>3 </a:t>
-            </a:r>
-            <a:r>
-              <a:rPr kumimoji="1" lang="ja-JP" altLang="en-US" smtClean="0"/>
-              <a:t>レベル</a:t>
-            </a:r>
-          </a:p>
-          <a:p>
-            <a:pPr lvl="3"/>
-            <a:r>
-              <a:rPr kumimoji="1" lang="ja-JP" altLang="en-US" smtClean="0"/>
-              <a:t>第 </a:t>
-            </a:r>
-            <a:r>
-              <a:rPr kumimoji="1" lang="en-US" altLang="ja-JP" smtClean="0"/>
-              <a:t>4 </a:t>
-            </a:r>
-            <a:r>
-              <a:rPr kumimoji="1" lang="ja-JP" altLang="en-US" smtClean="0"/>
-              <a:t>レベル</a:t>
-            </a:r>
-          </a:p>
-          <a:p>
-            <a:pPr lvl="4"/>
-            <a:r>
-              <a:rPr kumimoji="1" lang="ja-JP" altLang="en-US" smtClean="0"/>
-              <a:t>第 </a:t>
-            </a:r>
-            <a:r>
-              <a:rPr kumimoji="1" lang="en-US" altLang="ja-JP" smtClean="0"/>
-              <a:t>5 </a:t>
-            </a:r>
-            <a:r>
-              <a:rPr kumimoji="1" lang="ja-JP" altLang="en-US" smtClean="0"/>
-              <a:t>レベル</a:t>
-            </a:r>
+              <a:t>2020/8/29</a:t>
+            </a:fld>
             <a:endParaRPr kumimoji="1" lang="ja-JP" altLang="en-US"/>
           </a:p>
         </p:txBody>
       </p:sp>
       <p:sp>
         <p:nvSpPr>
-          <p:cNvPr id="7" name="日付プレースホルダー 6"/>
-          <p:cNvSpPr>
-            <a:spLocks noGrp="1"/>
-          </p:cNvSpPr>
-          <p:nvPr>
-            <p:ph type="dt" sz="half" idx="10"/>
+          <p:cNvPr id="8" name="Footer Placeholder 7"/>
+          <p:cNvSpPr>
+            <a:spLocks noGrp="1"/>
+          </p:cNvSpPr>
+          <p:nvPr>
+            <p:ph type="ftr" sz="quarter" idx="11"/>
           </p:nvPr>
         </p:nvSpPr>
         <p:spPr/>
@@ -1839,36 +4622,13 @@
           <a:bodyPr/>
           <a:lstStyle/>
           <a:p>
-            <a:fld id="{1A235D97-DFB1-401C-BDEE-EDF1579BAA11}" type="datetimeFigureOut">
-              <a:rPr kumimoji="1" lang="ja-JP" altLang="en-US" smtClean="0"/>
-              <a:t>2020/8/14</a:t>
-            </a:fld>
             <a:endParaRPr kumimoji="1" lang="ja-JP" altLang="en-US"/>
           </a:p>
         </p:txBody>
       </p:sp>
       <p:sp>
         <p:nvSpPr>
-          <p:cNvPr id="8" name="フッター プレースホルダー 7"/>
-          <p:cNvSpPr>
-            <a:spLocks noGrp="1"/>
-          </p:cNvSpPr>
-          <p:nvPr>
-            <p:ph type="ftr" sz="quarter" idx="11"/>
-          </p:nvPr>
-        </p:nvSpPr>
-        <p:spPr/>
-        <p:txBody>
-          <a:bodyPr/>
-          <a:lstStyle/>
-          <a:p>
-            <a:endParaRPr kumimoji="1" lang="ja-JP" altLang="en-US"/>
-          </a:p>
-        </p:txBody>
-      </p:sp>
-      <p:sp>
-        <p:nvSpPr>
-          <p:cNvPr id="9" name="スライド番号プレースホルダー 8"/>
+          <p:cNvPr id="9" name="Slide Number Placeholder 8"/>
           <p:cNvSpPr>
             <a:spLocks noGrp="1"/>
           </p:cNvSpPr>
@@ -1892,7 +4652,7 @@
     </p:spTree>
     <p:extLst>
       <p:ext uri="{BB962C8B-B14F-4D97-AF65-F5344CB8AC3E}">
-        <p14:creationId xmlns:p14="http://schemas.microsoft.com/office/powerpoint/2010/main" val="1057911119"/>
+        <p14:creationId xmlns:p14="http://schemas.microsoft.com/office/powerpoint/2010/main" val="2004690165"/>
       </p:ext>
     </p:extLst>
   </p:cSld>
@@ -1921,7 +4681,7 @@
       </p:grpSpPr>
       <p:sp>
         <p:nvSpPr>
-          <p:cNvPr id="2" name="タイトル 1"/>
+          <p:cNvPr id="2" name="Title 1"/>
           <p:cNvSpPr>
             <a:spLocks noGrp="1"/>
           </p:cNvSpPr>
@@ -1935,16 +4695,16 @@
           <a:lstStyle/>
           <a:p>
             <a:r>
-              <a:rPr kumimoji="1" lang="ja-JP" altLang="en-US" smtClean="0"/>
+              <a:rPr lang="ja-JP" altLang="en-US" smtClean="0"/>
               <a:t>マスター タイトルの書式設定</a:t>
             </a:r>
-            <a:endParaRPr kumimoji="1" lang="ja-JP" altLang="en-US"/>
-          </a:p>
-        </p:txBody>
-      </p:sp>
-      <p:sp>
-        <p:nvSpPr>
-          <p:cNvPr id="3" name="日付プレースホルダー 2"/>
+            <a:endParaRPr lang="en-US" dirty="0"/>
+          </a:p>
+        </p:txBody>
+      </p:sp>
+      <p:sp>
+        <p:nvSpPr>
+          <p:cNvPr id="7" name="Date Placeholder 2"/>
           <p:cNvSpPr>
             <a:spLocks noGrp="1"/>
           </p:cNvSpPr>
@@ -1959,7 +4719,7 @@
           <a:p>
             <a:fld id="{1A235D97-DFB1-401C-BDEE-EDF1579BAA11}" type="datetimeFigureOut">
               <a:rPr kumimoji="1" lang="ja-JP" altLang="en-US" smtClean="0"/>
-              <a:t>2020/8/14</a:t>
+              <a:t>2020/8/29</a:t>
             </a:fld>
             <a:endParaRPr kumimoji="1" lang="ja-JP" altLang="en-US"/>
           </a:p>
@@ -1967,7 +4727,7 @@
       </p:sp>
       <p:sp>
         <p:nvSpPr>
-          <p:cNvPr id="4" name="フッター プレースホルダー 3"/>
+          <p:cNvPr id="5" name="Footer Placeholder 3"/>
           <p:cNvSpPr>
             <a:spLocks noGrp="1"/>
           </p:cNvSpPr>
@@ -1986,7 +4746,7 @@
       </p:sp>
       <p:sp>
         <p:nvSpPr>
-          <p:cNvPr id="5" name="スライド番号プレースホルダー 4"/>
+          <p:cNvPr id="6" name="Slide Number Placeholder 4"/>
           <p:cNvSpPr>
             <a:spLocks noGrp="1"/>
           </p:cNvSpPr>
@@ -2010,7 +4770,7 @@
     </p:spTree>
     <p:extLst>
       <p:ext uri="{BB962C8B-B14F-4D97-AF65-F5344CB8AC3E}">
-        <p14:creationId xmlns:p14="http://schemas.microsoft.com/office/powerpoint/2010/main" val="1395681636"/>
+        <p14:creationId xmlns:p14="http://schemas.microsoft.com/office/powerpoint/2010/main" val="3162603900"/>
       </p:ext>
     </p:extLst>
   </p:cSld>
@@ -2039,7 +4799,7 @@
       </p:grpSpPr>
       <p:sp>
         <p:nvSpPr>
-          <p:cNvPr id="2" name="日付プレースホルダー 1"/>
+          <p:cNvPr id="7" name="Date Placeholder 1"/>
           <p:cNvSpPr>
             <a:spLocks noGrp="1"/>
           </p:cNvSpPr>
@@ -2054,7 +4814,7 @@
           <a:p>
             <a:fld id="{1A235D97-DFB1-401C-BDEE-EDF1579BAA11}" type="datetimeFigureOut">
               <a:rPr kumimoji="1" lang="ja-JP" altLang="en-US" smtClean="0"/>
-              <a:t>2020/8/14</a:t>
+              <a:t>2020/8/29</a:t>
             </a:fld>
             <a:endParaRPr kumimoji="1" lang="ja-JP" altLang="en-US"/>
           </a:p>
@@ -2062,7 +4822,7 @@
       </p:sp>
       <p:sp>
         <p:nvSpPr>
-          <p:cNvPr id="3" name="フッター プレースホルダー 2"/>
+          <p:cNvPr id="5" name="Footer Placeholder 2"/>
           <p:cNvSpPr>
             <a:spLocks noGrp="1"/>
           </p:cNvSpPr>
@@ -2081,7 +4841,7 @@
       </p:sp>
       <p:sp>
         <p:nvSpPr>
-          <p:cNvPr id="4" name="スライド番号プレースホルダー 3"/>
+          <p:cNvPr id="6" name="Slide Number Placeholder 3"/>
           <p:cNvSpPr>
             <a:spLocks noGrp="1"/>
           </p:cNvSpPr>
@@ -2105,7 +4865,7 @@
     </p:spTree>
     <p:extLst>
       <p:ext uri="{BB962C8B-B14F-4D97-AF65-F5344CB8AC3E}">
-        <p14:creationId xmlns:p14="http://schemas.microsoft.com/office/powerpoint/2010/main" val="87914341"/>
+        <p14:creationId xmlns:p14="http://schemas.microsoft.com/office/powerpoint/2010/main" val="989387535"/>
       </p:ext>
     </p:extLst>
   </p:cSld>
@@ -2134,7 +4894,7 @@
       </p:grpSpPr>
       <p:sp>
         <p:nvSpPr>
-          <p:cNvPr id="2" name="タイトル 1"/>
+          <p:cNvPr id="2" name="Title 1"/>
           <p:cNvSpPr>
             <a:spLocks noGrp="1"/>
           </p:cNvSpPr>
@@ -2144,29 +4904,29 @@
         </p:nvSpPr>
         <p:spPr>
           <a:xfrm>
-            <a:off x="839788" y="457200"/>
-            <a:ext cx="3932237" cy="1600200"/>
+            <a:off x="1154953" y="1447800"/>
+            <a:ext cx="3401064" cy="1447800"/>
           </a:xfrm>
         </p:spPr>
         <p:txBody>
           <a:bodyPr anchor="b"/>
           <a:lstStyle>
-            <a:lvl1pPr>
-              <a:defRPr sz="3200"/>
+            <a:lvl1pPr algn="l">
+              <a:defRPr sz="2400" b="0"/>
             </a:lvl1pPr>
           </a:lstStyle>
           <a:p>
             <a:r>
-              <a:rPr kumimoji="1" lang="ja-JP" altLang="en-US" smtClean="0"/>
+              <a:rPr lang="ja-JP" altLang="en-US" smtClean="0"/>
               <a:t>マスター タイトルの書式設定</a:t>
             </a:r>
-            <a:endParaRPr kumimoji="1" lang="ja-JP" altLang="en-US"/>
-          </a:p>
-        </p:txBody>
-      </p:sp>
-      <p:sp>
-        <p:nvSpPr>
-          <p:cNvPr id="3" name="コンテンツ プレースホルダー 2"/>
+            <a:endParaRPr lang="en-US" dirty="0"/>
+          </a:p>
+        </p:txBody>
+      </p:sp>
+      <p:sp>
+        <p:nvSpPr>
+          <p:cNvPr id="3" name="Content Placeholder 2"/>
           <p:cNvSpPr>
             <a:spLocks noGrp="1"/>
           </p:cNvSpPr>
@@ -2176,114 +4936,116 @@
         </p:nvSpPr>
         <p:spPr>
           <a:xfrm>
-            <a:off x="5183188" y="987425"/>
-            <a:ext cx="6172200" cy="4873625"/>
+            <a:off x="4784616" y="1447800"/>
+            <a:ext cx="5195997" cy="4572000"/>
           </a:xfrm>
         </p:spPr>
         <p:txBody>
-          <a:bodyPr/>
+          <a:bodyPr anchor="ctr">
+            <a:normAutofit/>
+          </a:bodyPr>
           <a:lstStyle>
             <a:lvl1pPr>
-              <a:defRPr sz="3200"/>
+              <a:defRPr sz="2000"/>
             </a:lvl1pPr>
             <a:lvl2pPr>
-              <a:defRPr sz="2800"/>
+              <a:defRPr sz="1800"/>
             </a:lvl2pPr>
             <a:lvl3pPr>
-              <a:defRPr sz="2400"/>
+              <a:defRPr sz="1600"/>
             </a:lvl3pPr>
             <a:lvl4pPr>
-              <a:defRPr sz="2000"/>
+              <a:defRPr sz="1400"/>
             </a:lvl4pPr>
             <a:lvl5pPr>
-              <a:defRPr sz="2000"/>
+              <a:defRPr sz="1400"/>
             </a:lvl5pPr>
             <a:lvl6pPr>
-              <a:defRPr sz="2000"/>
+              <a:defRPr sz="1400"/>
             </a:lvl6pPr>
             <a:lvl7pPr>
-              <a:defRPr sz="2000"/>
+              <a:defRPr sz="1400"/>
             </a:lvl7pPr>
             <a:lvl8pPr>
-              <a:defRPr sz="2000"/>
+              <a:defRPr sz="1400"/>
             </a:lvl8pPr>
             <a:lvl9pPr>
-              <a:defRPr sz="2000"/>
+              <a:defRPr sz="1400"/>
             </a:lvl9pPr>
           </a:lstStyle>
           <a:p>
             <a:pPr lvl="0"/>
             <a:r>
-              <a:rPr kumimoji="1" lang="ja-JP" altLang="en-US" smtClean="0"/>
+              <a:rPr lang="ja-JP" altLang="en-US" smtClean="0"/>
               <a:t>マスター テキストの書式設定</a:t>
             </a:r>
           </a:p>
           <a:p>
             <a:pPr lvl="1"/>
             <a:r>
-              <a:rPr kumimoji="1" lang="ja-JP" altLang="en-US" smtClean="0"/>
+              <a:rPr lang="ja-JP" altLang="en-US" smtClean="0"/>
               <a:t>第 </a:t>
             </a:r>
             <a:r>
-              <a:rPr kumimoji="1" lang="en-US" altLang="ja-JP" smtClean="0"/>
+              <a:rPr lang="en-US" altLang="ja-JP" smtClean="0"/>
               <a:t>2 </a:t>
             </a:r>
             <a:r>
-              <a:rPr kumimoji="1" lang="ja-JP" altLang="en-US" smtClean="0"/>
+              <a:rPr lang="ja-JP" altLang="en-US" smtClean="0"/>
               <a:t>レベル</a:t>
             </a:r>
           </a:p>
           <a:p>
             <a:pPr lvl="2"/>
             <a:r>
-              <a:rPr kumimoji="1" lang="ja-JP" altLang="en-US" smtClean="0"/>
+              <a:rPr lang="ja-JP" altLang="en-US" smtClean="0"/>
               <a:t>第 </a:t>
             </a:r>
             <a:r>
-              <a:rPr kumimoji="1" lang="en-US" altLang="ja-JP" smtClean="0"/>
+              <a:rPr lang="en-US" altLang="ja-JP" smtClean="0"/>
               <a:t>3 </a:t>
             </a:r>
             <a:r>
-              <a:rPr kumimoji="1" lang="ja-JP" altLang="en-US" smtClean="0"/>
+              <a:rPr lang="ja-JP" altLang="en-US" smtClean="0"/>
               <a:t>レベル</a:t>
             </a:r>
           </a:p>
           <a:p>
             <a:pPr lvl="3"/>
             <a:r>
-              <a:rPr kumimoji="1" lang="ja-JP" altLang="en-US" smtClean="0"/>
+              <a:rPr lang="ja-JP" altLang="en-US" smtClean="0"/>
               <a:t>第 </a:t>
             </a:r>
             <a:r>
-              <a:rPr kumimoji="1" lang="en-US" altLang="ja-JP" smtClean="0"/>
+              <a:rPr lang="en-US" altLang="ja-JP" smtClean="0"/>
               <a:t>4 </a:t>
             </a:r>
             <a:r>
-              <a:rPr kumimoji="1" lang="ja-JP" altLang="en-US" smtClean="0"/>
+              <a:rPr lang="ja-JP" altLang="en-US" smtClean="0"/>
               <a:t>レベル</a:t>
             </a:r>
           </a:p>
           <a:p>
             <a:pPr lvl="4"/>
             <a:r>
-              <a:rPr kumimoji="1" lang="ja-JP" altLang="en-US" smtClean="0"/>
+              <a:rPr lang="ja-JP" altLang="en-US" smtClean="0"/>
               <a:t>第 </a:t>
             </a:r>
             <a:r>
-              <a:rPr kumimoji="1" lang="en-US" altLang="ja-JP" smtClean="0"/>
+              <a:rPr lang="en-US" altLang="ja-JP" smtClean="0"/>
               <a:t>5 </a:t>
             </a:r>
             <a:r>
-              <a:rPr kumimoji="1" lang="ja-JP" altLang="en-US" smtClean="0"/>
+              <a:rPr lang="ja-JP" altLang="en-US" smtClean="0"/>
               <a:t>レベル</a:t>
             </a:r>
-            <a:endParaRPr kumimoji="1" lang="ja-JP" altLang="en-US"/>
-          </a:p>
-        </p:txBody>
-      </p:sp>
-      <p:sp>
-        <p:nvSpPr>
-          <p:cNvPr id="4" name="テキスト プレースホルダー 3"/>
+            <a:endParaRPr lang="en-US" dirty="0"/>
+          </a:p>
+        </p:txBody>
+      </p:sp>
+      <p:sp>
+        <p:nvSpPr>
+          <p:cNvPr id="4" name="Text Placeholder 3"/>
           <p:cNvSpPr>
             <a:spLocks noGrp="1"/>
           </p:cNvSpPr>
@@ -2293,8 +5055,8 @@
         </p:nvSpPr>
         <p:spPr>
           <a:xfrm>
-            <a:off x="839788" y="2057400"/>
-            <a:ext cx="3932237" cy="3811588"/>
+            <a:off x="1154953" y="3129280"/>
+            <a:ext cx="3401063" cy="2895599"/>
           </a:xfrm>
         </p:spPr>
         <p:txBody>
@@ -2302,45 +5064,45 @@
           <a:lstStyle>
             <a:lvl1pPr marL="0" indent="0">
               <a:buNone/>
-              <a:defRPr sz="1600"/>
+              <a:defRPr sz="1400"/>
             </a:lvl1pPr>
             <a:lvl2pPr marL="457200" indent="0">
               <a:buNone/>
-              <a:defRPr sz="1400"/>
+              <a:defRPr sz="1200"/>
             </a:lvl2pPr>
             <a:lvl3pPr marL="914400" indent="0">
               <a:buNone/>
-              <a:defRPr sz="1200"/>
+              <a:defRPr sz="1000"/>
             </a:lvl3pPr>
             <a:lvl4pPr marL="1371600" indent="0">
               <a:buNone/>
-              <a:defRPr sz="1000"/>
+              <a:defRPr sz="900"/>
             </a:lvl4pPr>
             <a:lvl5pPr marL="1828800" indent="0">
               <a:buNone/>
-              <a:defRPr sz="1000"/>
+              <a:defRPr sz="900"/>
             </a:lvl5pPr>
             <a:lvl6pPr marL="2286000" indent="0">
               <a:buNone/>
-              <a:defRPr sz="1000"/>
+              <a:defRPr sz="900"/>
             </a:lvl6pPr>
             <a:lvl7pPr marL="2743200" indent="0">
               <a:buNone/>
-              <a:defRPr sz="1000"/>
+              <a:defRPr sz="900"/>
             </a:lvl7pPr>
             <a:lvl8pPr marL="3200400" indent="0">
               <a:buNone/>
-              <a:defRPr sz="1000"/>
+              <a:defRPr sz="900"/>
             </a:lvl8pPr>
             <a:lvl9pPr marL="3657600" indent="0">
               <a:buNone/>
-              <a:defRPr sz="1000"/>
+              <a:defRPr sz="900"/>
             </a:lvl9pPr>
           </a:lstStyle>
           <a:p>
             <a:pPr lvl="0"/>
             <a:r>
-              <a:rPr kumimoji="1" lang="ja-JP" altLang="en-US" smtClean="0"/>
+              <a:rPr lang="ja-JP" altLang="en-US" smtClean="0"/>
               <a:t>マスター テキストの書式設定</a:t>
             </a:r>
           </a:p>
@@ -2348,7 +5110,7 @@
       </p:sp>
       <p:sp>
         <p:nvSpPr>
-          <p:cNvPr id="5" name="日付プレースホルダー 4"/>
+          <p:cNvPr id="7" name="Date Placeholder 4"/>
           <p:cNvSpPr>
             <a:spLocks noGrp="1"/>
           </p:cNvSpPr>
@@ -2363,7 +5125,7 @@
           <a:p>
             <a:fld id="{1A235D97-DFB1-401C-BDEE-EDF1579BAA11}" type="datetimeFigureOut">
               <a:rPr kumimoji="1" lang="ja-JP" altLang="en-US" smtClean="0"/>
-              <a:t>2020/8/14</a:t>
+              <a:t>2020/8/29</a:t>
             </a:fld>
             <a:endParaRPr kumimoji="1" lang="ja-JP" altLang="en-US"/>
           </a:p>
@@ -2371,7 +5133,7 @@
       </p:sp>
       <p:sp>
         <p:nvSpPr>
-          <p:cNvPr id="6" name="フッター プレースホルダー 5"/>
+          <p:cNvPr id="5" name="Footer Placeholder 5"/>
           <p:cNvSpPr>
             <a:spLocks noGrp="1"/>
           </p:cNvSpPr>
@@ -2390,7 +5152,7 @@
       </p:sp>
       <p:sp>
         <p:nvSpPr>
-          <p:cNvPr id="7" name="スライド番号プレースホルダー 6"/>
+          <p:cNvPr id="6" name="Slide Number Placeholder 6"/>
           <p:cNvSpPr>
             <a:spLocks noGrp="1"/>
           </p:cNvSpPr>
@@ -2414,7 +5176,7 @@
     </p:spTree>
     <p:extLst>
       <p:ext uri="{BB962C8B-B14F-4D97-AF65-F5344CB8AC3E}">
-        <p14:creationId xmlns:p14="http://schemas.microsoft.com/office/powerpoint/2010/main" val="1074385053"/>
+        <p14:creationId xmlns:p14="http://schemas.microsoft.com/office/powerpoint/2010/main" val="3346369909"/>
       </p:ext>
     </p:extLst>
   </p:cSld>
@@ -2443,7 +5205,7 @@
       </p:grpSpPr>
       <p:sp>
         <p:nvSpPr>
-          <p:cNvPr id="2" name="タイトル 1"/>
+          <p:cNvPr id="2" name="Title 1"/>
           <p:cNvSpPr>
             <a:spLocks noGrp="1"/>
           </p:cNvSpPr>
@@ -2453,31 +5215,33 @@
         </p:nvSpPr>
         <p:spPr>
           <a:xfrm>
-            <a:off x="839788" y="457200"/>
-            <a:ext cx="3932237" cy="1600200"/>
+            <a:off x="1153907" y="1854192"/>
+            <a:ext cx="5092906" cy="1574808"/>
           </a:xfrm>
         </p:spPr>
         <p:txBody>
-          <a:bodyPr anchor="b"/>
+          <a:bodyPr anchor="b">
+            <a:normAutofit/>
+          </a:bodyPr>
           <a:lstStyle>
-            <a:lvl1pPr>
-              <a:defRPr sz="3200"/>
+            <a:lvl1pPr algn="l">
+              <a:defRPr sz="3600" b="0"/>
             </a:lvl1pPr>
           </a:lstStyle>
           <a:p>
             <a:r>
-              <a:rPr kumimoji="1" lang="ja-JP" altLang="en-US" smtClean="0"/>
+              <a:rPr lang="ja-JP" altLang="en-US" smtClean="0"/>
               <a:t>マスター タイトルの書式設定</a:t>
             </a:r>
-            <a:endParaRPr kumimoji="1" lang="ja-JP" altLang="en-US"/>
-          </a:p>
-        </p:txBody>
-      </p:sp>
-      <p:sp>
-        <p:nvSpPr>
-          <p:cNvPr id="3" name="図プレースホルダー 2"/>
-          <p:cNvSpPr>
-            <a:spLocks noGrp="1"/>
+            <a:endParaRPr lang="en-US" dirty="0"/>
+          </a:p>
+        </p:txBody>
+      </p:sp>
+      <p:sp>
+        <p:nvSpPr>
+          <p:cNvPr id="3" name="Picture Placeholder 2"/>
+          <p:cNvSpPr>
+            <a:spLocks noGrp="1" noChangeAspect="1"/>
           </p:cNvSpPr>
           <p:nvPr>
             <p:ph type="pic" idx="1"/>
@@ -2485,115 +5249,135 @@
         </p:nvSpPr>
         <p:spPr>
           <a:xfrm>
-            <a:off x="5183188" y="987425"/>
-            <a:ext cx="6172200" cy="4873625"/>
+            <a:off x="6949546" y="1143000"/>
+            <a:ext cx="3200400" cy="4572000"/>
           </a:xfrm>
+          <a:prstGeom prst="roundRect">
+            <a:avLst>
+              <a:gd name="adj" fmla="val 1858"/>
+            </a:avLst>
+          </a:prstGeom>
+          <a:effectLst>
+            <a:outerShdw blurRad="50800" dist="50800" dir="5400000" algn="tl" rotWithShape="0">
+              <a:srgbClr val="000000">
+                <a:alpha val="43000"/>
+              </a:srgbClr>
+            </a:outerShdw>
+          </a:effectLst>
         </p:spPr>
         <p:txBody>
-          <a:bodyPr/>
+          <a:bodyPr anchor="t">
+            <a:normAutofit/>
+          </a:bodyPr>
           <a:lstStyle>
-            <a:lvl1pPr marL="0" indent="0">
-              <a:buNone/>
-              <a:defRPr sz="3200"/>
-            </a:lvl1pPr>
-            <a:lvl2pPr marL="457200" indent="0">
-              <a:buNone/>
-              <a:defRPr sz="2800"/>
-            </a:lvl2pPr>
-            <a:lvl3pPr marL="914400" indent="0">
-              <a:buNone/>
-              <a:defRPr sz="2400"/>
-            </a:lvl3pPr>
-            <a:lvl4pPr marL="1371600" indent="0">
-              <a:buNone/>
-              <a:defRPr sz="2000"/>
-            </a:lvl4pPr>
-            <a:lvl5pPr marL="1828800" indent="0">
-              <a:buNone/>
-              <a:defRPr sz="2000"/>
-            </a:lvl5pPr>
-            <a:lvl6pPr marL="2286000" indent="0">
-              <a:buNone/>
-              <a:defRPr sz="2000"/>
-            </a:lvl6pPr>
-            <a:lvl7pPr marL="2743200" indent="0">
-              <a:buNone/>
-              <a:defRPr sz="2000"/>
-            </a:lvl7pPr>
-            <a:lvl8pPr marL="3200400" indent="0">
-              <a:buNone/>
-              <a:defRPr sz="2000"/>
-            </a:lvl8pPr>
-            <a:lvl9pPr marL="3657600" indent="0">
-              <a:buNone/>
-              <a:defRPr sz="2000"/>
-            </a:lvl9pPr>
-          </a:lstStyle>
-          <a:p>
-            <a:endParaRPr kumimoji="1" lang="ja-JP" altLang="en-US"/>
-          </a:p>
-        </p:txBody>
-      </p:sp>
-      <p:sp>
-        <p:nvSpPr>
-          <p:cNvPr id="4" name="テキスト プレースホルダー 3"/>
-          <p:cNvSpPr>
-            <a:spLocks noGrp="1"/>
-          </p:cNvSpPr>
-          <p:nvPr>
-            <p:ph type="body" sz="half" idx="2"/>
-          </p:nvPr>
-        </p:nvSpPr>
-        <p:spPr>
-          <a:xfrm>
-            <a:off x="839788" y="2057400"/>
-            <a:ext cx="3932237" cy="3811588"/>
-          </a:xfrm>
-        </p:spPr>
-        <p:txBody>
-          <a:bodyPr/>
-          <a:lstStyle>
-            <a:lvl1pPr marL="0" indent="0">
+            <a:lvl1pPr marL="0" indent="0" algn="ctr">
               <a:buNone/>
               <a:defRPr sz="1600"/>
             </a:lvl1pPr>
             <a:lvl2pPr marL="457200" indent="0">
               <a:buNone/>
-              <a:defRPr sz="1400"/>
+              <a:defRPr sz="1600"/>
             </a:lvl2pPr>
             <a:lvl3pPr marL="914400" indent="0">
               <a:buNone/>
-              <a:defRPr sz="1200"/>
+              <a:defRPr sz="1600"/>
             </a:lvl3pPr>
             <a:lvl4pPr marL="1371600" indent="0">
               <a:buNone/>
-              <a:defRPr sz="1000"/>
+              <a:defRPr sz="1600"/>
             </a:lvl4pPr>
             <a:lvl5pPr marL="1828800" indent="0">
               <a:buNone/>
-              <a:defRPr sz="1000"/>
+              <a:defRPr sz="1600"/>
             </a:lvl5pPr>
             <a:lvl6pPr marL="2286000" indent="0">
               <a:buNone/>
-              <a:defRPr sz="1000"/>
+              <a:defRPr sz="1600"/>
             </a:lvl6pPr>
             <a:lvl7pPr marL="2743200" indent="0">
               <a:buNone/>
-              <a:defRPr sz="1000"/>
+              <a:defRPr sz="1600"/>
             </a:lvl7pPr>
             <a:lvl8pPr marL="3200400" indent="0">
               <a:buNone/>
-              <a:defRPr sz="1000"/>
+              <a:defRPr sz="1600"/>
             </a:lvl8pPr>
             <a:lvl9pPr marL="3657600" indent="0">
               <a:buNone/>
-              <a:defRPr sz="1000"/>
+              <a:defRPr sz="1600"/>
             </a:lvl9pPr>
           </a:lstStyle>
           <a:p>
+            <a:r>
+              <a:rPr lang="ja-JP" altLang="en-US" smtClean="0"/>
+              <a:t>図を追加</a:t>
+            </a:r>
+            <a:endParaRPr lang="en-US" dirty="0"/>
+          </a:p>
+        </p:txBody>
+      </p:sp>
+      <p:sp>
+        <p:nvSpPr>
+          <p:cNvPr id="4" name="Text Placeholder 3"/>
+          <p:cNvSpPr>
+            <a:spLocks noGrp="1"/>
+          </p:cNvSpPr>
+          <p:nvPr>
+            <p:ph type="body" sz="half" idx="2"/>
+          </p:nvPr>
+        </p:nvSpPr>
+        <p:spPr>
+          <a:xfrm>
+            <a:off x="1154954" y="3657600"/>
+            <a:ext cx="5084979" cy="1371600"/>
+          </a:xfrm>
+        </p:spPr>
+        <p:txBody>
+          <a:bodyPr>
+            <a:normAutofit/>
+          </a:bodyPr>
+          <a:lstStyle>
+            <a:lvl1pPr marL="0" indent="0">
+              <a:buNone/>
+              <a:defRPr sz="1400"/>
+            </a:lvl1pPr>
+            <a:lvl2pPr marL="457200" indent="0">
+              <a:buNone/>
+              <a:defRPr sz="1200"/>
+            </a:lvl2pPr>
+            <a:lvl3pPr marL="914400" indent="0">
+              <a:buNone/>
+              <a:defRPr sz="1000"/>
+            </a:lvl3pPr>
+            <a:lvl4pPr marL="1371600" indent="0">
+              <a:buNone/>
+              <a:defRPr sz="900"/>
+            </a:lvl4pPr>
+            <a:lvl5pPr marL="1828800" indent="0">
+              <a:buNone/>
+              <a:defRPr sz="900"/>
+            </a:lvl5pPr>
+            <a:lvl6pPr marL="2286000" indent="0">
+              <a:buNone/>
+              <a:defRPr sz="900"/>
+            </a:lvl6pPr>
+            <a:lvl7pPr marL="2743200" indent="0">
+              <a:buNone/>
+              <a:defRPr sz="900"/>
+            </a:lvl7pPr>
+            <a:lvl8pPr marL="3200400" indent="0">
+              <a:buNone/>
+              <a:defRPr sz="900"/>
+            </a:lvl8pPr>
+            <a:lvl9pPr marL="3657600" indent="0">
+              <a:buNone/>
+              <a:defRPr sz="900"/>
+            </a:lvl9pPr>
+          </a:lstStyle>
+          <a:p>
             <a:pPr lvl="0"/>
             <a:r>
-              <a:rPr kumimoji="1" lang="ja-JP" altLang="en-US" smtClean="0"/>
+              <a:rPr lang="ja-JP" altLang="en-US" smtClean="0"/>
               <a:t>マスター テキストの書式設定</a:t>
             </a:r>
           </a:p>
@@ -2601,7 +5385,7 @@
       </p:sp>
       <p:sp>
         <p:nvSpPr>
-          <p:cNvPr id="5" name="日付プレースホルダー 4"/>
+          <p:cNvPr id="5" name="Date Placeholder 4"/>
           <p:cNvSpPr>
             <a:spLocks noGrp="1"/>
           </p:cNvSpPr>
@@ -2616,7 +5400,7 @@
           <a:p>
             <a:fld id="{1A235D97-DFB1-401C-BDEE-EDF1579BAA11}" type="datetimeFigureOut">
               <a:rPr kumimoji="1" lang="ja-JP" altLang="en-US" smtClean="0"/>
-              <a:t>2020/8/14</a:t>
+              <a:t>2020/8/29</a:t>
             </a:fld>
             <a:endParaRPr kumimoji="1" lang="ja-JP" altLang="en-US"/>
           </a:p>
@@ -2624,7 +5408,7 @@
       </p:sp>
       <p:sp>
         <p:nvSpPr>
-          <p:cNvPr id="6" name="フッター プレースホルダー 5"/>
+          <p:cNvPr id="6" name="Footer Placeholder 5"/>
           <p:cNvSpPr>
             <a:spLocks noGrp="1"/>
           </p:cNvSpPr>
@@ -2643,7 +5427,7 @@
       </p:sp>
       <p:sp>
         <p:nvSpPr>
-          <p:cNvPr id="7" name="スライド番号プレースホルダー 6"/>
+          <p:cNvPr id="7" name="Slide Number Placeholder 6"/>
           <p:cNvSpPr>
             <a:spLocks noGrp="1"/>
           </p:cNvSpPr>
@@ -2667,7 +5451,7 @@
     </p:spTree>
     <p:extLst>
       <p:ext uri="{BB962C8B-B14F-4D97-AF65-F5344CB8AC3E}">
-        <p14:creationId xmlns:p14="http://schemas.microsoft.com/office/powerpoint/2010/main" val="1538283614"/>
+        <p14:creationId xmlns:p14="http://schemas.microsoft.com/office/powerpoint/2010/main" val="3404732204"/>
       </p:ext>
     </p:extLst>
   </p:cSld>
@@ -2681,8 +5465,8 @@
 <p:sldMaster xmlns:a="http://schemas.openxmlformats.org/drawingml/2006/main" xmlns:r="http://schemas.openxmlformats.org/officeDocument/2006/relationships" xmlns:p="http://schemas.openxmlformats.org/presentationml/2006/main">
   <p:cSld>
     <p:bg>
-      <p:bgRef idx="1001">
-        <a:schemeClr val="bg1"/>
+      <p:bgRef idx="1003">
+        <a:schemeClr val="bg2"/>
       </p:bgRef>
     </p:bg>
     <p:spTree>
@@ -2699,157 +5483,452 @@
           <a:chExt cx="0" cy="0"/>
         </a:xfrm>
       </p:grpSpPr>
-      <p:sp>
-        <p:nvSpPr>
-          <p:cNvPr id="2" name="タイトル プレースホルダー 1"/>
-          <p:cNvSpPr>
-            <a:spLocks noGrp="1"/>
-          </p:cNvSpPr>
-          <p:nvPr>
-            <p:ph type="title"/>
-          </p:nvPr>
-        </p:nvSpPr>
+      <p:pic>
+        <p:nvPicPr>
+          <p:cNvPr id="8" name="Picture 7"/>
+          <p:cNvPicPr>
+            <a:picLocks noChangeAspect="1"/>
+          </p:cNvPicPr>
+          <p:nvPr/>
+        </p:nvPicPr>
+        <p:blipFill rotWithShape="1">
+          <a:blip r:embed="rId19">
+            <a:extLst>
+              <a:ext uri="{28A0092B-C50C-407E-A947-70E740481C1C}">
+                <a14:useLocalDpi xmlns:a14="http://schemas.microsoft.com/office/drawing/2010/main" val="0"/>
+              </a:ext>
+            </a:extLst>
+          </a:blip>
+          <a:srcRect l="3613"/>
+          <a:stretch/>
+        </p:blipFill>
         <p:spPr>
           <a:xfrm>
-            <a:off x="838200" y="365125"/>
-            <a:ext cx="10515600" cy="1325563"/>
+            <a:off x="0" y="2669685"/>
+            <a:ext cx="4037012" cy="4188315"/>
           </a:xfrm>
           <a:prstGeom prst="rect">
             <a:avLst/>
           </a:prstGeom>
         </p:spPr>
-        <p:txBody>
-          <a:bodyPr vert="horz" lIns="91440" tIns="45720" rIns="91440" bIns="45720" rtlCol="0" anchor="ctr">
-            <a:normAutofit/>
-          </a:bodyPr>
-          <a:lstStyle/>
-          <a:p>
-            <a:r>
-              <a:rPr kumimoji="1" lang="ja-JP" altLang="en-US" smtClean="0"/>
-              <a:t>マスター タイトルの書式設定</a:t>
-            </a:r>
-            <a:endParaRPr kumimoji="1" lang="ja-JP" altLang="en-US"/>
-          </a:p>
-        </p:txBody>
-      </p:sp>
-      <p:sp>
-        <p:nvSpPr>
-          <p:cNvPr id="3" name="テキスト プレースホルダー 2"/>
-          <p:cNvSpPr>
-            <a:spLocks noGrp="1"/>
-          </p:cNvSpPr>
-          <p:nvPr>
-            <p:ph type="body" idx="1"/>
-          </p:nvPr>
-        </p:nvSpPr>
+      </p:pic>
+      <p:pic>
+        <p:nvPicPr>
+          <p:cNvPr id="7" name="Picture 6"/>
+          <p:cNvPicPr>
+            <a:picLocks noChangeAspect="1"/>
+          </p:cNvPicPr>
+          <p:nvPr/>
+        </p:nvPicPr>
+        <p:blipFill rotWithShape="1">
+          <a:blip r:embed="rId20">
+            <a:extLst>
+              <a:ext uri="{28A0092B-C50C-407E-A947-70E740481C1C}">
+                <a14:useLocalDpi xmlns:a14="http://schemas.microsoft.com/office/drawing/2010/main" val="0"/>
+              </a:ext>
+            </a:extLst>
+          </a:blip>
+          <a:srcRect l="35640"/>
+          <a:stretch/>
+        </p:blipFill>
         <p:spPr>
           <a:xfrm>
-            <a:off x="838200" y="1825625"/>
-            <a:ext cx="10515600" cy="4351338"/>
+            <a:off x="0" y="2892347"/>
+            <a:ext cx="1522412" cy="2365453"/>
           </a:xfrm>
           <a:prstGeom prst="rect">
             <a:avLst/>
           </a:prstGeom>
         </p:spPr>
-        <p:txBody>
-          <a:bodyPr vert="horz" lIns="91440" tIns="45720" rIns="91440" bIns="45720" rtlCol="0">
-            <a:normAutofit/>
-          </a:bodyPr>
-          <a:lstStyle/>
-          <a:p>
-            <a:pPr lvl="0"/>
-            <a:r>
-              <a:rPr kumimoji="1" lang="ja-JP" altLang="en-US" smtClean="0"/>
-              <a:t>マスター テキストの書式設定</a:t>
-            </a:r>
-          </a:p>
-          <a:p>
-            <a:pPr lvl="1"/>
-            <a:r>
-              <a:rPr kumimoji="1" lang="ja-JP" altLang="en-US" smtClean="0"/>
-              <a:t>第 </a:t>
-            </a:r>
-            <a:r>
-              <a:rPr kumimoji="1" lang="en-US" altLang="ja-JP" smtClean="0"/>
-              <a:t>2 </a:t>
-            </a:r>
-            <a:r>
-              <a:rPr kumimoji="1" lang="ja-JP" altLang="en-US" smtClean="0"/>
-              <a:t>レベル</a:t>
-            </a:r>
-          </a:p>
-          <a:p>
-            <a:pPr lvl="2"/>
-            <a:r>
-              <a:rPr kumimoji="1" lang="ja-JP" altLang="en-US" smtClean="0"/>
-              <a:t>第 </a:t>
-            </a:r>
-            <a:r>
-              <a:rPr kumimoji="1" lang="en-US" altLang="ja-JP" smtClean="0"/>
-              <a:t>3 </a:t>
-            </a:r>
-            <a:r>
-              <a:rPr kumimoji="1" lang="ja-JP" altLang="en-US" smtClean="0"/>
-              <a:t>レベル</a:t>
-            </a:r>
-          </a:p>
-          <a:p>
-            <a:pPr lvl="3"/>
-            <a:r>
-              <a:rPr kumimoji="1" lang="ja-JP" altLang="en-US" smtClean="0"/>
-              <a:t>第 </a:t>
-            </a:r>
-            <a:r>
-              <a:rPr kumimoji="1" lang="en-US" altLang="ja-JP" smtClean="0"/>
-              <a:t>4 </a:t>
-            </a:r>
-            <a:r>
-              <a:rPr kumimoji="1" lang="ja-JP" altLang="en-US" smtClean="0"/>
-              <a:t>レベル</a:t>
-            </a:r>
-          </a:p>
-          <a:p>
-            <a:pPr lvl="4"/>
-            <a:r>
-              <a:rPr kumimoji="1" lang="ja-JP" altLang="en-US" smtClean="0"/>
-              <a:t>第 </a:t>
-            </a:r>
-            <a:r>
-              <a:rPr kumimoji="1" lang="en-US" altLang="ja-JP" smtClean="0"/>
-              <a:t>5 </a:t>
-            </a:r>
-            <a:r>
-              <a:rPr kumimoji="1" lang="ja-JP" altLang="en-US" smtClean="0"/>
-              <a:t>レベル</a:t>
-            </a:r>
-            <a:endParaRPr kumimoji="1" lang="ja-JP" altLang="en-US"/>
-          </a:p>
-        </p:txBody>
-      </p:sp>
-      <p:sp>
-        <p:nvSpPr>
-          <p:cNvPr id="4" name="日付プレースホルダー 3"/>
-          <p:cNvSpPr>
-            <a:spLocks noGrp="1"/>
-          </p:cNvSpPr>
-          <p:nvPr>
-            <p:ph type="dt" sz="half" idx="2"/>
-          </p:nvPr>
+      </p:pic>
+      <p:sp>
+        <p:nvSpPr>
+          <p:cNvPr id="16" name="Oval 15"/>
+          <p:cNvSpPr/>
+          <p:nvPr/>
         </p:nvSpPr>
         <p:spPr>
           <a:xfrm>
-            <a:off x="838200" y="6356350"/>
-            <a:ext cx="2743200" cy="365125"/>
+            <a:off x="8609012" y="1676400"/>
+            <a:ext cx="2819400" cy="2819400"/>
+          </a:xfrm>
+          <a:prstGeom prst="ellipse">
+            <a:avLst/>
+          </a:prstGeom>
+          <a:gradFill flip="none" rotWithShape="1">
+            <a:gsLst>
+              <a:gs pos="0">
+                <a:schemeClr val="bg2">
+                  <a:lumMod val="60000"/>
+                  <a:lumOff val="40000"/>
+                  <a:alpha val="7000"/>
+                </a:schemeClr>
+              </a:gs>
+              <a:gs pos="69000">
+                <a:schemeClr val="bg2">
+                  <a:lumMod val="60000"/>
+                  <a:lumOff val="40000"/>
+                  <a:alpha val="0"/>
+                </a:schemeClr>
+              </a:gs>
+              <a:gs pos="36000">
+                <a:schemeClr val="bg2">
+                  <a:lumMod val="60000"/>
+                  <a:lumOff val="40000"/>
+                  <a:alpha val="6000"/>
+                </a:schemeClr>
+              </a:gs>
+            </a:gsLst>
+            <a:path path="circle">
+              <a:fillToRect l="50000" t="50000" r="50000" b="50000"/>
+            </a:path>
+            <a:tileRect/>
+          </a:gradFill>
+          <a:ln>
+            <a:noFill/>
+          </a:ln>
+          <a:effectLst/>
+        </p:spPr>
+        <p:style>
+          <a:lnRef idx="1">
+            <a:schemeClr val="accent1"/>
+          </a:lnRef>
+          <a:fillRef idx="3">
+            <a:schemeClr val="accent1"/>
+          </a:fillRef>
+          <a:effectRef idx="2">
+            <a:schemeClr val="accent1"/>
+          </a:effectRef>
+          <a:fontRef idx="minor">
+            <a:schemeClr val="lt1"/>
+          </a:fontRef>
+        </p:style>
+      </p:sp>
+      <p:pic>
+        <p:nvPicPr>
+          <p:cNvPr id="9" name="Picture 8"/>
+          <p:cNvPicPr>
+            <a:picLocks noChangeAspect="1"/>
+          </p:cNvPicPr>
+          <p:nvPr/>
+        </p:nvPicPr>
+        <p:blipFill rotWithShape="1">
+          <a:blip r:embed="rId21">
+            <a:extLst>
+              <a:ext uri="{28A0092B-C50C-407E-A947-70E740481C1C}">
+                <a14:useLocalDpi xmlns:a14="http://schemas.microsoft.com/office/drawing/2010/main" val="0"/>
+              </a:ext>
+            </a:extLst>
+          </a:blip>
+          <a:srcRect t="28813"/>
+          <a:stretch/>
+        </p:blipFill>
+        <p:spPr>
+          <a:xfrm>
+            <a:off x="7999412" y="0"/>
+            <a:ext cx="1603387" cy="1141407"/>
           </a:xfrm>
           <a:prstGeom prst="rect">
             <a:avLst/>
           </a:prstGeom>
         </p:spPr>
-        <p:txBody>
-          <a:bodyPr vert="horz" lIns="91440" tIns="45720" rIns="91440" bIns="45720" rtlCol="0" anchor="ctr"/>
+      </p:pic>
+      <p:pic>
+        <p:nvPicPr>
+          <p:cNvPr id="10" name="Picture 9"/>
+          <p:cNvPicPr>
+            <a:picLocks noChangeAspect="1"/>
+          </p:cNvPicPr>
+          <p:nvPr/>
+        </p:nvPicPr>
+        <p:blipFill rotWithShape="1">
+          <a:blip r:embed="rId22">
+            <a:extLst>
+              <a:ext uri="{28A0092B-C50C-407E-A947-70E740481C1C}">
+                <a14:useLocalDpi xmlns:a14="http://schemas.microsoft.com/office/drawing/2010/main" val="0"/>
+              </a:ext>
+            </a:extLst>
+          </a:blip>
+          <a:srcRect b="23320"/>
+          <a:stretch/>
+        </p:blipFill>
+        <p:spPr>
+          <a:xfrm>
+            <a:off x="8605878" y="6096000"/>
+            <a:ext cx="993734" cy="762000"/>
+          </a:xfrm>
+          <a:prstGeom prst="rect">
+            <a:avLst/>
+          </a:prstGeom>
+        </p:spPr>
+      </p:pic>
+      <p:sp>
+        <p:nvSpPr>
+          <p:cNvPr id="14" name="Rectangle 13"/>
+          <p:cNvSpPr/>
+          <p:nvPr/>
+        </p:nvSpPr>
+        <p:spPr>
+          <a:xfrm>
+            <a:off x="10437812" y="0"/>
+            <a:ext cx="685800" cy="1143000"/>
+          </a:xfrm>
+          <a:prstGeom prst="rect">
+            <a:avLst/>
+          </a:prstGeom>
+          <a:solidFill>
+            <a:schemeClr val="accent1"/>
+          </a:solidFill>
+          <a:ln>
+            <a:noFill/>
+          </a:ln>
+        </p:spPr>
+        <p:style>
+          <a:lnRef idx="1">
+            <a:schemeClr val="accent1"/>
+          </a:lnRef>
+          <a:fillRef idx="3">
+            <a:schemeClr val="accent1"/>
+          </a:fillRef>
+          <a:effectRef idx="2">
+            <a:schemeClr val="accent1"/>
+          </a:effectRef>
+          <a:fontRef idx="minor">
+            <a:schemeClr val="lt1"/>
+          </a:fontRef>
+        </p:style>
+      </p:sp>
+      <p:sp>
+        <p:nvSpPr>
+          <p:cNvPr id="2" name="Title Placeholder 1"/>
+          <p:cNvSpPr>
+            <a:spLocks noGrp="1"/>
+          </p:cNvSpPr>
+          <p:nvPr>
+            <p:ph type="title"/>
+          </p:nvPr>
+        </p:nvSpPr>
+        <p:spPr>
+          <a:xfrm>
+            <a:off x="646111" y="452718"/>
+            <a:ext cx="9404723" cy="1400530"/>
+          </a:xfrm>
+          <a:prstGeom prst="rect">
+            <a:avLst/>
+          </a:prstGeom>
+        </p:spPr>
+        <p:txBody>
+          <a:bodyPr vert="horz" lIns="91440" tIns="45720" rIns="91440" bIns="45720" rtlCol="0" anchor="t">
+            <a:noAutofit/>
+          </a:bodyPr>
+          <a:lstStyle/>
+          <a:p>
+            <a:r>
+              <a:rPr lang="ja-JP" altLang="en-US" smtClean="0"/>
+              <a:t>マスター タイトルの書式設定</a:t>
+            </a:r>
+            <a:endParaRPr lang="en-US" dirty="0"/>
+          </a:p>
+        </p:txBody>
+      </p:sp>
+      <p:sp>
+        <p:nvSpPr>
+          <p:cNvPr id="3" name="Text Placeholder 2"/>
+          <p:cNvSpPr>
+            <a:spLocks noGrp="1"/>
+          </p:cNvSpPr>
+          <p:nvPr>
+            <p:ph type="body" idx="1"/>
+          </p:nvPr>
+        </p:nvSpPr>
+        <p:spPr>
+          <a:xfrm>
+            <a:off x="1103312" y="2052918"/>
+            <a:ext cx="8946541" cy="4195481"/>
+          </a:xfrm>
+          <a:prstGeom prst="rect">
+            <a:avLst/>
+          </a:prstGeom>
+        </p:spPr>
+        <p:txBody>
+          <a:bodyPr vert="horz" lIns="91440" tIns="45720" rIns="91440" bIns="45720" rtlCol="0">
+            <a:normAutofit/>
+          </a:bodyPr>
+          <a:lstStyle/>
+          <a:p>
+            <a:pPr lvl="0"/>
+            <a:r>
+              <a:rPr lang="ja-JP" altLang="en-US" smtClean="0"/>
+              <a:t>マスター テキストの書式設定</a:t>
+            </a:r>
+          </a:p>
+          <a:p>
+            <a:pPr lvl="1"/>
+            <a:r>
+              <a:rPr lang="ja-JP" altLang="en-US" smtClean="0"/>
+              <a:t>第 </a:t>
+            </a:r>
+            <a:r>
+              <a:rPr lang="en-US" altLang="ja-JP" smtClean="0"/>
+              <a:t>2 </a:t>
+            </a:r>
+            <a:r>
+              <a:rPr lang="ja-JP" altLang="en-US" smtClean="0"/>
+              <a:t>レベル</a:t>
+            </a:r>
+          </a:p>
+          <a:p>
+            <a:pPr lvl="2"/>
+            <a:r>
+              <a:rPr lang="ja-JP" altLang="en-US" smtClean="0"/>
+              <a:t>第 </a:t>
+            </a:r>
+            <a:r>
+              <a:rPr lang="en-US" altLang="ja-JP" smtClean="0"/>
+              <a:t>3 </a:t>
+            </a:r>
+            <a:r>
+              <a:rPr lang="ja-JP" altLang="en-US" smtClean="0"/>
+              <a:t>レベル</a:t>
+            </a:r>
+          </a:p>
+          <a:p>
+            <a:pPr lvl="3"/>
+            <a:r>
+              <a:rPr lang="ja-JP" altLang="en-US" smtClean="0"/>
+              <a:t>第 </a:t>
+            </a:r>
+            <a:r>
+              <a:rPr lang="en-US" altLang="ja-JP" smtClean="0"/>
+              <a:t>4 </a:t>
+            </a:r>
+            <a:r>
+              <a:rPr lang="ja-JP" altLang="en-US" smtClean="0"/>
+              <a:t>レベル</a:t>
+            </a:r>
+          </a:p>
+          <a:p>
+            <a:pPr lvl="4"/>
+            <a:r>
+              <a:rPr lang="ja-JP" altLang="en-US" smtClean="0"/>
+              <a:t>第 </a:t>
+            </a:r>
+            <a:r>
+              <a:rPr lang="en-US" altLang="ja-JP" smtClean="0"/>
+              <a:t>5 </a:t>
+            </a:r>
+            <a:r>
+              <a:rPr lang="ja-JP" altLang="en-US" smtClean="0"/>
+              <a:t>レベル</a:t>
+            </a:r>
+            <a:endParaRPr lang="en-US" dirty="0"/>
+          </a:p>
+        </p:txBody>
+      </p:sp>
+      <p:sp>
+        <p:nvSpPr>
+          <p:cNvPr id="4" name="Date Placeholder 3"/>
+          <p:cNvSpPr>
+            <a:spLocks noGrp="1"/>
+          </p:cNvSpPr>
+          <p:nvPr>
+            <p:ph type="dt" sz="half" idx="2"/>
+          </p:nvPr>
+        </p:nvSpPr>
+        <p:spPr>
+          <a:xfrm rot="5400000">
+            <a:off x="10155639" y="1790701"/>
+            <a:ext cx="990599" cy="304799"/>
+          </a:xfrm>
+          <a:prstGeom prst="rect">
+            <a:avLst/>
+          </a:prstGeom>
+        </p:spPr>
+        <p:txBody>
+          <a:bodyPr vert="horz" lIns="91440" tIns="45720" rIns="91440" bIns="45720" rtlCol="0" anchor="t"/>
           <a:lstStyle>
             <a:lvl1pPr algn="l">
-              <a:defRPr sz="1200">
+              <a:defRPr sz="1100" b="0" i="0">
+                <a:solidFill>
+                  <a:schemeClr val="tx1">
+                    <a:tint val="75000"/>
+                    <a:alpha val="60000"/>
+                  </a:schemeClr>
+                </a:solidFill>
+              </a:defRPr>
+            </a:lvl1pPr>
+          </a:lstStyle>
+          <a:p>
+            <a:fld id="{1A235D97-DFB1-401C-BDEE-EDF1579BAA11}" type="datetimeFigureOut">
+              <a:rPr kumimoji="1" lang="ja-JP" altLang="en-US" smtClean="0"/>
+              <a:t>2020/8/29</a:t>
+            </a:fld>
+            <a:endParaRPr kumimoji="1" lang="ja-JP" altLang="en-US"/>
+          </a:p>
+        </p:txBody>
+      </p:sp>
+      <p:sp>
+        <p:nvSpPr>
+          <p:cNvPr id="5" name="Footer Placeholder 4"/>
+          <p:cNvSpPr>
+            <a:spLocks noGrp="1"/>
+          </p:cNvSpPr>
+          <p:nvPr>
+            <p:ph type="ftr" sz="quarter" idx="3"/>
+          </p:nvPr>
+        </p:nvSpPr>
+        <p:spPr>
+          <a:xfrm rot="5400000">
+            <a:off x="8951573" y="3225297"/>
+            <a:ext cx="3859795" cy="304801"/>
+          </a:xfrm>
+          <a:prstGeom prst="rect">
+            <a:avLst/>
+          </a:prstGeom>
+        </p:spPr>
+        <p:txBody>
+          <a:bodyPr vert="horz" lIns="91440" tIns="45720" rIns="91440" bIns="45720" rtlCol="0" anchor="b"/>
+          <a:lstStyle>
+            <a:lvl1pPr algn="l">
+              <a:defRPr sz="1100" b="0" i="0">
+                <a:solidFill>
+                  <a:schemeClr val="tx1">
+                    <a:tint val="75000"/>
+                    <a:alpha val="60000"/>
+                  </a:schemeClr>
+                </a:solidFill>
+              </a:defRPr>
+            </a:lvl1pPr>
+          </a:lstStyle>
+          <a:p>
+            <a:endParaRPr kumimoji="1" lang="ja-JP" altLang="en-US"/>
+          </a:p>
+        </p:txBody>
+      </p:sp>
+      <p:sp>
+        <p:nvSpPr>
+          <p:cNvPr id="6" name="Slide Number Placeholder 5"/>
+          <p:cNvSpPr>
+            <a:spLocks noGrp="1"/>
+          </p:cNvSpPr>
+          <p:nvPr>
+            <p:ph type="sldNum" sz="quarter" idx="4"/>
+          </p:nvPr>
+        </p:nvSpPr>
+        <p:spPr bwMode="gray">
+          <a:xfrm>
+            <a:off x="10352540" y="295729"/>
+            <a:ext cx="838199" cy="767687"/>
+          </a:xfrm>
+          <a:prstGeom prst="rect">
+            <a:avLst/>
+          </a:prstGeom>
+        </p:spPr>
+        <p:txBody>
+          <a:bodyPr vert="horz" lIns="91440" tIns="45720" rIns="91440" bIns="45720" rtlCol="0" anchor="b"/>
+          <a:lstStyle>
+            <a:lvl1pPr algn="ctr">
+              <a:defRPr sz="2800" b="0" i="0">
                 <a:solidFill>
                   <a:schemeClr val="tx1">
                     <a:tint val="75000"/>
@@ -2859,84 +5938,6 @@
             </a:lvl1pPr>
           </a:lstStyle>
           <a:p>
-            <a:fld id="{1A235D97-DFB1-401C-BDEE-EDF1579BAA11}" type="datetimeFigureOut">
-              <a:rPr kumimoji="1" lang="ja-JP" altLang="en-US" smtClean="0"/>
-              <a:t>2020/8/14</a:t>
-            </a:fld>
-            <a:endParaRPr kumimoji="1" lang="ja-JP" altLang="en-US"/>
-          </a:p>
-        </p:txBody>
-      </p:sp>
-      <p:sp>
-        <p:nvSpPr>
-          <p:cNvPr id="5" name="フッター プレースホルダー 4"/>
-          <p:cNvSpPr>
-            <a:spLocks noGrp="1"/>
-          </p:cNvSpPr>
-          <p:nvPr>
-            <p:ph type="ftr" sz="quarter" idx="3"/>
-          </p:nvPr>
-        </p:nvSpPr>
-        <p:spPr>
-          <a:xfrm>
-            <a:off x="4038600" y="6356350"/>
-            <a:ext cx="4114800" cy="365125"/>
-          </a:xfrm>
-          <a:prstGeom prst="rect">
-            <a:avLst/>
-          </a:prstGeom>
-        </p:spPr>
-        <p:txBody>
-          <a:bodyPr vert="horz" lIns="91440" tIns="45720" rIns="91440" bIns="45720" rtlCol="0" anchor="ctr"/>
-          <a:lstStyle>
-            <a:lvl1pPr algn="ctr">
-              <a:defRPr sz="1200">
-                <a:solidFill>
-                  <a:schemeClr val="tx1">
-                    <a:tint val="75000"/>
-                  </a:schemeClr>
-                </a:solidFill>
-              </a:defRPr>
-            </a:lvl1pPr>
-          </a:lstStyle>
-          <a:p>
-            <a:endParaRPr kumimoji="1" lang="ja-JP" altLang="en-US"/>
-          </a:p>
-        </p:txBody>
-      </p:sp>
-      <p:sp>
-        <p:nvSpPr>
-          <p:cNvPr id="6" name="スライド番号プレースホルダー 5"/>
-          <p:cNvSpPr>
-            <a:spLocks noGrp="1"/>
-          </p:cNvSpPr>
-          <p:nvPr>
-            <p:ph type="sldNum" sz="quarter" idx="4"/>
-          </p:nvPr>
-        </p:nvSpPr>
-        <p:spPr>
-          <a:xfrm>
-            <a:off x="8610600" y="6356350"/>
-            <a:ext cx="2743200" cy="365125"/>
-          </a:xfrm>
-          <a:prstGeom prst="rect">
-            <a:avLst/>
-          </a:prstGeom>
-        </p:spPr>
-        <p:txBody>
-          <a:bodyPr vert="horz" lIns="91440" tIns="45720" rIns="91440" bIns="45720" rtlCol="0" anchor="ctr"/>
-          <a:lstStyle>
-            <a:lvl1pPr algn="r">
-              <a:defRPr sz="1200">
-                <a:solidFill>
-                  <a:schemeClr val="tx1">
-                    <a:tint val="75000"/>
-                  </a:schemeClr>
-                </a:solidFill>
-              </a:defRPr>
-            </a:lvl1pPr>
-          </a:lstStyle>
-          <a:p>
             <a:fld id="{788D6554-83FB-43EC-AC0E-8BF46B3CE7B6}" type="slidenum">
               <a:rPr kumimoji="1" lang="ja-JP" altLang="en-US" smtClean="0"/>
               <a:t>‹#›</a:t>
@@ -2948,35 +5949,121 @@
     </p:spTree>
     <p:extLst>
       <p:ext uri="{BB962C8B-B14F-4D97-AF65-F5344CB8AC3E}">
-        <p14:creationId xmlns:p14="http://schemas.microsoft.com/office/powerpoint/2010/main" val="4087201237"/>
+        <p14:creationId xmlns:p14="http://schemas.microsoft.com/office/powerpoint/2010/main" val="3916669257"/>
       </p:ext>
     </p:extLst>
   </p:cSld>
-  <p:clrMap bg1="lt1" tx1="dk1" bg2="lt2" tx2="dk2" accent1="accent1" accent2="accent2" accent3="accent3" accent4="accent4" accent5="accent5" accent6="accent6" hlink="hlink" folHlink="folHlink"/>
+  <p:clrMap bg1="dk1" tx1="lt1" bg2="dk2" tx2="lt2" accent1="accent1" accent2="accent2" accent3="accent3" accent4="accent4" accent5="accent5" accent6="accent6" hlink="hlink" folHlink="folHlink"/>
   <p:sldLayoutIdLst>
-    <p:sldLayoutId id="2147483649" r:id="rId1"/>
-    <p:sldLayoutId id="2147483650" r:id="rId2"/>
-    <p:sldLayoutId id="2147483651" r:id="rId3"/>
-    <p:sldLayoutId id="2147483652" r:id="rId4"/>
-    <p:sldLayoutId id="2147483653" r:id="rId5"/>
-    <p:sldLayoutId id="2147483654" r:id="rId6"/>
-    <p:sldLayoutId id="2147483655" r:id="rId7"/>
-    <p:sldLayoutId id="2147483656" r:id="rId8"/>
-    <p:sldLayoutId id="2147483657" r:id="rId9"/>
-    <p:sldLayoutId id="2147483658" r:id="rId10"/>
-    <p:sldLayoutId id="2147483659" r:id="rId11"/>
+    <p:sldLayoutId id="2147483976" r:id="rId1"/>
+    <p:sldLayoutId id="2147483977" r:id="rId2"/>
+    <p:sldLayoutId id="2147483978" r:id="rId3"/>
+    <p:sldLayoutId id="2147483979" r:id="rId4"/>
+    <p:sldLayoutId id="2147483980" r:id="rId5"/>
+    <p:sldLayoutId id="2147483981" r:id="rId6"/>
+    <p:sldLayoutId id="2147483982" r:id="rId7"/>
+    <p:sldLayoutId id="2147483983" r:id="rId8"/>
+    <p:sldLayoutId id="2147483984" r:id="rId9"/>
+    <p:sldLayoutId id="2147483985" r:id="rId10"/>
+    <p:sldLayoutId id="2147483986" r:id="rId11"/>
+    <p:sldLayoutId id="2147483987" r:id="rId12"/>
+    <p:sldLayoutId id="2147483988" r:id="rId13"/>
+    <p:sldLayoutId id="2147483989" r:id="rId14"/>
+    <p:sldLayoutId id="2147483990" r:id="rId15"/>
+    <p:sldLayoutId id="2147483991" r:id="rId16"/>
+    <p:sldLayoutId id="2147483992" r:id="rId17"/>
   </p:sldLayoutIdLst>
   <p:txStyles>
     <p:titleStyle>
-      <a:lvl1pPr algn="l" defTabSz="914400" rtl="0" eaLnBrk="1" latinLnBrk="0" hangingPunct="1">
-        <a:lnSpc>
-          <a:spcPct val="90000"/>
-        </a:lnSpc>
+      <a:lvl1pPr algn="l" defTabSz="457200" rtl="0" eaLnBrk="1" latinLnBrk="0" hangingPunct="1">
         <a:spcBef>
           <a:spcPct val="0"/>
         </a:spcBef>
         <a:buNone/>
-        <a:defRPr kumimoji="1" sz="4400" kern="1200">
+        <a:defRPr kumimoji="1" sz="4200" b="0" i="0" kern="1200">
+          <a:solidFill>
+            <a:schemeClr val="tx2"/>
+          </a:solidFill>
+          <a:latin typeface="+mj-lt"/>
+          <a:ea typeface="+mj-ea"/>
+          <a:cs typeface="+mj-cs"/>
+        </a:defRPr>
+      </a:lvl1pPr>
+      <a:lvl2pPr eaLnBrk="1" hangingPunct="1">
+        <a:defRPr kumimoji="1">
+          <a:solidFill>
+            <a:schemeClr val="tx2"/>
+          </a:solidFill>
+        </a:defRPr>
+      </a:lvl2pPr>
+      <a:lvl3pPr eaLnBrk="1" hangingPunct="1">
+        <a:defRPr kumimoji="1">
+          <a:solidFill>
+            <a:schemeClr val="tx2"/>
+          </a:solidFill>
+        </a:defRPr>
+      </a:lvl3pPr>
+      <a:lvl4pPr eaLnBrk="1" hangingPunct="1">
+        <a:defRPr kumimoji="1">
+          <a:solidFill>
+            <a:schemeClr val="tx2"/>
+          </a:solidFill>
+        </a:defRPr>
+      </a:lvl4pPr>
+      <a:lvl5pPr eaLnBrk="1" hangingPunct="1">
+        <a:defRPr kumimoji="1">
+          <a:solidFill>
+            <a:schemeClr val="tx2"/>
+          </a:solidFill>
+        </a:defRPr>
+      </a:lvl5pPr>
+      <a:lvl6pPr eaLnBrk="1" hangingPunct="1">
+        <a:defRPr kumimoji="1">
+          <a:solidFill>
+            <a:schemeClr val="tx2"/>
+          </a:solidFill>
+        </a:defRPr>
+      </a:lvl6pPr>
+      <a:lvl7pPr eaLnBrk="1" hangingPunct="1">
+        <a:defRPr kumimoji="1">
+          <a:solidFill>
+            <a:schemeClr val="tx2"/>
+          </a:solidFill>
+        </a:defRPr>
+      </a:lvl7pPr>
+      <a:lvl8pPr eaLnBrk="1" hangingPunct="1">
+        <a:defRPr kumimoji="1">
+          <a:solidFill>
+            <a:schemeClr val="tx2"/>
+          </a:solidFill>
+        </a:defRPr>
+      </a:lvl8pPr>
+      <a:lvl9pPr eaLnBrk="1" hangingPunct="1">
+        <a:defRPr kumimoji="1">
+          <a:solidFill>
+            <a:schemeClr val="tx2"/>
+          </a:solidFill>
+        </a:defRPr>
+      </a:lvl9pPr>
+    </p:titleStyle>
+    <p:bodyStyle>
+      <a:lvl1pPr marL="342900" indent="-342900" algn="l" defTabSz="457200" rtl="0" eaLnBrk="1" latinLnBrk="0" hangingPunct="1">
+        <a:spcBef>
+          <a:spcPts val="1000"/>
+        </a:spcBef>
+        <a:spcAft>
+          <a:spcPts val="0"/>
+        </a:spcAft>
+        <a:buClr>
+          <a:schemeClr val="bg2">
+            <a:lumMod val="40000"/>
+            <a:lumOff val="60000"/>
+          </a:schemeClr>
+        </a:buClr>
+        <a:buSzPct val="80000"/>
+        <a:buFont typeface="Wingdings 3" charset="2"/>
+        <a:buChar char=""/>
+        <a:defRPr kumimoji="1" sz="2000" b="0" i="0" kern="1200">
           <a:solidFill>
             <a:schemeClr val="tx1"/>
           </a:solidFill>
@@ -2985,18 +6072,213 @@
           <a:cs typeface="+mj-cs"/>
         </a:defRPr>
       </a:lvl1pPr>
-    </p:titleStyle>
-    <p:bodyStyle>
-      <a:lvl1pPr marL="228600" indent="-228600" algn="l" defTabSz="914400" rtl="0" eaLnBrk="1" latinLnBrk="0" hangingPunct="1">
-        <a:lnSpc>
-          <a:spcPct val="90000"/>
-        </a:lnSpc>
+      <a:lvl2pPr marL="742950" indent="-285750" algn="l" defTabSz="457200" rtl="0" eaLnBrk="1" latinLnBrk="0" hangingPunct="1">
         <a:spcBef>
           <a:spcPts val="1000"/>
         </a:spcBef>
-        <a:buFont typeface="Arial" panose="020B0604020202020204" pitchFamily="34" charset="0"/>
-        <a:buChar char="•"/>
-        <a:defRPr kumimoji="1" sz="2800" kern="1200">
+        <a:spcAft>
+          <a:spcPts val="0"/>
+        </a:spcAft>
+        <a:buClr>
+          <a:schemeClr val="bg2">
+            <a:lumMod val="40000"/>
+            <a:lumOff val="60000"/>
+          </a:schemeClr>
+        </a:buClr>
+        <a:buSzPct val="80000"/>
+        <a:buFont typeface="Wingdings 3" charset="2"/>
+        <a:buChar char=""/>
+        <a:defRPr kumimoji="1" sz="1800" b="0" i="0" kern="1200">
+          <a:solidFill>
+            <a:schemeClr val="tx1"/>
+          </a:solidFill>
+          <a:latin typeface="+mj-lt"/>
+          <a:ea typeface="+mj-ea"/>
+          <a:cs typeface="+mj-cs"/>
+        </a:defRPr>
+      </a:lvl2pPr>
+      <a:lvl3pPr marL="1143000" indent="-228600" algn="l" defTabSz="457200" rtl="0" eaLnBrk="1" latinLnBrk="0" hangingPunct="1">
+        <a:spcBef>
+          <a:spcPts val="1000"/>
+        </a:spcBef>
+        <a:spcAft>
+          <a:spcPts val="0"/>
+        </a:spcAft>
+        <a:buClr>
+          <a:schemeClr val="bg2">
+            <a:lumMod val="40000"/>
+            <a:lumOff val="60000"/>
+          </a:schemeClr>
+        </a:buClr>
+        <a:buSzPct val="80000"/>
+        <a:buFont typeface="Wingdings 3" charset="2"/>
+        <a:buChar char=""/>
+        <a:defRPr kumimoji="1" sz="1600" b="0" i="0" kern="1200">
+          <a:solidFill>
+            <a:schemeClr val="tx1"/>
+          </a:solidFill>
+          <a:latin typeface="+mj-lt"/>
+          <a:ea typeface="+mj-ea"/>
+          <a:cs typeface="+mj-cs"/>
+        </a:defRPr>
+      </a:lvl3pPr>
+      <a:lvl4pPr marL="1600200" indent="-228600" algn="l" defTabSz="457200" rtl="0" eaLnBrk="1" latinLnBrk="0" hangingPunct="1">
+        <a:spcBef>
+          <a:spcPts val="1000"/>
+        </a:spcBef>
+        <a:spcAft>
+          <a:spcPts val="0"/>
+        </a:spcAft>
+        <a:buClr>
+          <a:schemeClr val="bg2">
+            <a:lumMod val="40000"/>
+            <a:lumOff val="60000"/>
+          </a:schemeClr>
+        </a:buClr>
+        <a:buSzPct val="80000"/>
+        <a:buFont typeface="Wingdings 3" charset="2"/>
+        <a:buChar char=""/>
+        <a:defRPr kumimoji="1" sz="1400" b="0" i="0" kern="1200">
+          <a:solidFill>
+            <a:schemeClr val="tx1"/>
+          </a:solidFill>
+          <a:latin typeface="+mj-lt"/>
+          <a:ea typeface="+mj-ea"/>
+          <a:cs typeface="+mj-cs"/>
+        </a:defRPr>
+      </a:lvl4pPr>
+      <a:lvl5pPr marL="2057400" indent="-228600" algn="l" defTabSz="457200" rtl="0" eaLnBrk="1" latinLnBrk="0" hangingPunct="1">
+        <a:spcBef>
+          <a:spcPts val="1000"/>
+        </a:spcBef>
+        <a:spcAft>
+          <a:spcPts val="0"/>
+        </a:spcAft>
+        <a:buClr>
+          <a:schemeClr val="bg2">
+            <a:lumMod val="40000"/>
+            <a:lumOff val="60000"/>
+          </a:schemeClr>
+        </a:buClr>
+        <a:buSzPct val="80000"/>
+        <a:buFont typeface="Wingdings 3" charset="2"/>
+        <a:buChar char=""/>
+        <a:defRPr kumimoji="1" sz="1400" b="0" i="0" kern="1200">
+          <a:solidFill>
+            <a:schemeClr val="tx1"/>
+          </a:solidFill>
+          <a:latin typeface="+mj-lt"/>
+          <a:ea typeface="+mj-ea"/>
+          <a:cs typeface="+mj-cs"/>
+        </a:defRPr>
+      </a:lvl5pPr>
+      <a:lvl6pPr marL="2506000" indent="-228600" algn="l" defTabSz="457200" rtl="0" eaLnBrk="1" latinLnBrk="0" hangingPunct="1">
+        <a:spcBef>
+          <a:spcPts val="1000"/>
+        </a:spcBef>
+        <a:spcAft>
+          <a:spcPts val="0"/>
+        </a:spcAft>
+        <a:buClr>
+          <a:schemeClr val="bg2">
+            <a:lumMod val="40000"/>
+            <a:lumOff val="60000"/>
+          </a:schemeClr>
+        </a:buClr>
+        <a:buSzPct val="80000"/>
+        <a:buFont typeface="Wingdings 3" charset="2"/>
+        <a:buChar char=""/>
+        <a:defRPr kumimoji="1" sz="1400" b="0" i="0" kern="1200">
+          <a:solidFill>
+            <a:schemeClr val="tx1"/>
+          </a:solidFill>
+          <a:latin typeface="+mj-lt"/>
+          <a:ea typeface="+mj-ea"/>
+          <a:cs typeface="+mj-cs"/>
+        </a:defRPr>
+      </a:lvl6pPr>
+      <a:lvl7pPr marL="2971800" indent="-228600" algn="l" defTabSz="457200" rtl="0" eaLnBrk="1" latinLnBrk="0" hangingPunct="1">
+        <a:spcBef>
+          <a:spcPts val="1000"/>
+        </a:spcBef>
+        <a:spcAft>
+          <a:spcPts val="0"/>
+        </a:spcAft>
+        <a:buClr>
+          <a:schemeClr val="bg2">
+            <a:lumMod val="40000"/>
+            <a:lumOff val="60000"/>
+          </a:schemeClr>
+        </a:buClr>
+        <a:buSzPct val="80000"/>
+        <a:buFont typeface="Wingdings 3" charset="2"/>
+        <a:buChar char=""/>
+        <a:defRPr kumimoji="1" sz="1400" b="0" i="0" kern="1200">
+          <a:solidFill>
+            <a:schemeClr val="tx1"/>
+          </a:solidFill>
+          <a:latin typeface="+mj-lt"/>
+          <a:ea typeface="+mj-ea"/>
+          <a:cs typeface="+mj-cs"/>
+        </a:defRPr>
+      </a:lvl7pPr>
+      <a:lvl8pPr marL="3429000" indent="-228600" algn="l" defTabSz="457200" rtl="0" eaLnBrk="1" latinLnBrk="0" hangingPunct="1">
+        <a:spcBef>
+          <a:spcPts val="1000"/>
+        </a:spcBef>
+        <a:spcAft>
+          <a:spcPts val="0"/>
+        </a:spcAft>
+        <a:buClr>
+          <a:schemeClr val="bg2">
+            <a:lumMod val="40000"/>
+            <a:lumOff val="60000"/>
+          </a:schemeClr>
+        </a:buClr>
+        <a:buSzPct val="80000"/>
+        <a:buFont typeface="Wingdings 3" charset="2"/>
+        <a:buChar char=""/>
+        <a:defRPr kumimoji="1" sz="1400" b="0" i="0" kern="1200">
+          <a:solidFill>
+            <a:schemeClr val="tx1"/>
+          </a:solidFill>
+          <a:latin typeface="+mj-lt"/>
+          <a:ea typeface="+mj-ea"/>
+          <a:cs typeface="+mj-cs"/>
+        </a:defRPr>
+      </a:lvl8pPr>
+      <a:lvl9pPr marL="3886200" indent="-228600" algn="l" defTabSz="457200" rtl="0" eaLnBrk="1" latinLnBrk="0" hangingPunct="1">
+        <a:spcBef>
+          <a:spcPts val="1000"/>
+        </a:spcBef>
+        <a:spcAft>
+          <a:spcPts val="0"/>
+        </a:spcAft>
+        <a:buClr>
+          <a:schemeClr val="bg2">
+            <a:lumMod val="40000"/>
+            <a:lumOff val="60000"/>
+          </a:schemeClr>
+        </a:buClr>
+        <a:buSzPct val="80000"/>
+        <a:buFont typeface="Wingdings 3" charset="2"/>
+        <a:buChar char=""/>
+        <a:defRPr kumimoji="1" sz="1400" b="0" i="0" kern="1200">
+          <a:solidFill>
+            <a:schemeClr val="tx1"/>
+          </a:solidFill>
+          <a:latin typeface="+mj-lt"/>
+          <a:ea typeface="+mj-ea"/>
+          <a:cs typeface="+mj-cs"/>
+        </a:defRPr>
+      </a:lvl9pPr>
+    </p:bodyStyle>
+    <p:otherStyle>
+      <a:defPPr>
+        <a:defRPr lang="en-US"/>
+      </a:defPPr>
+      <a:lvl1pPr marL="0" algn="l" defTabSz="457200" rtl="0" eaLnBrk="1" latinLnBrk="0" hangingPunct="1">
+        <a:defRPr kumimoji="1" sz="1800" kern="1200">
           <a:solidFill>
             <a:schemeClr val="tx1"/>
           </a:solidFill>
@@ -3005,16 +6287,8 @@
           <a:cs typeface="+mn-cs"/>
         </a:defRPr>
       </a:lvl1pPr>
-      <a:lvl2pPr marL="685800" indent="-228600" algn="l" defTabSz="914400" rtl="0" eaLnBrk="1" latinLnBrk="0" hangingPunct="1">
-        <a:lnSpc>
-          <a:spcPct val="90000"/>
-        </a:lnSpc>
-        <a:spcBef>
-          <a:spcPts val="500"/>
-        </a:spcBef>
-        <a:buFont typeface="Arial" panose="020B0604020202020204" pitchFamily="34" charset="0"/>
-        <a:buChar char="•"/>
-        <a:defRPr kumimoji="1" sz="2400" kern="1200">
+      <a:lvl2pPr marL="457200" algn="l" defTabSz="457200" rtl="0" eaLnBrk="1" latinLnBrk="0" hangingPunct="1">
+        <a:defRPr kumimoji="1" sz="1800" kern="1200">
           <a:solidFill>
             <a:schemeClr val="tx1"/>
           </a:solidFill>
@@ -3023,16 +6297,8 @@
           <a:cs typeface="+mn-cs"/>
         </a:defRPr>
       </a:lvl2pPr>
-      <a:lvl3pPr marL="1143000" indent="-228600" algn="l" defTabSz="914400" rtl="0" eaLnBrk="1" latinLnBrk="0" hangingPunct="1">
-        <a:lnSpc>
-          <a:spcPct val="90000"/>
-        </a:lnSpc>
-        <a:spcBef>
-          <a:spcPts val="500"/>
-        </a:spcBef>
-        <a:buFont typeface="Arial" panose="020B0604020202020204" pitchFamily="34" charset="0"/>
-        <a:buChar char="•"/>
-        <a:defRPr kumimoji="1" sz="2000" kern="1200">
+      <a:lvl3pPr marL="914400" algn="l" defTabSz="457200" rtl="0" eaLnBrk="1" latinLnBrk="0" hangingPunct="1">
+        <a:defRPr kumimoji="1" sz="1800" kern="1200">
           <a:solidFill>
             <a:schemeClr val="tx1"/>
           </a:solidFill>
@@ -3041,15 +6307,7 @@
           <a:cs typeface="+mn-cs"/>
         </a:defRPr>
       </a:lvl3pPr>
-      <a:lvl4pPr marL="1600200" indent="-228600" algn="l" defTabSz="914400" rtl="0" eaLnBrk="1" latinLnBrk="0" hangingPunct="1">
-        <a:lnSpc>
-          <a:spcPct val="90000"/>
-        </a:lnSpc>
-        <a:spcBef>
-          <a:spcPts val="500"/>
-        </a:spcBef>
-        <a:buFont typeface="Arial" panose="020B0604020202020204" pitchFamily="34" charset="0"/>
-        <a:buChar char="•"/>
+      <a:lvl4pPr marL="1371600" algn="l" defTabSz="457200" rtl="0" eaLnBrk="1" latinLnBrk="0" hangingPunct="1">
         <a:defRPr kumimoji="1" sz="1800" kern="1200">
           <a:solidFill>
             <a:schemeClr val="tx1"/>
@@ -3059,15 +6317,7 @@
           <a:cs typeface="+mn-cs"/>
         </a:defRPr>
       </a:lvl4pPr>
-      <a:lvl5pPr marL="2057400" indent="-228600" algn="l" defTabSz="914400" rtl="0" eaLnBrk="1" latinLnBrk="0" hangingPunct="1">
-        <a:lnSpc>
-          <a:spcPct val="90000"/>
-        </a:lnSpc>
-        <a:spcBef>
-          <a:spcPts val="500"/>
-        </a:spcBef>
-        <a:buFont typeface="Arial" panose="020B0604020202020204" pitchFamily="34" charset="0"/>
-        <a:buChar char="•"/>
+      <a:lvl5pPr marL="1828800" algn="l" defTabSz="457200" rtl="0" eaLnBrk="1" latinLnBrk="0" hangingPunct="1">
         <a:defRPr kumimoji="1" sz="1800" kern="1200">
           <a:solidFill>
             <a:schemeClr val="tx1"/>
@@ -3077,15 +6327,7 @@
           <a:cs typeface="+mn-cs"/>
         </a:defRPr>
       </a:lvl5pPr>
-      <a:lvl6pPr marL="2514600" indent="-228600" algn="l" defTabSz="914400" rtl="0" eaLnBrk="1" latinLnBrk="0" hangingPunct="1">
-        <a:lnSpc>
-          <a:spcPct val="90000"/>
-        </a:lnSpc>
-        <a:spcBef>
-          <a:spcPts val="500"/>
-        </a:spcBef>
-        <a:buFont typeface="Arial" panose="020B0604020202020204" pitchFamily="34" charset="0"/>
-        <a:buChar char="•"/>
+      <a:lvl6pPr marL="2286000" algn="l" defTabSz="457200" rtl="0" eaLnBrk="1" latinLnBrk="0" hangingPunct="1">
         <a:defRPr kumimoji="1" sz="1800" kern="1200">
           <a:solidFill>
             <a:schemeClr val="tx1"/>
@@ -3095,15 +6337,7 @@
           <a:cs typeface="+mn-cs"/>
         </a:defRPr>
       </a:lvl6pPr>
-      <a:lvl7pPr marL="2971800" indent="-228600" algn="l" defTabSz="914400" rtl="0" eaLnBrk="1" latinLnBrk="0" hangingPunct="1">
-        <a:lnSpc>
-          <a:spcPct val="90000"/>
-        </a:lnSpc>
-        <a:spcBef>
-          <a:spcPts val="500"/>
-        </a:spcBef>
-        <a:buFont typeface="Arial" panose="020B0604020202020204" pitchFamily="34" charset="0"/>
-        <a:buChar char="•"/>
+      <a:lvl7pPr marL="2743200" algn="l" defTabSz="457200" rtl="0" eaLnBrk="1" latinLnBrk="0" hangingPunct="1">
         <a:defRPr kumimoji="1" sz="1800" kern="1200">
           <a:solidFill>
             <a:schemeClr val="tx1"/>
@@ -3113,15 +6347,7 @@
           <a:cs typeface="+mn-cs"/>
         </a:defRPr>
       </a:lvl7pPr>
-      <a:lvl8pPr marL="3429000" indent="-228600" algn="l" defTabSz="914400" rtl="0" eaLnBrk="1" latinLnBrk="0" hangingPunct="1">
-        <a:lnSpc>
-          <a:spcPct val="90000"/>
-        </a:lnSpc>
-        <a:spcBef>
-          <a:spcPts val="500"/>
-        </a:spcBef>
-        <a:buFont typeface="Arial" panose="020B0604020202020204" pitchFamily="34" charset="0"/>
-        <a:buChar char="•"/>
+      <a:lvl8pPr marL="3200400" algn="l" defTabSz="457200" rtl="0" eaLnBrk="1" latinLnBrk="0" hangingPunct="1">
         <a:defRPr kumimoji="1" sz="1800" kern="1200">
           <a:solidFill>
             <a:schemeClr val="tx1"/>
@@ -3131,110 +6357,7 @@
           <a:cs typeface="+mn-cs"/>
         </a:defRPr>
       </a:lvl8pPr>
-      <a:lvl9pPr marL="3886200" indent="-228600" algn="l" defTabSz="914400" rtl="0" eaLnBrk="1" latinLnBrk="0" hangingPunct="1">
-        <a:lnSpc>
-          <a:spcPct val="90000"/>
-        </a:lnSpc>
-        <a:spcBef>
-          <a:spcPts val="500"/>
-        </a:spcBef>
-        <a:buFont typeface="Arial" panose="020B0604020202020204" pitchFamily="34" charset="0"/>
-        <a:buChar char="•"/>
-        <a:defRPr kumimoji="1" sz="1800" kern="1200">
-          <a:solidFill>
-            <a:schemeClr val="tx1"/>
-          </a:solidFill>
-          <a:latin typeface="+mn-lt"/>
-          <a:ea typeface="+mn-ea"/>
-          <a:cs typeface="+mn-cs"/>
-        </a:defRPr>
-      </a:lvl9pPr>
-    </p:bodyStyle>
-    <p:otherStyle>
-      <a:defPPr>
-        <a:defRPr lang="ja-JP"/>
-      </a:defPPr>
-      <a:lvl1pPr marL="0" algn="l" defTabSz="914400" rtl="0" eaLnBrk="1" latinLnBrk="0" hangingPunct="1">
-        <a:defRPr kumimoji="1" sz="1800" kern="1200">
-          <a:solidFill>
-            <a:schemeClr val="tx1"/>
-          </a:solidFill>
-          <a:latin typeface="+mn-lt"/>
-          <a:ea typeface="+mn-ea"/>
-          <a:cs typeface="+mn-cs"/>
-        </a:defRPr>
-      </a:lvl1pPr>
-      <a:lvl2pPr marL="457200" algn="l" defTabSz="914400" rtl="0" eaLnBrk="1" latinLnBrk="0" hangingPunct="1">
-        <a:defRPr kumimoji="1" sz="1800" kern="1200">
-          <a:solidFill>
-            <a:schemeClr val="tx1"/>
-          </a:solidFill>
-          <a:latin typeface="+mn-lt"/>
-          <a:ea typeface="+mn-ea"/>
-          <a:cs typeface="+mn-cs"/>
-        </a:defRPr>
-      </a:lvl2pPr>
-      <a:lvl3pPr marL="914400" algn="l" defTabSz="914400" rtl="0" eaLnBrk="1" latinLnBrk="0" hangingPunct="1">
-        <a:defRPr kumimoji="1" sz="1800" kern="1200">
-          <a:solidFill>
-            <a:schemeClr val="tx1"/>
-          </a:solidFill>
-          <a:latin typeface="+mn-lt"/>
-          <a:ea typeface="+mn-ea"/>
-          <a:cs typeface="+mn-cs"/>
-        </a:defRPr>
-      </a:lvl3pPr>
-      <a:lvl4pPr marL="1371600" algn="l" defTabSz="914400" rtl="0" eaLnBrk="1" latinLnBrk="0" hangingPunct="1">
-        <a:defRPr kumimoji="1" sz="1800" kern="1200">
-          <a:solidFill>
-            <a:schemeClr val="tx1"/>
-          </a:solidFill>
-          <a:latin typeface="+mn-lt"/>
-          <a:ea typeface="+mn-ea"/>
-          <a:cs typeface="+mn-cs"/>
-        </a:defRPr>
-      </a:lvl4pPr>
-      <a:lvl5pPr marL="1828800" algn="l" defTabSz="914400" rtl="0" eaLnBrk="1" latinLnBrk="0" hangingPunct="1">
-        <a:defRPr kumimoji="1" sz="1800" kern="1200">
-          <a:solidFill>
-            <a:schemeClr val="tx1"/>
-          </a:solidFill>
-          <a:latin typeface="+mn-lt"/>
-          <a:ea typeface="+mn-ea"/>
-          <a:cs typeface="+mn-cs"/>
-        </a:defRPr>
-      </a:lvl5pPr>
-      <a:lvl6pPr marL="2286000" algn="l" defTabSz="914400" rtl="0" eaLnBrk="1" latinLnBrk="0" hangingPunct="1">
-        <a:defRPr kumimoji="1" sz="1800" kern="1200">
-          <a:solidFill>
-            <a:schemeClr val="tx1"/>
-          </a:solidFill>
-          <a:latin typeface="+mn-lt"/>
-          <a:ea typeface="+mn-ea"/>
-          <a:cs typeface="+mn-cs"/>
-        </a:defRPr>
-      </a:lvl6pPr>
-      <a:lvl7pPr marL="2743200" algn="l" defTabSz="914400" rtl="0" eaLnBrk="1" latinLnBrk="0" hangingPunct="1">
-        <a:defRPr kumimoji="1" sz="1800" kern="1200">
-          <a:solidFill>
-            <a:schemeClr val="tx1"/>
-          </a:solidFill>
-          <a:latin typeface="+mn-lt"/>
-          <a:ea typeface="+mn-ea"/>
-          <a:cs typeface="+mn-cs"/>
-        </a:defRPr>
-      </a:lvl7pPr>
-      <a:lvl8pPr marL="3200400" algn="l" defTabSz="914400" rtl="0" eaLnBrk="1" latinLnBrk="0" hangingPunct="1">
-        <a:defRPr kumimoji="1" sz="1800" kern="1200">
-          <a:solidFill>
-            <a:schemeClr val="tx1"/>
-          </a:solidFill>
-          <a:latin typeface="+mn-lt"/>
-          <a:ea typeface="+mn-ea"/>
-          <a:cs typeface="+mn-cs"/>
-        </a:defRPr>
-      </a:lvl8pPr>
-      <a:lvl9pPr marL="3657600" algn="l" defTabSz="914400" rtl="0" eaLnBrk="1" latinLnBrk="0" hangingPunct="1">
+      <a:lvl9pPr marL="3657600" algn="l" defTabSz="457200" rtl="0" eaLnBrk="1" latinLnBrk="0" hangingPunct="1">
         <a:defRPr kumimoji="1" sz="1800" kern="1200">
           <a:solidFill>
             <a:schemeClr val="tx1"/>
@@ -3278,17 +6401,21 @@
         </p:nvSpPr>
         <p:spPr/>
         <p:txBody>
-          <a:bodyPr/>
+          <a:bodyPr>
+            <a:normAutofit fontScale="90000"/>
+          </a:bodyPr>
           <a:lstStyle/>
           <a:p>
             <a:r>
               <a:rPr lang="en-US" altLang="ja-JP" dirty="0">
-                <a:latin typeface="Bell MT" panose="02020503060305020303" pitchFamily="18" charset="0"/>
+                <a:latin typeface="Arial" panose="020B0604020202020204" pitchFamily="34" charset="0"/>
+                <a:cs typeface="Arial" panose="020B0604020202020204" pitchFamily="34" charset="0"/>
               </a:rPr>
               <a:t>Spec-driven development for REST API</a:t>
             </a:r>
             <a:endParaRPr kumimoji="1" lang="ja-JP" altLang="en-US" dirty="0">
-              <a:latin typeface="Bell MT" panose="02020503060305020303" pitchFamily="18" charset="0"/>
+              <a:latin typeface="Arial" panose="020B0604020202020204" pitchFamily="34" charset="0"/>
+              <a:cs typeface="Arial" panose="020B0604020202020204" pitchFamily="34" charset="0"/>
             </a:endParaRPr>
           </a:p>
         </p:txBody>
@@ -3303,53 +6430,62 @@
             <p:ph type="subTitle" idx="1"/>
           </p:nvPr>
         </p:nvSpPr>
-        <p:spPr/>
+        <p:spPr>
+          <a:xfrm>
+            <a:off x="1154955" y="4777379"/>
+            <a:ext cx="8825658" cy="1930495"/>
+          </a:xfrm>
+        </p:spPr>
         <p:txBody>
           <a:bodyPr>
-            <a:normAutofit lnSpcReduction="10000"/>
+            <a:normAutofit fontScale="25000" lnSpcReduction="20000"/>
           </a:bodyPr>
           <a:lstStyle/>
           <a:p>
-            <a:r>
-              <a:rPr lang="en-US" altLang="ja-JP" dirty="0" smtClean="0"/>
+            <a:pPr algn="r"/>
+            <a:r>
+              <a:rPr lang="en-US" altLang="ja-JP" sz="9600" dirty="0" smtClean="0"/>
               <a:t>Akira </a:t>
             </a:r>
             <a:r>
-              <a:rPr lang="en-US" altLang="ja-JP" dirty="0" err="1" smtClean="0"/>
+              <a:rPr lang="en-US" altLang="ja-JP" sz="9600" dirty="0" err="1" smtClean="0"/>
               <a:t>Inamori</a:t>
             </a:r>
             <a:r>
-              <a:rPr lang="en-US" altLang="ja-JP" dirty="0" smtClean="0"/>
+              <a:rPr lang="en-US" altLang="ja-JP" sz="9600" dirty="0" smtClean="0"/>
               <a:t>(@</a:t>
             </a:r>
             <a:r>
-              <a:rPr lang="en-US" altLang="ja-JP" dirty="0" err="1" smtClean="0"/>
+              <a:rPr lang="en-US" altLang="ja-JP" sz="9600" dirty="0" err="1" smtClean="0"/>
               <a:t>ainamori</a:t>
             </a:r>
             <a:r>
-              <a:rPr lang="en-US" altLang="ja-JP" dirty="0" smtClean="0"/>
+              <a:rPr lang="en-US" altLang="ja-JP" sz="9600" dirty="0" smtClean="0"/>
               <a:t>)</a:t>
             </a:r>
           </a:p>
           <a:p>
-            <a:r>
-              <a:rPr lang="en-US" altLang="ja-JP" dirty="0" smtClean="0"/>
+            <a:pPr algn="r"/>
+            <a:r>
+              <a:rPr lang="en-US" altLang="ja-JP" sz="9600" dirty="0" smtClean="0"/>
               <a:t>IIJ</a:t>
             </a:r>
           </a:p>
           <a:p>
-            <a:r>
-              <a:rPr lang="en-US" altLang="ja-JP" dirty="0" smtClean="0"/>
+            <a:pPr algn="r"/>
+            <a:r>
+              <a:rPr lang="en-US" altLang="ja-JP" sz="9600" dirty="0" smtClean="0"/>
               <a:t>2020/08/29</a:t>
             </a:r>
           </a:p>
           <a:p>
-            <a:r>
-              <a:rPr lang="en-US" altLang="ja-JP" dirty="0" err="1" smtClean="0"/>
+            <a:pPr algn="r"/>
+            <a:r>
+              <a:rPr lang="en-US" altLang="ja-JP" sz="9600" dirty="0" err="1" smtClean="0"/>
               <a:t>PyConJP</a:t>
             </a:r>
             <a:r>
-              <a:rPr lang="en-US" altLang="ja-JP" dirty="0" smtClean="0"/>
+              <a:rPr lang="en-US" altLang="ja-JP" sz="9600" dirty="0" smtClean="0"/>
               <a:t> 2020</a:t>
             </a:r>
           </a:p>
@@ -3368,10 +6504,301 @@
   <p:clrMapOvr>
     <a:masterClrMapping/>
   </p:clrMapOvr>
+  <p:timing>
+    <p:tnLst>
+      <p:par>
+        <p:cTn id="1" dur="indefinite" restart="never" nodeType="tmRoot"/>
+      </p:par>
+    </p:tnLst>
+  </p:timing>
 </p:sld>
 </file>
 
 <file path=ppt/slides/slide10.xml><?xml version="1.0" encoding="utf-8"?>
+<p:sld xmlns:a="http://schemas.openxmlformats.org/drawingml/2006/main" xmlns:r="http://schemas.openxmlformats.org/officeDocument/2006/relationships" xmlns:p="http://schemas.openxmlformats.org/presentationml/2006/main">
+  <p:cSld>
+    <p:spTree>
+      <p:nvGrpSpPr>
+        <p:cNvPr id="1" name=""/>
+        <p:cNvGrpSpPr/>
+        <p:nvPr/>
+      </p:nvGrpSpPr>
+      <p:grpSpPr>
+        <a:xfrm>
+          <a:off x="0" y="0"/>
+          <a:ext cx="0" cy="0"/>
+          <a:chOff x="0" y="0"/>
+          <a:chExt cx="0" cy="0"/>
+        </a:xfrm>
+      </p:grpSpPr>
+      <p:sp>
+        <p:nvSpPr>
+          <p:cNvPr id="2" name="タイトル 1"/>
+          <p:cNvSpPr>
+            <a:spLocks noGrp="1"/>
+          </p:cNvSpPr>
+          <p:nvPr>
+            <p:ph type="title"/>
+          </p:nvPr>
+        </p:nvSpPr>
+        <p:spPr/>
+        <p:txBody>
+          <a:bodyPr/>
+          <a:lstStyle/>
+          <a:p>
+            <a:r>
+              <a:rPr kumimoji="1" lang="en-US" altLang="ja-JP" dirty="0" err="1" smtClean="0"/>
+              <a:t>Connexion</a:t>
+            </a:r>
+            <a:r>
+              <a:rPr kumimoji="1" lang="en-US" altLang="ja-JP" dirty="0" smtClean="0"/>
+              <a:t> </a:t>
+            </a:r>
+            <a:r>
+              <a:rPr kumimoji="1" lang="ja-JP" altLang="en-US" dirty="0" smtClean="0"/>
+              <a:t>の利点・欠点</a:t>
+            </a:r>
+            <a:endParaRPr kumimoji="1" lang="ja-JP" altLang="en-US" dirty="0"/>
+          </a:p>
+        </p:txBody>
+      </p:sp>
+      <p:sp>
+        <p:nvSpPr>
+          <p:cNvPr id="3" name="コンテンツ プレースホルダー 2"/>
+          <p:cNvSpPr>
+            <a:spLocks noGrp="1"/>
+          </p:cNvSpPr>
+          <p:nvPr>
+            <p:ph idx="1"/>
+          </p:nvPr>
+        </p:nvSpPr>
+        <p:spPr/>
+        <p:txBody>
+          <a:bodyPr>
+            <a:normAutofit fontScale="92500" lnSpcReduction="10000"/>
+          </a:bodyPr>
+          <a:lstStyle/>
+          <a:p>
+            <a:r>
+              <a:rPr kumimoji="1" lang="ja-JP" altLang="en-US" dirty="0" smtClean="0"/>
+              <a:t>利点</a:t>
+            </a:r>
+            <a:endParaRPr kumimoji="1" lang="en-US" altLang="ja-JP" dirty="0" smtClean="0"/>
+          </a:p>
+          <a:p>
+            <a:pPr lvl="1"/>
+            <a:r>
+              <a:rPr lang="ja-JP" altLang="en-US" dirty="0" smtClean="0"/>
+              <a:t>何を作らなければいけないかが誰にでも分かる</a:t>
+            </a:r>
+            <a:endParaRPr lang="en-US" altLang="ja-JP" dirty="0"/>
+          </a:p>
+          <a:p>
+            <a:pPr lvl="2"/>
+            <a:r>
+              <a:rPr lang="en-US" altLang="ja-JP" dirty="0" smtClean="0"/>
+              <a:t>python</a:t>
+            </a:r>
+            <a:r>
+              <a:rPr lang="ja-JP" altLang="en-US" dirty="0" smtClean="0"/>
+              <a:t>コードを読まなくても動作が分かるのは</a:t>
+            </a:r>
+            <a:r>
+              <a:rPr lang="ja-JP" altLang="en-US" b="1" dirty="0" smtClean="0"/>
+              <a:t>他の人</a:t>
+            </a:r>
+            <a:r>
+              <a:rPr lang="ja-JP" altLang="en-US" dirty="0" smtClean="0"/>
+              <a:t>には好ましい</a:t>
+            </a:r>
+            <a:endParaRPr lang="en-US" altLang="ja-JP" dirty="0" smtClean="0"/>
+          </a:p>
+          <a:p>
+            <a:pPr lvl="1"/>
+            <a:r>
+              <a:rPr lang="ja-JP" altLang="en-US" dirty="0" smtClean="0"/>
+              <a:t>操作マニュアルがそのまま作られる</a:t>
+            </a:r>
+            <a:endParaRPr lang="en-US" altLang="ja-JP" dirty="0" smtClean="0"/>
+          </a:p>
+          <a:p>
+            <a:pPr lvl="2"/>
+            <a:r>
+              <a:rPr lang="ja-JP" altLang="en-US" dirty="0" smtClean="0"/>
+              <a:t>・・が、</a:t>
+            </a:r>
+            <a:r>
+              <a:rPr lang="en-US" altLang="ja-JP" dirty="0" smtClean="0"/>
+              <a:t>flask</a:t>
+            </a:r>
+            <a:r>
+              <a:rPr lang="ja-JP" altLang="en-US" dirty="0"/>
+              <a:t> </a:t>
+            </a:r>
+            <a:r>
+              <a:rPr lang="en-US" altLang="ja-JP" dirty="0" smtClean="0"/>
+              <a:t>native</a:t>
+            </a:r>
+            <a:r>
+              <a:rPr lang="ja-JP" altLang="en-US" dirty="0" smtClean="0"/>
+              <a:t>でも</a:t>
+            </a:r>
+            <a:r>
+              <a:rPr lang="en-US" altLang="ja-JP" dirty="0" smtClean="0"/>
+              <a:t>swagger</a:t>
+            </a:r>
+            <a:r>
+              <a:rPr lang="ja-JP" altLang="en-US" dirty="0" smtClean="0"/>
+              <a:t>を自動生成は普通にできる</a:t>
+            </a:r>
+            <a:endParaRPr lang="en-US" altLang="ja-JP" dirty="0"/>
+          </a:p>
+          <a:p>
+            <a:r>
+              <a:rPr kumimoji="1" lang="ja-JP" altLang="en-US" dirty="0" smtClean="0"/>
+              <a:t>欠点</a:t>
+            </a:r>
+            <a:endParaRPr kumimoji="1" lang="en-US" altLang="ja-JP" dirty="0" smtClean="0"/>
+          </a:p>
+          <a:p>
+            <a:pPr lvl="1"/>
+            <a:r>
+              <a:rPr kumimoji="1" lang="en-US" altLang="ja-JP" dirty="0" err="1" smtClean="0"/>
+              <a:t>OpenAPI</a:t>
+            </a:r>
+            <a:r>
+              <a:rPr kumimoji="1" lang="ja-JP" altLang="en-US" dirty="0" smtClean="0"/>
+              <a:t>に定義された全ての機能が使えるわけではない</a:t>
+            </a:r>
+            <a:endParaRPr kumimoji="1" lang="en-US" altLang="ja-JP" dirty="0" smtClean="0"/>
+          </a:p>
+          <a:p>
+            <a:pPr lvl="2"/>
+            <a:r>
+              <a:rPr kumimoji="1" lang="en-US" altLang="ja-JP" dirty="0" smtClean="0"/>
+              <a:t>$ref</a:t>
+            </a:r>
+            <a:r>
+              <a:rPr kumimoji="1" lang="ja-JP" altLang="en-US" dirty="0" smtClean="0"/>
+              <a:t>周りは結構怪しい</a:t>
+            </a:r>
+            <a:endParaRPr kumimoji="1" lang="en-US" altLang="ja-JP" dirty="0" smtClean="0"/>
+          </a:p>
+          <a:p>
+            <a:pPr lvl="2"/>
+            <a:r>
+              <a:rPr lang="en-US" altLang="ja-JP" dirty="0" err="1" smtClean="0"/>
+              <a:t>swagger.yml</a:t>
+            </a:r>
+            <a:r>
+              <a:rPr lang="ja-JP" altLang="en-US" dirty="0" smtClean="0"/>
+              <a:t>を</a:t>
+            </a:r>
+            <a:r>
+              <a:rPr lang="en-US" altLang="ja-JP" dirty="0" smtClean="0"/>
+              <a:t>1</a:t>
+            </a:r>
+            <a:r>
+              <a:rPr lang="ja-JP" altLang="en-US" dirty="0" err="1" smtClean="0"/>
+              <a:t>つしか</a:t>
+            </a:r>
+            <a:r>
+              <a:rPr lang="ja-JP" altLang="en-US" dirty="0" smtClean="0"/>
+              <a:t>読み込めない</a:t>
+            </a:r>
+            <a:r>
+              <a:rPr lang="en-US" altLang="ja-JP" dirty="0" smtClean="0"/>
+              <a:t>(include</a:t>
+            </a:r>
+            <a:r>
+              <a:rPr lang="ja-JP" altLang="en-US" dirty="0" smtClean="0"/>
+              <a:t>できない）ので肥大化する</a:t>
+            </a:r>
+            <a:endParaRPr lang="en-US" altLang="ja-JP" dirty="0" smtClean="0"/>
+          </a:p>
+          <a:p>
+            <a:pPr lvl="2"/>
+            <a:r>
+              <a:rPr lang="ja-JP" altLang="en-US" dirty="0" smtClean="0"/>
+              <a:t>最近、</a:t>
+            </a:r>
+            <a:r>
+              <a:rPr lang="en-US" altLang="ja-JP" dirty="0" smtClean="0"/>
+              <a:t>server</a:t>
+            </a:r>
+            <a:r>
+              <a:rPr lang="ja-JP" altLang="en-US" dirty="0" smtClean="0"/>
+              <a:t>エントリに複数の対象が書けなくなった</a:t>
+            </a:r>
+            <a:endParaRPr lang="en-US" altLang="ja-JP" dirty="0" smtClean="0"/>
+          </a:p>
+          <a:p>
+            <a:pPr lvl="1"/>
+            <a:r>
+              <a:rPr lang="ja-JP" altLang="en-US" dirty="0" smtClean="0"/>
+              <a:t>呼び出せるものが</a:t>
+            </a:r>
+            <a:r>
+              <a:rPr lang="en-US" altLang="ja-JP" dirty="0" smtClean="0"/>
+              <a:t>method</a:t>
+            </a:r>
+            <a:r>
+              <a:rPr lang="ja-JP" altLang="en-US" dirty="0" smtClean="0"/>
+              <a:t>のみ</a:t>
+            </a:r>
+            <a:endParaRPr lang="en-US" altLang="ja-JP" dirty="0" smtClean="0"/>
+          </a:p>
+          <a:p>
+            <a:pPr lvl="2"/>
+            <a:r>
+              <a:rPr lang="ja-JP" altLang="en-US" dirty="0" smtClean="0"/>
+              <a:t>クラスを使う場合は</a:t>
+            </a:r>
+            <a:r>
+              <a:rPr lang="en-US" altLang="ja-JP" dirty="0" err="1" smtClean="0"/>
+              <a:t>classmethid</a:t>
+            </a:r>
+            <a:r>
+              <a:rPr lang="ja-JP" altLang="en-US" dirty="0" smtClean="0"/>
+              <a:t>とか</a:t>
+            </a:r>
+            <a:r>
+              <a:rPr lang="en-US" altLang="ja-JP" dirty="0" err="1" smtClean="0"/>
+              <a:t>staticmethod</a:t>
+            </a:r>
+            <a:r>
+              <a:rPr lang="ja-JP" altLang="en-US" dirty="0" smtClean="0"/>
+              <a:t>にする必要がある</a:t>
+            </a:r>
+            <a:endParaRPr lang="en-US" altLang="ja-JP" dirty="0"/>
+          </a:p>
+          <a:p>
+            <a:pPr lvl="1"/>
+            <a:endParaRPr kumimoji="1" lang="en-US" altLang="ja-JP" dirty="0" smtClean="0"/>
+          </a:p>
+        </p:txBody>
+      </p:sp>
+    </p:spTree>
+    <p:extLst>
+      <p:ext uri="{BB962C8B-B14F-4D97-AF65-F5344CB8AC3E}">
+        <p14:creationId xmlns:p14="http://schemas.microsoft.com/office/powerpoint/2010/main" val="2586340458"/>
+      </p:ext>
+    </p:extLst>
+  </p:cSld>
+  <p:clrMapOvr>
+    <a:masterClrMapping/>
+  </p:clrMapOvr>
+  <p:timing>
+    <p:tnLst>
+      <p:par>
+        <p:cTn id="1" dur="indefinite" restart="never" nodeType="tmRoot"/>
+      </p:par>
+    </p:tnLst>
+  </p:timing>
+</p:sld>
+</file>
+
+<file path=ppt/slides/slide11.xml><?xml version="1.0" encoding="utf-8"?>
 <p:sld xmlns:a="http://schemas.openxmlformats.org/drawingml/2006/main" xmlns:r="http://schemas.openxmlformats.org/officeDocument/2006/relationships" xmlns:p="http://schemas.openxmlformats.org/presentationml/2006/main">
   <p:cSld>
     <p:spTree>
@@ -3574,9 +7001,16 @@
             <p:ph idx="1"/>
           </p:nvPr>
         </p:nvSpPr>
-        <p:spPr/>
-        <p:txBody>
-          <a:bodyPr/>
+        <p:spPr>
+          <a:xfrm>
+            <a:off x="1103311" y="2052918"/>
+            <a:ext cx="10258449" cy="4195481"/>
+          </a:xfrm>
+        </p:spPr>
+        <p:txBody>
+          <a:bodyPr>
+            <a:normAutofit lnSpcReduction="10000"/>
+          </a:bodyPr>
           <a:lstStyle/>
           <a:p>
             <a:r>
@@ -3756,6 +7190,13 @@
   <p:clrMapOvr>
     <a:masterClrMapping/>
   </p:clrMapOvr>
+  <p:timing>
+    <p:tnLst>
+      <p:par>
+        <p:cTn id="1" dur="indefinite" restart="never" nodeType="tmRoot"/>
+      </p:par>
+    </p:tnLst>
+  </p:timing>
 </p:sld>
 </file>
 
@@ -3817,7 +7258,7 @@
         </p:spPr>
         <p:txBody>
           <a:bodyPr>
-            <a:normAutofit fontScale="92500" lnSpcReduction="10000"/>
+            <a:normAutofit/>
           </a:bodyPr>
           <a:lstStyle/>
           <a:p>
@@ -3893,7 +7334,11 @@
             </a:r>
             <a:r>
               <a:rPr lang="ja-JP" altLang="en-US" dirty="0" smtClean="0"/>
-              <a:t>問わずそのまま使える事はごく希。</a:t>
+              <a:t>問わず、パッケージそのままで運用に使える</a:t>
+            </a:r>
+            <a:r>
+              <a:rPr lang="ja-JP" altLang="en-US" dirty="0" smtClean="0"/>
+              <a:t>事はごく希。</a:t>
             </a:r>
             <a:endParaRPr lang="en-US" altLang="ja-JP" dirty="0" smtClean="0"/>
           </a:p>
@@ -3938,6 +7383,13 @@
   <p:clrMapOvr>
     <a:masterClrMapping/>
   </p:clrMapOvr>
+  <p:timing>
+    <p:tnLst>
+      <p:par>
+        <p:cTn id="1" dur="indefinite" restart="never" nodeType="tmRoot"/>
+      </p:par>
+    </p:tnLst>
+  </p:timing>
 </p:sld>
 </file>
 
@@ -3958,6 +7410,204 @@
           <a:chExt cx="0" cy="0"/>
         </a:xfrm>
       </p:grpSpPr>
+      <p:sp>
+        <p:nvSpPr>
+          <p:cNvPr id="2" name="タイトル 1"/>
+          <p:cNvSpPr>
+            <a:spLocks noGrp="1"/>
+          </p:cNvSpPr>
+          <p:nvPr>
+            <p:ph type="title"/>
+          </p:nvPr>
+        </p:nvSpPr>
+        <p:spPr/>
+        <p:txBody>
+          <a:bodyPr/>
+          <a:lstStyle/>
+          <a:p>
+            <a:r>
+              <a:rPr kumimoji="1" lang="ja-JP" altLang="en-US" dirty="0" smtClean="0"/>
+              <a:t>運用の自動化・</a:t>
+            </a:r>
+            <a:r>
+              <a:rPr kumimoji="1" lang="en-US" altLang="ja-JP" dirty="0" smtClean="0"/>
+              <a:t>API</a:t>
+            </a:r>
+            <a:r>
+              <a:rPr kumimoji="1" lang="ja-JP" altLang="en-US" dirty="0" smtClean="0"/>
+              <a:t>化</a:t>
+            </a:r>
+            <a:endParaRPr kumimoji="1" lang="ja-JP" altLang="en-US" dirty="0"/>
+          </a:p>
+        </p:txBody>
+      </p:sp>
+      <p:sp>
+        <p:nvSpPr>
+          <p:cNvPr id="3" name="コンテンツ プレースホルダー 2"/>
+          <p:cNvSpPr>
+            <a:spLocks noGrp="1"/>
+          </p:cNvSpPr>
+          <p:nvPr>
+            <p:ph idx="1"/>
+          </p:nvPr>
+        </p:nvSpPr>
+        <p:spPr/>
+        <p:txBody>
+          <a:bodyPr/>
+          <a:lstStyle/>
+          <a:p>
+            <a:r>
+              <a:rPr kumimoji="1" lang="ja-JP" altLang="en-US" dirty="0" smtClean="0"/>
+              <a:t>誰もが夢見るユートピア</a:t>
+            </a:r>
+            <a:endParaRPr kumimoji="1" lang="en-US" altLang="ja-JP" dirty="0" smtClean="0"/>
+          </a:p>
+          <a:p>
+            <a:pPr lvl="1"/>
+            <a:r>
+              <a:rPr kumimoji="1" lang="ja-JP" altLang="en-US" dirty="0" smtClean="0"/>
+              <a:t>誰かがね、こういうパラメータを作ったら自動でできちゃうようなシステムをね。</a:t>
+            </a:r>
+            <a:endParaRPr lang="en-US" altLang="ja-JP" dirty="0" smtClean="0"/>
+          </a:p>
+          <a:p>
+            <a:endParaRPr kumimoji="1" lang="en-US" altLang="ja-JP" dirty="0"/>
+          </a:p>
+          <a:p>
+            <a:r>
+              <a:rPr kumimoji="1" lang="ja-JP" altLang="en-US" dirty="0" smtClean="0"/>
+              <a:t>面倒くさいことは全部スクリプトなりツールを作ってね</a:t>
+            </a:r>
+            <a:endParaRPr kumimoji="1" lang="en-US" altLang="ja-JP" dirty="0" smtClean="0"/>
+          </a:p>
+          <a:p>
+            <a:pPr lvl="1"/>
+            <a:r>
+              <a:rPr kumimoji="1" lang="ja-JP" altLang="en-US" dirty="0" smtClean="0"/>
+              <a:t>面倒くさいことは全部</a:t>
+            </a:r>
+            <a:r>
+              <a:rPr kumimoji="1" lang="en-US" altLang="ja-JP" dirty="0" smtClean="0"/>
+              <a:t>Python</a:t>
+            </a:r>
+            <a:r>
+              <a:rPr kumimoji="1" lang="ja-JP" altLang="en-US" dirty="0" smtClean="0"/>
+              <a:t>にやらせよう？</a:t>
+            </a:r>
+            <a:endParaRPr kumimoji="1" lang="en-US" altLang="ja-JP" dirty="0" smtClean="0"/>
+          </a:p>
+        </p:txBody>
+      </p:sp>
+      <p:pic>
+        <p:nvPicPr>
+          <p:cNvPr id="4" name="図 3"/>
+          <p:cNvPicPr>
+            <a:picLocks noChangeAspect="1"/>
+          </p:cNvPicPr>
+          <p:nvPr/>
+        </p:nvPicPr>
+        <p:blipFill>
+          <a:blip r:embed="rId2">
+            <a:extLst>
+              <a:ext uri="{28A0092B-C50C-407E-A947-70E740481C1C}">
+                <a14:useLocalDpi xmlns:a14="http://schemas.microsoft.com/office/drawing/2010/main" val="0"/>
+              </a:ext>
+            </a:extLst>
+          </a:blip>
+          <a:stretch>
+            <a:fillRect/>
+          </a:stretch>
+        </p:blipFill>
+        <p:spPr>
+          <a:xfrm>
+            <a:off x="9496852" y="4533899"/>
+            <a:ext cx="1714500" cy="1714500"/>
+          </a:xfrm>
+          <a:prstGeom prst="rect">
+            <a:avLst/>
+          </a:prstGeom>
+        </p:spPr>
+      </p:pic>
+    </p:spTree>
+    <p:extLst>
+      <p:ext uri="{BB962C8B-B14F-4D97-AF65-F5344CB8AC3E}">
+        <p14:creationId xmlns:p14="http://schemas.microsoft.com/office/powerpoint/2010/main" val="3083881866"/>
+      </p:ext>
+    </p:extLst>
+  </p:cSld>
+  <p:clrMapOvr>
+    <a:masterClrMapping/>
+  </p:clrMapOvr>
+  <p:timing>
+    <p:tnLst>
+      <p:par>
+        <p:cTn id="1" dur="indefinite" restart="never" nodeType="tmRoot"/>
+      </p:par>
+    </p:tnLst>
+  </p:timing>
+</p:sld>
+</file>
+
+<file path=ppt/slides/slide5.xml><?xml version="1.0" encoding="utf-8"?>
+<p:sld xmlns:a="http://schemas.openxmlformats.org/drawingml/2006/main" xmlns:r="http://schemas.openxmlformats.org/officeDocument/2006/relationships" xmlns:p="http://schemas.openxmlformats.org/presentationml/2006/main">
+  <p:cSld>
+    <p:spTree>
+      <p:nvGrpSpPr>
+        <p:cNvPr id="1" name=""/>
+        <p:cNvGrpSpPr/>
+        <p:nvPr/>
+      </p:nvGrpSpPr>
+      <p:grpSpPr>
+        <a:xfrm>
+          <a:off x="0" y="0"/>
+          <a:ext cx="0" cy="0"/>
+          <a:chOff x="0" y="0"/>
+          <a:chExt cx="0" cy="0"/>
+        </a:xfrm>
+      </p:grpSpPr>
+      <p:sp>
+        <p:nvSpPr>
+          <p:cNvPr id="3" name="タイトル 2"/>
+          <p:cNvSpPr>
+            <a:spLocks noGrp="1"/>
+          </p:cNvSpPr>
+          <p:nvPr>
+            <p:ph type="title"/>
+          </p:nvPr>
+        </p:nvSpPr>
+        <p:spPr/>
+        <p:txBody>
+          <a:bodyPr/>
+          <a:lstStyle/>
+          <a:p>
+            <a:r>
+              <a:rPr lang="en-US" altLang="ja-JP" dirty="0" smtClean="0"/>
+              <a:t>puppet</a:t>
+            </a:r>
+            <a:r>
+              <a:rPr lang="en-US" altLang="ja-JP" dirty="0"/>
+              <a:t>, chef, </a:t>
+            </a:r>
+            <a:r>
+              <a:rPr lang="en-US" altLang="ja-JP" dirty="0" err="1" smtClean="0"/>
+              <a:t>ansible</a:t>
+            </a:r>
+            <a:r>
+              <a:rPr lang="en-US" altLang="ja-JP" dirty="0" smtClean="0"/>
+              <a:t>…</a:t>
+            </a:r>
+            <a:r>
+              <a:rPr lang="en-US" altLang="ja-JP" dirty="0" err="1" smtClean="0"/>
+              <a:t>etc,etc</a:t>
+            </a:r>
+            <a:r>
+              <a:rPr lang="en-US" altLang="ja-JP" dirty="0" smtClean="0"/>
+              <a:t>…</a:t>
+            </a:r>
+            <a:endParaRPr kumimoji="1" lang="ja-JP" altLang="en-US" dirty="0"/>
+          </a:p>
+        </p:txBody>
+      </p:sp>
       <p:pic>
         <p:nvPicPr>
           <p:cNvPr id="4" name="コンテンツ プレースホルダー 3"/>
@@ -4039,45 +7689,6 @@
       </p:sp>
       <p:sp>
         <p:nvSpPr>
-          <p:cNvPr id="3" name="タイトル 2"/>
-          <p:cNvSpPr>
-            <a:spLocks noGrp="1"/>
-          </p:cNvSpPr>
-          <p:nvPr>
-            <p:ph type="title"/>
-          </p:nvPr>
-        </p:nvSpPr>
-        <p:spPr/>
-        <p:txBody>
-          <a:bodyPr/>
-          <a:lstStyle/>
-          <a:p>
-            <a:r>
-              <a:rPr lang="en-US" altLang="ja-JP" dirty="0"/>
-              <a:t>puppet, chef, </a:t>
-            </a:r>
-            <a:r>
-              <a:rPr lang="en-US" altLang="ja-JP" dirty="0" err="1" smtClean="0"/>
-              <a:t>ansible</a:t>
-            </a:r>
-            <a:r>
-              <a:rPr lang="en-US" altLang="ja-JP" dirty="0" smtClean="0"/>
-              <a:t>…</a:t>
-            </a:r>
-            <a:r>
-              <a:rPr lang="en-US" altLang="ja-JP" dirty="0" err="1" smtClean="0"/>
-              <a:t>etc,etc</a:t>
-            </a:r>
-            <a:r>
-              <a:rPr lang="en-US" altLang="ja-JP" dirty="0" smtClean="0"/>
-              <a:t>…</a:t>
-            </a:r>
-            <a:endParaRPr kumimoji="1" lang="ja-JP" altLang="en-US" dirty="0"/>
-          </a:p>
-        </p:txBody>
-      </p:sp>
-      <p:sp>
-        <p:nvSpPr>
           <p:cNvPr id="8" name="テキスト ボックス 7"/>
           <p:cNvSpPr txBox="1"/>
           <p:nvPr/>
@@ -4151,177 +7762,84 @@
   <p:clrMapOvr>
     <a:masterClrMapping/>
   </p:clrMapOvr>
-</p:sld>
-</file>
-
-<file path=ppt/slides/slide5.xml><?xml version="1.0" encoding="utf-8"?>
-<p:sld xmlns:a="http://schemas.openxmlformats.org/drawingml/2006/main" xmlns:r="http://schemas.openxmlformats.org/officeDocument/2006/relationships" xmlns:p="http://schemas.openxmlformats.org/presentationml/2006/main">
-  <p:cSld>
-    <p:spTree>
-      <p:nvGrpSpPr>
-        <p:cNvPr id="1" name=""/>
-        <p:cNvGrpSpPr/>
-        <p:nvPr/>
-      </p:nvGrpSpPr>
-      <p:grpSpPr>
-        <a:xfrm>
-          <a:off x="0" y="0"/>
-          <a:ext cx="0" cy="0"/>
-          <a:chOff x="0" y="0"/>
-          <a:chExt cx="0" cy="0"/>
-        </a:xfrm>
-      </p:grpSpPr>
-      <p:sp>
-        <p:nvSpPr>
-          <p:cNvPr id="2" name="タイトル 1"/>
-          <p:cNvSpPr>
-            <a:spLocks noGrp="1"/>
-          </p:cNvSpPr>
-          <p:nvPr>
-            <p:ph type="title"/>
-          </p:nvPr>
-        </p:nvSpPr>
-        <p:spPr/>
-        <p:txBody>
-          <a:bodyPr/>
-          <a:lstStyle/>
-          <a:p>
-            <a:r>
-              <a:rPr lang="en-US" altLang="ja-JP" dirty="0" smtClean="0"/>
-              <a:t>The problem for development</a:t>
-            </a:r>
-            <a:endParaRPr kumimoji="1" lang="ja-JP" altLang="en-US" dirty="0"/>
-          </a:p>
-        </p:txBody>
-      </p:sp>
-      <p:sp>
-        <p:nvSpPr>
-          <p:cNvPr id="3" name="コンテンツ プレースホルダー 2"/>
-          <p:cNvSpPr>
-            <a:spLocks noGrp="1"/>
-          </p:cNvSpPr>
-          <p:nvPr>
-            <p:ph idx="1"/>
-          </p:nvPr>
-        </p:nvSpPr>
-        <p:spPr/>
-        <p:txBody>
-          <a:bodyPr>
-            <a:normAutofit/>
-          </a:bodyPr>
-          <a:lstStyle/>
-          <a:p>
-            <a:r>
-              <a:rPr kumimoji="1" lang="ja-JP" altLang="en-US" dirty="0" smtClean="0"/>
-              <a:t>様々な言語、書式が入り交じったシステム</a:t>
-            </a:r>
-            <a:endParaRPr kumimoji="1" lang="en-US" altLang="ja-JP" dirty="0" smtClean="0"/>
-          </a:p>
-          <a:p>
-            <a:pPr lvl="1"/>
-            <a:r>
-              <a:rPr kumimoji="1" lang="ja-JP" altLang="en-US" dirty="0" smtClean="0"/>
-              <a:t>節操ないといえばそれまでだが</a:t>
-            </a:r>
-            <a:r>
-              <a:rPr kumimoji="1" lang="en-US" altLang="ja-JP" dirty="0" smtClean="0"/>
-              <a:t/>
-            </a:r>
-            <a:br>
-              <a:rPr kumimoji="1" lang="en-US" altLang="ja-JP" dirty="0" smtClean="0"/>
-            </a:br>
-            <a:r>
-              <a:rPr kumimoji="1" lang="ja-JP" altLang="en-US" dirty="0" smtClean="0"/>
-              <a:t>当時はそれしか無かったと言う物も多数</a:t>
-            </a:r>
-            <a:endParaRPr kumimoji="1" lang="en-US" altLang="ja-JP" dirty="0" smtClean="0"/>
-          </a:p>
-          <a:p>
-            <a:r>
-              <a:rPr kumimoji="1" lang="ja-JP" altLang="en-US" dirty="0" smtClean="0"/>
-              <a:t>明確な仕様書は無いが、設定ファイルは豊富にある</a:t>
-            </a:r>
-            <a:endParaRPr kumimoji="1" lang="en-US" altLang="ja-JP" dirty="0" smtClean="0"/>
-          </a:p>
-          <a:p>
-            <a:pPr lvl="1"/>
-            <a:r>
-              <a:rPr kumimoji="1" lang="ja-JP" altLang="en-US" dirty="0" smtClean="0"/>
-              <a:t>ドキュメントのメンテナンスが不十分なのはいつものこと</a:t>
-            </a:r>
-            <a:endParaRPr kumimoji="1" lang="en-US" altLang="ja-JP" dirty="0" smtClean="0"/>
-          </a:p>
-          <a:p>
-            <a:pPr lvl="2"/>
-            <a:r>
-              <a:rPr lang="en-US" altLang="ja-JP" b="1" dirty="0" err="1">
-                <a:solidFill>
-                  <a:srgbClr val="FF0000"/>
-                </a:solidFill>
-              </a:rPr>
-              <a:t>d</a:t>
-            </a:r>
-            <a:r>
-              <a:rPr lang="en-US" altLang="ja-JP" b="1" dirty="0" err="1" smtClean="0">
-                <a:solidFill>
-                  <a:srgbClr val="FF0000"/>
-                </a:solidFill>
-              </a:rPr>
-              <a:t>ocstrings</a:t>
-            </a:r>
-            <a:r>
-              <a:rPr lang="en-US" altLang="ja-JP" b="1" dirty="0" smtClean="0">
-                <a:solidFill>
-                  <a:srgbClr val="FF0000"/>
-                </a:solidFill>
-              </a:rPr>
-              <a:t> </a:t>
-            </a:r>
-            <a:r>
-              <a:rPr lang="ja-JP" altLang="en-US" b="1" dirty="0" smtClean="0">
-                <a:solidFill>
-                  <a:srgbClr val="FF0000"/>
-                </a:solidFill>
-              </a:rPr>
-              <a:t>を書こう！ </a:t>
-            </a:r>
-            <a:endParaRPr lang="en-US" altLang="ja-JP" b="1" dirty="0" smtClean="0">
-              <a:solidFill>
-                <a:srgbClr val="FF0000"/>
-              </a:solidFill>
-            </a:endParaRPr>
-          </a:p>
-          <a:p>
-            <a:r>
-              <a:rPr kumimoji="1" lang="ja-JP" altLang="en-US" dirty="0" smtClean="0"/>
-              <a:t>いつでもどこでも誰でも動かせるものを作る</a:t>
-            </a:r>
-            <a:endParaRPr kumimoji="1" lang="en-US" altLang="ja-JP" dirty="0" smtClean="0"/>
-          </a:p>
-          <a:p>
-            <a:pPr lvl="1"/>
-            <a:r>
-              <a:rPr lang="en-US" altLang="ja-JP" dirty="0" smtClean="0"/>
-              <a:t>Docker</a:t>
-            </a:r>
-            <a:r>
-              <a:rPr lang="ja-JP" altLang="en-US" dirty="0" smtClean="0"/>
-              <a:t>ですか、いい時代になりましたね・・・・</a:t>
-            </a:r>
-            <a:endParaRPr kumimoji="1" lang="en-US" altLang="ja-JP" dirty="0" smtClean="0"/>
-          </a:p>
-        </p:txBody>
-      </p:sp>
-    </p:spTree>
-    <p:extLst>
-      <p:ext uri="{BB962C8B-B14F-4D97-AF65-F5344CB8AC3E}">
-        <p14:creationId xmlns:p14="http://schemas.microsoft.com/office/powerpoint/2010/main" val="1987794211"/>
-      </p:ext>
-    </p:extLst>
-  </p:cSld>
-  <p:clrMapOvr>
-    <a:masterClrMapping/>
-  </p:clrMapOvr>
+  <p:timing>
+    <p:tnLst>
+      <p:par>
+        <p:cTn id="1" dur="indefinite" restart="never" nodeType="tmRoot">
+          <p:childTnLst>
+            <p:seq concurrent="1" nextAc="seek">
+              <p:cTn id="2" dur="indefinite" nodeType="mainSeq">
+                <p:childTnLst>
+                  <p:par>
+                    <p:cTn id="3" fill="hold">
+                      <p:stCondLst>
+                        <p:cond delay="indefinite"/>
+                      </p:stCondLst>
+                      <p:childTnLst>
+                        <p:par>
+                          <p:cTn id="4" fill="hold">
+                            <p:stCondLst>
+                              <p:cond delay="0"/>
+                            </p:stCondLst>
+                            <p:childTnLst>
+                              <p:par>
+                                <p:cTn id="5" presetID="1" presetClass="entr" presetSubtype="0" fill="hold" grpId="0" nodeType="clickEffect">
+                                  <p:stCondLst>
+                                    <p:cond delay="0"/>
+                                  </p:stCondLst>
+                                  <p:childTnLst>
+                                    <p:set>
+                                      <p:cBhvr>
+                                        <p:cTn id="6" dur="1" fill="hold">
+                                          <p:stCondLst>
+                                            <p:cond delay="0"/>
+                                          </p:stCondLst>
+                                        </p:cTn>
+                                        <p:tgtEl>
+                                          <p:spTgt spid="6"/>
+                                        </p:tgtEl>
+                                        <p:attrNameLst>
+                                          <p:attrName>style.visibility</p:attrName>
+                                        </p:attrNameLst>
+                                      </p:cBhvr>
+                                      <p:to>
+                                        <p:strVal val="visible"/>
+                                      </p:to>
+                                    </p:set>
+                                  </p:childTnLst>
+                                </p:cTn>
+                              </p:par>
+                            </p:childTnLst>
+                          </p:cTn>
+                        </p:par>
+                      </p:childTnLst>
+                    </p:cTn>
+                  </p:par>
+                </p:childTnLst>
+              </p:cTn>
+              <p:prevCondLst>
+                <p:cond evt="onPrev" delay="0">
+                  <p:tgtEl>
+                    <p:sldTgt/>
+                  </p:tgtEl>
+                </p:cond>
+              </p:prevCondLst>
+              <p:nextCondLst>
+                <p:cond evt="onNext" delay="0">
+                  <p:tgtEl>
+                    <p:sldTgt/>
+                  </p:tgtEl>
+                </p:cond>
+              </p:nextCondLst>
+            </p:seq>
+          </p:childTnLst>
+        </p:cTn>
+      </p:par>
+    </p:tnLst>
+    <p:bldLst>
+      <p:bldP spid="6" grpId="0" animBg="1"/>
+    </p:bldLst>
+  </p:timing>
 </p:sld>
 </file>
 
@@ -4358,123 +7876,186 @@
           <a:lstStyle/>
           <a:p>
             <a:r>
+              <a:rPr lang="en-US" altLang="ja-JP" dirty="0" smtClean="0"/>
+              <a:t>The problem for development</a:t>
+            </a:r>
+            <a:endParaRPr kumimoji="1" lang="ja-JP" altLang="en-US" dirty="0"/>
+          </a:p>
+        </p:txBody>
+      </p:sp>
+      <p:sp>
+        <p:nvSpPr>
+          <p:cNvPr id="3" name="コンテンツ プレースホルダー 2"/>
+          <p:cNvSpPr>
+            <a:spLocks noGrp="1"/>
+          </p:cNvSpPr>
+          <p:nvPr>
+            <p:ph idx="1"/>
+          </p:nvPr>
+        </p:nvSpPr>
+        <p:spPr/>
+        <p:txBody>
+          <a:bodyPr>
+            <a:normAutofit/>
+          </a:bodyPr>
+          <a:lstStyle/>
+          <a:p>
+            <a:r>
+              <a:rPr kumimoji="1" lang="ja-JP" altLang="en-US" dirty="0" smtClean="0"/>
+              <a:t>様々な言語、書式が入り交じったシステム</a:t>
+            </a:r>
+            <a:endParaRPr kumimoji="1" lang="en-US" altLang="ja-JP" dirty="0" smtClean="0"/>
+          </a:p>
+          <a:p>
+            <a:pPr lvl="1"/>
+            <a:r>
+              <a:rPr kumimoji="1" lang="ja-JP" altLang="en-US" dirty="0" smtClean="0"/>
+              <a:t>節操ないといえばそれまでだが</a:t>
+            </a:r>
+            <a:r>
               <a:rPr kumimoji="1" lang="en-US" altLang="ja-JP" dirty="0" smtClean="0"/>
-              <a:t>Spec-driven Development</a:t>
-            </a:r>
-            <a:endParaRPr kumimoji="1" lang="ja-JP" altLang="en-US" dirty="0"/>
-          </a:p>
-        </p:txBody>
-      </p:sp>
-      <p:sp>
-        <p:nvSpPr>
-          <p:cNvPr id="3" name="コンテンツ プレースホルダー 2"/>
-          <p:cNvSpPr>
-            <a:spLocks noGrp="1"/>
-          </p:cNvSpPr>
-          <p:nvPr>
-            <p:ph idx="1"/>
-          </p:nvPr>
-        </p:nvSpPr>
-        <p:spPr/>
-        <p:txBody>
-          <a:bodyPr/>
-          <a:lstStyle/>
-          <a:p>
+              <a:t/>
+            </a:r>
+            <a:br>
+              <a:rPr kumimoji="1" lang="en-US" altLang="ja-JP" dirty="0" smtClean="0"/>
+            </a:br>
+            <a:r>
+              <a:rPr kumimoji="1" lang="ja-JP" altLang="en-US" dirty="0" smtClean="0"/>
+              <a:t>当時はそれしか無かったと言う物も多数</a:t>
+            </a:r>
+            <a:endParaRPr kumimoji="1" lang="en-US" altLang="ja-JP" dirty="0" smtClean="0"/>
+          </a:p>
+          <a:p>
+            <a:r>
+              <a:rPr kumimoji="1" lang="ja-JP" altLang="en-US" dirty="0" smtClean="0"/>
+              <a:t>明確な仕様書は無いが、設定</a:t>
+            </a:r>
+            <a:r>
+              <a:rPr kumimoji="1" lang="ja-JP" altLang="en-US" dirty="0" smtClean="0"/>
+              <a:t>ファイル（パラメータ）は</a:t>
+            </a:r>
+            <a:r>
+              <a:rPr kumimoji="1" lang="ja-JP" altLang="en-US" dirty="0" smtClean="0"/>
+              <a:t>豊富にある</a:t>
+            </a:r>
+            <a:endParaRPr kumimoji="1" lang="en-US" altLang="ja-JP" dirty="0" smtClean="0"/>
+          </a:p>
+          <a:p>
+            <a:pPr lvl="1"/>
+            <a:r>
+              <a:rPr kumimoji="1" lang="ja-JP" altLang="en-US" dirty="0" smtClean="0"/>
+              <a:t>ドキュメントのメンテナンスが不十分なのはいつものこと</a:t>
+            </a:r>
+            <a:endParaRPr kumimoji="1" lang="en-US" altLang="ja-JP" dirty="0" smtClean="0"/>
+          </a:p>
+          <a:p>
+            <a:pPr lvl="2"/>
+            <a:r>
+              <a:rPr lang="en-US" altLang="ja-JP" dirty="0" err="1">
+                <a:solidFill>
+                  <a:srgbClr val="FFFF00"/>
+                </a:solidFill>
+              </a:rPr>
+              <a:t>d</a:t>
+            </a:r>
+            <a:r>
+              <a:rPr lang="en-US" altLang="ja-JP" dirty="0" err="1" smtClean="0">
+                <a:solidFill>
+                  <a:srgbClr val="FFFF00"/>
+                </a:solidFill>
+              </a:rPr>
+              <a:t>ocstrings</a:t>
+            </a:r>
+            <a:r>
+              <a:rPr lang="en-US" altLang="ja-JP" dirty="0" smtClean="0">
+                <a:solidFill>
+                  <a:srgbClr val="FFFF00"/>
+                </a:solidFill>
+              </a:rPr>
+              <a:t> </a:t>
+            </a:r>
+            <a:r>
+              <a:rPr lang="ja-JP" altLang="en-US" dirty="0" smtClean="0">
+                <a:solidFill>
+                  <a:srgbClr val="FFFF00"/>
+                </a:solidFill>
+              </a:rPr>
+              <a:t>を書こう！ </a:t>
+            </a:r>
+            <a:endParaRPr lang="en-US" altLang="ja-JP" dirty="0" smtClean="0">
+              <a:solidFill>
+                <a:srgbClr val="FFFF00"/>
+              </a:solidFill>
+            </a:endParaRPr>
+          </a:p>
+          <a:p>
+            <a:r>
+              <a:rPr kumimoji="1" lang="ja-JP" altLang="en-US" dirty="0" smtClean="0"/>
+              <a:t>いつでもどこでも誰でも動かせるものを作る</a:t>
+            </a:r>
+            <a:endParaRPr kumimoji="1" lang="en-US" altLang="ja-JP" dirty="0" smtClean="0"/>
+          </a:p>
+          <a:p>
+            <a:pPr lvl="1"/>
+            <a:r>
+              <a:rPr lang="en-US" altLang="ja-JP" dirty="0" smtClean="0"/>
+              <a:t>Docker</a:t>
+            </a:r>
             <a:r>
               <a:rPr lang="ja-JP" altLang="en-US" dirty="0" smtClean="0"/>
-              <a:t>仕様書からコードが作れないか？</a:t>
-            </a:r>
-            <a:endParaRPr lang="en-US" altLang="ja-JP" dirty="0" smtClean="0"/>
-          </a:p>
-          <a:p>
-            <a:pPr lvl="1"/>
-            <a:r>
-              <a:rPr kumimoji="1" lang="ja-JP" altLang="en-US" dirty="0" smtClean="0"/>
-              <a:t>仕様書（ </a:t>
-            </a:r>
-            <a:r>
-              <a:rPr kumimoji="1" lang="en-US" altLang="ja-JP" dirty="0" err="1" smtClean="0"/>
-              <a:t>xxx.yaml</a:t>
-            </a:r>
-            <a:r>
-              <a:rPr kumimoji="1" lang="en-US" altLang="ja-JP" dirty="0" smtClean="0"/>
-              <a:t>, </a:t>
-            </a:r>
-            <a:r>
-              <a:rPr kumimoji="1" lang="en-US" altLang="ja-JP" dirty="0" err="1" smtClean="0"/>
-              <a:t>xxx.json</a:t>
-            </a:r>
-            <a:r>
-              <a:rPr lang="en-US" altLang="ja-JP" dirty="0" smtClean="0"/>
-              <a:t>, xxx.csv </a:t>
-            </a:r>
-            <a:r>
-              <a:rPr lang="ja-JP" altLang="en-US" dirty="0" smtClean="0"/>
-              <a:t>）は</a:t>
-            </a:r>
-            <a:r>
-              <a:rPr lang="ja-JP" altLang="en-US" dirty="0" smtClean="0"/>
-              <a:t>ある</a:t>
-            </a:r>
-            <a:r>
-              <a:rPr lang="ja-JP" altLang="en-US" dirty="0" smtClean="0"/>
-              <a:t>ので、</a:t>
-            </a:r>
-            <a:r>
-              <a:rPr lang="en-US" altLang="ja-JP" dirty="0" smtClean="0"/>
-              <a:t/>
-            </a:r>
-            <a:br>
-              <a:rPr lang="en-US" altLang="ja-JP" dirty="0" smtClean="0"/>
-            </a:br>
-            <a:r>
-              <a:rPr lang="ja-JP" altLang="en-US" dirty="0" smtClean="0"/>
-              <a:t>これらのファイルからコードが生成できれば良い</a:t>
-            </a:r>
-            <a:endParaRPr lang="en-US" altLang="ja-JP" dirty="0"/>
-          </a:p>
-          <a:p>
-            <a:pPr lvl="1"/>
-            <a:endParaRPr lang="en-US" altLang="ja-JP" dirty="0" smtClean="0"/>
-          </a:p>
-          <a:p>
-            <a:r>
-              <a:rPr lang="ja-JP" altLang="en-US" dirty="0" smtClean="0"/>
-              <a:t>・・が、</a:t>
-            </a:r>
-            <a:r>
-              <a:rPr lang="en-US" altLang="ja-JP" dirty="0" smtClean="0"/>
-              <a:t>csv2python </a:t>
-            </a:r>
-            <a:r>
-              <a:rPr lang="ja-JP" altLang="en-US" dirty="0" smtClean="0"/>
-              <a:t>等というツールはあるはずも無いので</a:t>
-            </a:r>
-            <a:r>
-              <a:rPr lang="en-US" altLang="ja-JP" dirty="0" smtClean="0"/>
-              <a:t/>
-            </a:r>
-            <a:br>
-              <a:rPr lang="en-US" altLang="ja-JP" dirty="0" smtClean="0"/>
-            </a:br>
-            <a:r>
-              <a:rPr lang="ja-JP" altLang="en-US" dirty="0" smtClean="0"/>
-              <a:t>せめてリンクしていれば良い</a:t>
-            </a:r>
-            <a:endParaRPr lang="en-US" altLang="ja-JP" dirty="0" smtClean="0"/>
-          </a:p>
-        </p:txBody>
-      </p:sp>
+              <a:t>ですか、いい時代になりましたね・・・・</a:t>
+            </a:r>
+            <a:endParaRPr kumimoji="1" lang="en-US" altLang="ja-JP" dirty="0" smtClean="0"/>
+          </a:p>
+        </p:txBody>
+      </p:sp>
+      <p:pic>
+        <p:nvPicPr>
+          <p:cNvPr id="4" name="図 3"/>
+          <p:cNvPicPr>
+            <a:picLocks noChangeAspect="1"/>
+          </p:cNvPicPr>
+          <p:nvPr/>
+        </p:nvPicPr>
+        <p:blipFill>
+          <a:blip r:embed="rId2">
+            <a:extLst>
+              <a:ext uri="{28A0092B-C50C-407E-A947-70E740481C1C}">
+                <a14:useLocalDpi xmlns:a14="http://schemas.microsoft.com/office/drawing/2010/main" val="0"/>
+              </a:ext>
+            </a:extLst>
+          </a:blip>
+          <a:stretch>
+            <a:fillRect/>
+          </a:stretch>
+        </p:blipFill>
+        <p:spPr>
+          <a:xfrm>
+            <a:off x="9947061" y="4842751"/>
+            <a:ext cx="1714500" cy="1714500"/>
+          </a:xfrm>
+          <a:prstGeom prst="rect">
+            <a:avLst/>
+          </a:prstGeom>
+        </p:spPr>
+      </p:pic>
     </p:spTree>
     <p:extLst>
       <p:ext uri="{BB962C8B-B14F-4D97-AF65-F5344CB8AC3E}">
-        <p14:creationId xmlns:p14="http://schemas.microsoft.com/office/powerpoint/2010/main" val="627961292"/>
+        <p14:creationId xmlns:p14="http://schemas.microsoft.com/office/powerpoint/2010/main" val="1987794211"/>
       </p:ext>
     </p:extLst>
   </p:cSld>
   <p:clrMapOvr>
     <a:masterClrMapping/>
   </p:clrMapOvr>
+  <p:timing>
+    <p:tnLst>
+      <p:par>
+        <p:cTn id="1" dur="indefinite" restart="never" nodeType="tmRoot"/>
+      </p:par>
+    </p:tnLst>
+  </p:timing>
 </p:sld>
 </file>
 
@@ -4511,16 +8092,8 @@
           <a:lstStyle/>
           <a:p>
             <a:r>
-              <a:rPr lang="en-US" altLang="ja-JP" dirty="0" smtClean="0"/>
-              <a:t>What is the </a:t>
-            </a:r>
-            <a:r>
-              <a:rPr lang="en-US" altLang="ja-JP" dirty="0" err="1" smtClean="0"/>
-              <a:t>Connexion</a:t>
-            </a:r>
-            <a:r>
-              <a:rPr lang="en-US" altLang="ja-JP" dirty="0" smtClean="0"/>
-              <a:t> ?</a:t>
+              <a:rPr kumimoji="1" lang="en-US" altLang="ja-JP" dirty="0" smtClean="0"/>
+              <a:t>Spec-driven Development</a:t>
             </a:r>
             <a:endParaRPr kumimoji="1" lang="ja-JP" altLang="en-US" dirty="0"/>
           </a:p>
@@ -4542,73 +8115,132 @@
           <a:lstStyle/>
           <a:p>
             <a:r>
+              <a:rPr lang="ja-JP" altLang="en-US" dirty="0" smtClean="0"/>
+              <a:t>設定書から</a:t>
+            </a:r>
+            <a:r>
+              <a:rPr lang="ja-JP" altLang="en-US" dirty="0" smtClean="0"/>
+              <a:t>コードが作れないか？</a:t>
+            </a:r>
+            <a:endParaRPr lang="en-US" altLang="ja-JP" dirty="0" smtClean="0"/>
+          </a:p>
+          <a:p>
+            <a:pPr lvl="1"/>
+            <a:r>
+              <a:rPr kumimoji="1" lang="en-US" altLang="ja-JP" dirty="0" err="1" smtClean="0"/>
+              <a:t>Config</a:t>
+            </a:r>
+            <a:r>
+              <a:rPr kumimoji="1" lang="ja-JP" altLang="en-US" dirty="0" err="1" smtClean="0"/>
+              <a:t>、</a:t>
+            </a:r>
+            <a:r>
+              <a:rPr kumimoji="1" lang="ja-JP" altLang="en-US" dirty="0" smtClean="0"/>
+              <a:t>パラメータファイル（ </a:t>
+            </a:r>
+            <a:r>
+              <a:rPr kumimoji="1" lang="en-US" altLang="ja-JP" dirty="0" err="1" smtClean="0"/>
+              <a:t>xxx.yaml</a:t>
+            </a:r>
+            <a:r>
+              <a:rPr kumimoji="1" lang="en-US" altLang="ja-JP" dirty="0" smtClean="0"/>
+              <a:t>, </a:t>
+            </a:r>
+            <a:r>
+              <a:rPr kumimoji="1" lang="en-US" altLang="ja-JP" dirty="0" err="1" smtClean="0"/>
+              <a:t>xxx.json</a:t>
+            </a:r>
+            <a:r>
               <a:rPr lang="en-US" altLang="ja-JP" dirty="0" smtClean="0"/>
-              <a:t>Swagger(</a:t>
+              <a:t>, xxx.csv </a:t>
+            </a:r>
+            <a:r>
+              <a:rPr lang="ja-JP" altLang="en-US" dirty="0" smtClean="0"/>
+              <a:t>）はあるので、</a:t>
+            </a:r>
+            <a:r>
+              <a:rPr lang="en-US" altLang="ja-JP" dirty="0" smtClean="0"/>
+              <a:t/>
+            </a:r>
+            <a:br>
+              <a:rPr lang="en-US" altLang="ja-JP" dirty="0" smtClean="0"/>
+            </a:br>
+            <a:r>
+              <a:rPr lang="ja-JP" altLang="en-US" dirty="0" smtClean="0"/>
+              <a:t>これらのファイルからコードが生成できれば良い</a:t>
+            </a:r>
+            <a:endParaRPr lang="en-US" altLang="ja-JP" dirty="0"/>
+          </a:p>
+          <a:p>
+            <a:pPr lvl="1"/>
+            <a:endParaRPr lang="en-US" altLang="ja-JP" dirty="0" smtClean="0"/>
+          </a:p>
+          <a:p>
+            <a:r>
+              <a:rPr lang="ja-JP" altLang="en-US" dirty="0" smtClean="0"/>
+              <a:t>・・が</a:t>
+            </a:r>
+            <a:r>
+              <a:rPr lang="ja-JP" altLang="en-US" dirty="0" smtClean="0"/>
+              <a:t>、</a:t>
+            </a:r>
+            <a:r>
+              <a:rPr lang="en-US" altLang="ja-JP" dirty="0" smtClean="0"/>
+              <a:t>parser</a:t>
+            </a:r>
+            <a:r>
+              <a:rPr lang="ja-JP" altLang="en-US" dirty="0" smtClean="0"/>
+              <a:t>はあれど、そこからそのまま処理をしてくれるようなものは中々ない。</a:t>
+            </a:r>
+            <a:endParaRPr lang="en-US" altLang="ja-JP" dirty="0" smtClean="0"/>
+          </a:p>
+          <a:p>
+            <a:pPr lvl="1"/>
+            <a:r>
+              <a:rPr lang="en-US" altLang="ja-JP" dirty="0" smtClean="0"/>
+              <a:t>Parse</a:t>
+            </a:r>
+            <a:r>
+              <a:rPr lang="ja-JP" altLang="en-US" dirty="0" smtClean="0"/>
+              <a:t>した結果を、入力値として何かするようなツールはたくさんある</a:t>
+            </a:r>
+            <a:endParaRPr lang="en-US" altLang="ja-JP" dirty="0" smtClean="0"/>
+          </a:p>
+          <a:p>
+            <a:pPr lvl="2"/>
+            <a:r>
+              <a:rPr lang="ja-JP" altLang="en-US" dirty="0" smtClean="0"/>
+              <a:t>前述の</a:t>
             </a:r>
             <a:r>
               <a:rPr lang="en-US" altLang="ja-JP" dirty="0" err="1" smtClean="0"/>
-              <a:t>OpenAPI</a:t>
-            </a:r>
-            <a:r>
-              <a:rPr lang="en-US" altLang="ja-JP" dirty="0" smtClean="0"/>
-              <a:t>)</a:t>
+              <a:t>ansible</a:t>
             </a:r>
             <a:r>
               <a:rPr lang="ja-JP" altLang="en-US" dirty="0" smtClean="0"/>
-              <a:t>から作る</a:t>
-            </a:r>
-            <a:r>
-              <a:rPr lang="en-US" altLang="ja-JP" dirty="0" smtClean="0"/>
-              <a:t>flask(*)</a:t>
-            </a:r>
-            <a:r>
-              <a:rPr lang="ja-JP" altLang="en-US" dirty="0" smtClean="0"/>
-              <a:t>ベース</a:t>
-            </a:r>
-            <a:r>
-              <a:rPr lang="en-US" altLang="ja-JP" dirty="0" err="1" smtClean="0"/>
-              <a:t>webAPI</a:t>
-            </a:r>
-            <a:r>
-              <a:rPr lang="en-US" altLang="ja-JP" dirty="0" smtClean="0"/>
-              <a:t> framework</a:t>
-            </a:r>
-          </a:p>
-          <a:p>
-            <a:pPr lvl="1"/>
-            <a:r>
-              <a:rPr lang="en-US" altLang="ja-JP" dirty="0" smtClean="0">
-                <a:hlinkClick r:id="rId2"/>
-              </a:rPr>
-              <a:t>https</a:t>
-            </a:r>
-            <a:r>
-              <a:rPr lang="en-US" altLang="ja-JP" dirty="0" smtClean="0">
-                <a:hlinkClick r:id="rId2"/>
-              </a:rPr>
-              <a:t>://connexion.readthedocs.io/</a:t>
+              <a:t>他などはまさにそう</a:t>
             </a:r>
             <a:endParaRPr lang="en-US" altLang="ja-JP" dirty="0" smtClean="0"/>
-          </a:p>
-          <a:p>
-            <a:pPr lvl="1"/>
-            <a:endParaRPr kumimoji="1" lang="en-US" altLang="ja-JP" dirty="0"/>
-          </a:p>
-          <a:p>
-            <a:endParaRPr kumimoji="1" lang="ja-JP" altLang="en-US" dirty="0"/>
           </a:p>
         </p:txBody>
       </p:sp>
     </p:spTree>
     <p:extLst>
       <p:ext uri="{BB962C8B-B14F-4D97-AF65-F5344CB8AC3E}">
-        <p14:creationId xmlns:p14="http://schemas.microsoft.com/office/powerpoint/2010/main" val="1890185505"/>
+        <p14:creationId xmlns:p14="http://schemas.microsoft.com/office/powerpoint/2010/main" val="627961292"/>
       </p:ext>
     </p:extLst>
   </p:cSld>
   <p:clrMapOvr>
     <a:masterClrMapping/>
   </p:clrMapOvr>
+  <p:timing>
+    <p:tnLst>
+      <p:par>
+        <p:cTn id="1" dur="indefinite" restart="never" nodeType="tmRoot"/>
+      </p:par>
+    </p:tnLst>
+  </p:timing>
 </p:sld>
 </file>
 
@@ -4645,28 +8277,16 @@
           <a:lstStyle/>
           <a:p>
             <a:r>
+              <a:rPr lang="en-US" altLang="ja-JP" dirty="0" smtClean="0"/>
+              <a:t>What is the </a:t>
+            </a:r>
+            <a:r>
               <a:rPr lang="en-US" altLang="ja-JP" dirty="0" err="1" smtClean="0"/>
               <a:t>Connexion</a:t>
             </a:r>
             <a:r>
-              <a:rPr lang="ja-JP" altLang="en-US" dirty="0" smtClean="0"/>
-              <a:t>の特徴 </a:t>
-            </a:r>
-            <a:r>
               <a:rPr lang="en-US" altLang="ja-JP" dirty="0" smtClean="0"/>
-              <a:t>– </a:t>
-            </a:r>
-            <a:r>
-              <a:rPr lang="en-US" altLang="ja-JP" dirty="0" err="1" smtClean="0"/>
-              <a:t>swagger.yml</a:t>
-            </a:r>
-            <a:r>
-              <a:rPr lang="ja-JP" altLang="en-US" dirty="0"/>
-              <a:t> </a:t>
-            </a:r>
-            <a:r>
-              <a:rPr lang="en-US" altLang="ja-JP" dirty="0" smtClean="0"/>
-              <a:t>first</a:t>
+              <a:t> ?</a:t>
             </a:r>
             <a:endParaRPr kumimoji="1" lang="ja-JP" altLang="en-US" dirty="0"/>
           </a:p>
@@ -4674,7 +8294,7 @@
       </p:sp>
       <p:sp>
         <p:nvSpPr>
-          <p:cNvPr id="5" name="コンテンツ プレースホルダー 2"/>
+          <p:cNvPr id="3" name="コンテンツ プレースホルダー 2"/>
           <p:cNvSpPr>
             <a:spLocks noGrp="1"/>
           </p:cNvSpPr>
@@ -4682,24 +8302,59 @@
             <p:ph idx="1"/>
           </p:nvPr>
         </p:nvSpPr>
-        <p:spPr>
-          <a:xfrm>
-            <a:off x="838200" y="1825625"/>
-            <a:ext cx="10515600" cy="4351338"/>
-          </a:xfrm>
-        </p:spPr>
+        <p:spPr/>
         <p:txBody>
           <a:bodyPr/>
           <a:lstStyle/>
           <a:p>
             <a:r>
+              <a:rPr lang="en-US" altLang="ja-JP" dirty="0" smtClean="0"/>
+              <a:t>Swagger(</a:t>
+            </a:r>
+            <a:r>
               <a:rPr lang="en-US" altLang="ja-JP" dirty="0" err="1" smtClean="0"/>
-              <a:t>vscode</a:t>
+              <a:t>OpenAPI</a:t>
+            </a:r>
+            <a:r>
+              <a:rPr lang="en-US" altLang="ja-JP" dirty="0" smtClean="0"/>
+              <a:t>)</a:t>
             </a:r>
             <a:r>
               <a:rPr lang="ja-JP" altLang="en-US" dirty="0" smtClean="0"/>
-              <a:t>他、デモプログラムへ移動</a:t>
-            </a:r>
+              <a:t>から作る</a:t>
+            </a:r>
+            <a:r>
+              <a:rPr lang="en-US" altLang="ja-JP" dirty="0" smtClean="0"/>
+              <a:t>flask(*)</a:t>
+            </a:r>
+            <a:r>
+              <a:rPr lang="ja-JP" altLang="en-US" dirty="0" smtClean="0"/>
+              <a:t>ベース</a:t>
+            </a:r>
+            <a:r>
+              <a:rPr lang="en-US" altLang="ja-JP" dirty="0" err="1" smtClean="0"/>
+              <a:t>webAPI</a:t>
+            </a:r>
+            <a:r>
+              <a:rPr lang="en-US" altLang="ja-JP" dirty="0" smtClean="0"/>
+              <a:t> framework</a:t>
+            </a:r>
+          </a:p>
+          <a:p>
+            <a:pPr lvl="1"/>
+            <a:r>
+              <a:rPr lang="en-US" altLang="ja-JP" dirty="0" smtClean="0">
+                <a:hlinkClick r:id="rId2"/>
+              </a:rPr>
+              <a:t>https://connexion.readthedocs.io/</a:t>
+            </a:r>
+            <a:endParaRPr lang="en-US" altLang="ja-JP" dirty="0" smtClean="0"/>
+          </a:p>
+          <a:p>
+            <a:pPr lvl="1"/>
+            <a:endParaRPr kumimoji="1" lang="en-US" altLang="ja-JP" dirty="0"/>
+          </a:p>
+          <a:p>
             <a:endParaRPr kumimoji="1" lang="ja-JP" altLang="en-US" dirty="0"/>
           </a:p>
         </p:txBody>
@@ -4707,13 +8362,20 @@
     </p:spTree>
     <p:extLst>
       <p:ext uri="{BB962C8B-B14F-4D97-AF65-F5344CB8AC3E}">
-        <p14:creationId xmlns:p14="http://schemas.microsoft.com/office/powerpoint/2010/main" val="2423652153"/>
+        <p14:creationId xmlns:p14="http://schemas.microsoft.com/office/powerpoint/2010/main" val="1890185505"/>
       </p:ext>
     </p:extLst>
   </p:cSld>
   <p:clrMapOvr>
     <a:masterClrMapping/>
   </p:clrMapOvr>
+  <p:timing>
+    <p:tnLst>
+      <p:par>
+        <p:cTn id="1" dur="indefinite" restart="never" nodeType="tmRoot"/>
+      </p:par>
+    </p:tnLst>
+  </p:timing>
 </p:sld>
 </file>
 
@@ -4750,89 +8412,20 @@
           <a:lstStyle/>
           <a:p>
             <a:r>
-              <a:rPr kumimoji="1" lang="en-US" altLang="ja-JP" dirty="0" err="1" smtClean="0"/>
+              <a:rPr lang="en-US" altLang="ja-JP" dirty="0" err="1" smtClean="0"/>
               <a:t>Connexion</a:t>
             </a:r>
             <a:r>
-              <a:rPr kumimoji="1" lang="en-US" altLang="ja-JP" dirty="0" smtClean="0"/>
-              <a:t> </a:t>
-            </a:r>
-            <a:r>
-              <a:rPr kumimoji="1" lang="ja-JP" altLang="en-US" dirty="0" smtClean="0"/>
-              <a:t>の利点・欠点</a:t>
-            </a:r>
-            <a:endParaRPr kumimoji="1" lang="ja-JP" altLang="en-US" dirty="0"/>
-          </a:p>
-        </p:txBody>
-      </p:sp>
-      <p:sp>
-        <p:nvSpPr>
-          <p:cNvPr id="3" name="コンテンツ プレースホルダー 2"/>
-          <p:cNvSpPr>
-            <a:spLocks noGrp="1"/>
-          </p:cNvSpPr>
-          <p:nvPr>
-            <p:ph idx="1"/>
-          </p:nvPr>
-        </p:nvSpPr>
-        <p:spPr/>
-        <p:txBody>
-          <a:bodyPr>
-            <a:normAutofit lnSpcReduction="10000"/>
-          </a:bodyPr>
-          <a:lstStyle/>
-          <a:p>
-            <a:r>
-              <a:rPr kumimoji="1" lang="ja-JP" altLang="en-US" dirty="0" smtClean="0"/>
-              <a:t>利点</a:t>
-            </a:r>
-            <a:endParaRPr kumimoji="1" lang="en-US" altLang="ja-JP" dirty="0" smtClean="0"/>
-          </a:p>
-          <a:p>
-            <a:pPr lvl="1"/>
-            <a:r>
               <a:rPr lang="ja-JP" altLang="en-US" dirty="0" smtClean="0"/>
-              <a:t>何を作らなければいけないかが誰にでも分かる</a:t>
-            </a:r>
-            <a:endParaRPr lang="en-US" altLang="ja-JP" dirty="0"/>
-          </a:p>
-          <a:p>
-            <a:pPr lvl="2"/>
+              <a:t>の特徴 </a:t>
+            </a:r>
             <a:r>
               <a:rPr lang="en-US" altLang="ja-JP" dirty="0" smtClean="0"/>
-              <a:t>python</a:t>
-            </a:r>
-            <a:r>
-              <a:rPr lang="ja-JP" altLang="en-US" dirty="0" smtClean="0"/>
-              <a:t>コードを読まなくても動作が分かるのは</a:t>
-            </a:r>
-            <a:r>
-              <a:rPr lang="ja-JP" altLang="en-US" b="1" dirty="0" smtClean="0"/>
-              <a:t>他の人</a:t>
-            </a:r>
-            <a:r>
-              <a:rPr lang="ja-JP" altLang="en-US" dirty="0" smtClean="0"/>
-              <a:t>には好ましい</a:t>
-            </a:r>
-            <a:endParaRPr lang="en-US" altLang="ja-JP" dirty="0" smtClean="0"/>
-          </a:p>
-          <a:p>
-            <a:pPr lvl="1"/>
-            <a:r>
-              <a:rPr lang="ja-JP" altLang="en-US" dirty="0" smtClean="0"/>
-              <a:t>操作マニュアルがそのまま作られる</a:t>
-            </a:r>
-            <a:endParaRPr lang="en-US" altLang="ja-JP" dirty="0" smtClean="0"/>
-          </a:p>
-          <a:p>
-            <a:pPr lvl="2"/>
-            <a:r>
-              <a:rPr lang="ja-JP" altLang="en-US" dirty="0" smtClean="0"/>
-              <a:t>・・が、</a:t>
-            </a:r>
-            <a:r>
-              <a:rPr lang="en-US" altLang="ja-JP" dirty="0" smtClean="0"/>
-              <a:t>flask</a:t>
+              <a:t>– </a:t>
+            </a:r>
+            <a:r>
+              <a:rPr lang="en-US" altLang="ja-JP" dirty="0" err="1" smtClean="0"/>
+              <a:t>swagger.yml</a:t>
             </a:r>
             <a:r>
               <a:rPr lang="ja-JP" altLang="en-US" dirty="0"/>
@@ -4840,164 +8433,63 @@
             </a:r>
             <a:r>
               <a:rPr lang="en-US" altLang="ja-JP" dirty="0" smtClean="0"/>
-              <a:t>native</a:t>
+              <a:t>first</a:t>
+            </a:r>
+            <a:endParaRPr kumimoji="1" lang="ja-JP" altLang="en-US" dirty="0"/>
+          </a:p>
+        </p:txBody>
+      </p:sp>
+      <p:sp>
+        <p:nvSpPr>
+          <p:cNvPr id="5" name="コンテンツ プレースホルダー 2"/>
+          <p:cNvSpPr>
+            <a:spLocks noGrp="1"/>
+          </p:cNvSpPr>
+          <p:nvPr>
+            <p:ph idx="1"/>
+          </p:nvPr>
+        </p:nvSpPr>
+        <p:spPr/>
+        <p:txBody>
+          <a:bodyPr/>
+          <a:lstStyle/>
+          <a:p>
+            <a:r>
+              <a:rPr lang="en-US" altLang="ja-JP" dirty="0" err="1" smtClean="0"/>
+              <a:t>vscode</a:t>
             </a:r>
             <a:r>
               <a:rPr lang="ja-JP" altLang="en-US" dirty="0" smtClean="0"/>
-              <a:t>でも</a:t>
-            </a:r>
-            <a:r>
-              <a:rPr lang="en-US" altLang="ja-JP" dirty="0" smtClean="0"/>
-              <a:t>swagger</a:t>
-            </a:r>
-            <a:r>
-              <a:rPr lang="ja-JP" altLang="en-US" dirty="0" smtClean="0"/>
-              <a:t>を自動生成は普通にできる</a:t>
-            </a:r>
-            <a:endParaRPr lang="en-US" altLang="ja-JP" dirty="0"/>
-          </a:p>
-          <a:p>
-            <a:r>
-              <a:rPr kumimoji="1" lang="ja-JP" altLang="en-US" dirty="0" smtClean="0"/>
-              <a:t>欠点</a:t>
-            </a:r>
-            <a:endParaRPr kumimoji="1" lang="en-US" altLang="ja-JP" dirty="0" smtClean="0"/>
-          </a:p>
-          <a:p>
-            <a:pPr lvl="1"/>
-            <a:r>
-              <a:rPr kumimoji="1" lang="en-US" altLang="ja-JP" dirty="0" err="1" smtClean="0"/>
-              <a:t>OpenAPI</a:t>
-            </a:r>
-            <a:r>
-              <a:rPr kumimoji="1" lang="ja-JP" altLang="en-US" dirty="0" smtClean="0"/>
-              <a:t>に定義された全ての機能が使えるわけではない</a:t>
-            </a:r>
-            <a:endParaRPr kumimoji="1" lang="en-US" altLang="ja-JP" dirty="0" smtClean="0"/>
-          </a:p>
-          <a:p>
-            <a:pPr lvl="2"/>
-            <a:r>
-              <a:rPr kumimoji="1" lang="en-US" altLang="ja-JP" dirty="0" smtClean="0"/>
-              <a:t>$ref</a:t>
-            </a:r>
-            <a:r>
-              <a:rPr kumimoji="1" lang="ja-JP" altLang="en-US" dirty="0" smtClean="0"/>
-              <a:t>周りは結構怪しい</a:t>
-            </a:r>
-            <a:endParaRPr kumimoji="1" lang="en-US" altLang="ja-JP" dirty="0" smtClean="0"/>
-          </a:p>
-          <a:p>
-            <a:pPr lvl="2"/>
-            <a:r>
-              <a:rPr lang="en-US" altLang="ja-JP" dirty="0" err="1" smtClean="0"/>
-              <a:t>swagger.yml</a:t>
-            </a:r>
-            <a:r>
-              <a:rPr lang="ja-JP" altLang="en-US" dirty="0" smtClean="0"/>
-              <a:t>を</a:t>
-            </a:r>
-            <a:r>
-              <a:rPr lang="en-US" altLang="ja-JP" dirty="0" smtClean="0"/>
-              <a:t>1</a:t>
-            </a:r>
-            <a:r>
-              <a:rPr lang="ja-JP" altLang="en-US" dirty="0" err="1" smtClean="0"/>
-              <a:t>つしか</a:t>
-            </a:r>
-            <a:r>
-              <a:rPr lang="ja-JP" altLang="en-US" dirty="0" smtClean="0"/>
-              <a:t>読み込めない</a:t>
-            </a:r>
-            <a:r>
-              <a:rPr lang="en-US" altLang="ja-JP" dirty="0" smtClean="0"/>
-              <a:t>(include</a:t>
-            </a:r>
-            <a:r>
-              <a:rPr lang="ja-JP" altLang="en-US" dirty="0" smtClean="0"/>
-              <a:t>できない）ので肥大化する</a:t>
-            </a:r>
-            <a:endParaRPr lang="en-US" altLang="ja-JP" dirty="0" smtClean="0"/>
-          </a:p>
-          <a:p>
-            <a:pPr lvl="2"/>
-            <a:r>
-              <a:rPr lang="ja-JP" altLang="en-US" dirty="0" smtClean="0"/>
-              <a:t>最近、</a:t>
-            </a:r>
-            <a:r>
-              <a:rPr lang="en-US" altLang="ja-JP" dirty="0" smtClean="0"/>
-              <a:t>server</a:t>
-            </a:r>
-            <a:r>
-              <a:rPr lang="ja-JP" altLang="en-US" dirty="0" smtClean="0"/>
-              <a:t>エントリに複数の対象が書けなくなった</a:t>
-            </a:r>
-            <a:endParaRPr lang="en-US" altLang="ja-JP" dirty="0" smtClean="0"/>
-          </a:p>
-          <a:p>
-            <a:pPr lvl="1"/>
-            <a:r>
-              <a:rPr lang="ja-JP" altLang="en-US" dirty="0" smtClean="0"/>
-              <a:t>呼び出せるものが</a:t>
-            </a:r>
-            <a:r>
-              <a:rPr lang="en-US" altLang="ja-JP" dirty="0" smtClean="0"/>
-              <a:t>method</a:t>
-            </a:r>
-            <a:r>
-              <a:rPr lang="ja-JP" altLang="en-US" dirty="0" smtClean="0"/>
-              <a:t>のみ</a:t>
-            </a:r>
-            <a:endParaRPr lang="en-US" altLang="ja-JP" dirty="0" smtClean="0"/>
-          </a:p>
-          <a:p>
-            <a:pPr lvl="2"/>
-            <a:r>
-              <a:rPr lang="ja-JP" altLang="en-US" dirty="0" smtClean="0"/>
-              <a:t>クラスを使う場合は</a:t>
-            </a:r>
-            <a:r>
-              <a:rPr lang="en-US" altLang="ja-JP" dirty="0" err="1" smtClean="0"/>
-              <a:t>classmethid</a:t>
-            </a:r>
-            <a:r>
-              <a:rPr lang="ja-JP" altLang="en-US" dirty="0" smtClean="0"/>
-              <a:t>とか</a:t>
-            </a:r>
-            <a:r>
-              <a:rPr lang="en-US" altLang="ja-JP" dirty="0" err="1" smtClean="0"/>
-              <a:t>staticmethod</a:t>
-            </a:r>
-            <a:r>
-              <a:rPr lang="ja-JP" altLang="en-US" dirty="0" smtClean="0"/>
-              <a:t>にする必要がある</a:t>
-            </a:r>
-            <a:endParaRPr lang="en-US" altLang="ja-JP" dirty="0"/>
-          </a:p>
-          <a:p>
-            <a:pPr lvl="1"/>
-            <a:endParaRPr kumimoji="1" lang="en-US" altLang="ja-JP" dirty="0" smtClean="0"/>
+              <a:t>他、デモプログラムへ移動</a:t>
+            </a:r>
+            <a:endParaRPr kumimoji="1" lang="ja-JP" altLang="en-US" dirty="0"/>
           </a:p>
         </p:txBody>
       </p:sp>
     </p:spTree>
     <p:extLst>
       <p:ext uri="{BB962C8B-B14F-4D97-AF65-F5344CB8AC3E}">
-        <p14:creationId xmlns:p14="http://schemas.microsoft.com/office/powerpoint/2010/main" val="2586340458"/>
+        <p14:creationId xmlns:p14="http://schemas.microsoft.com/office/powerpoint/2010/main" val="2423652153"/>
       </p:ext>
     </p:extLst>
   </p:cSld>
   <p:clrMapOvr>
     <a:masterClrMapping/>
   </p:clrMapOvr>
+  <p:timing>
+    <p:tnLst>
+      <p:par>
+        <p:cTn id="1" dur="indefinite" restart="never" nodeType="tmRoot"/>
+      </p:par>
+    </p:tnLst>
+  </p:timing>
 </p:sld>
 </file>
 
 <file path=ppt/theme/theme1.xml><?xml version="1.0" encoding="utf-8"?>
-<a:theme xmlns:a="http://schemas.openxmlformats.org/drawingml/2006/main" name="Office テーマ">
+<a:theme xmlns:a="http://schemas.openxmlformats.org/drawingml/2006/main" name="イオン">
   <a:themeElements>
-    <a:clrScheme name="Office">
+    <a:clrScheme name="イオン">
       <a:dk1>
         <a:sysClr val="windowText" lastClr="000000"/>
       </a:dk1>
@@ -5005,44 +8497,44 @@
         <a:sysClr val="window" lastClr="FFFFFF"/>
       </a:lt1>
       <a:dk2>
-        <a:srgbClr val="44546A"/>
+        <a:srgbClr val="1E5155"/>
       </a:dk2>
       <a:lt2>
-        <a:srgbClr val="E7E6E6"/>
+        <a:srgbClr val="EBEBEB"/>
       </a:lt2>
       <a:accent1>
-        <a:srgbClr val="5B9BD5"/>
+        <a:srgbClr val="B01513"/>
       </a:accent1>
       <a:accent2>
-        <a:srgbClr val="ED7D31"/>
+        <a:srgbClr val="EA6312"/>
       </a:accent2>
       <a:accent3>
-        <a:srgbClr val="A5A5A5"/>
+        <a:srgbClr val="E6B729"/>
       </a:accent3>
       <a:accent4>
-        <a:srgbClr val="FFC000"/>
+        <a:srgbClr val="6AAC90"/>
       </a:accent4>
       <a:accent5>
-        <a:srgbClr val="4472C4"/>
+        <a:srgbClr val="54849A"/>
       </a:accent5>
       <a:accent6>
-        <a:srgbClr val="70AD47"/>
+        <a:srgbClr val="9E5E9B"/>
       </a:accent6>
       <a:hlink>
-        <a:srgbClr val="0563C1"/>
+        <a:srgbClr val="58C1BA"/>
       </a:hlink>
       <a:folHlink>
-        <a:srgbClr val="954F72"/>
+        <a:srgbClr val="9DFFCB"/>
       </a:folHlink>
     </a:clrScheme>
-    <a:fontScheme name="Office">
+    <a:fontScheme name="イオン">
       <a:majorFont>
-        <a:latin typeface="游ゴシック Light" panose="020F0302020204030204"/>
+        <a:latin typeface="Century Gothic" panose="020B0502020202020204"/>
         <a:ea typeface=""/>
         <a:cs typeface=""/>
-        <a:font script="Jpan" typeface="游ゴシック Light"/>
+        <a:font script="Jpan" typeface="メイリオ"/>
         <a:font script="Hang" typeface="맑은 고딕"/>
-        <a:font script="Hans" typeface="等线 Light"/>
+        <a:font script="Hans" typeface="宋体"/>
         <a:font script="Hant" typeface="新細明體"/>
         <a:font script="Arab" typeface="Times New Roman"/>
         <a:font script="Hebr" typeface="Times New Roman"/>
@@ -5072,12 +8564,12 @@
         <a:font script="Geor" typeface="Sylfaen"/>
       </a:majorFont>
       <a:minorFont>
-        <a:latin typeface="游ゴシック" panose="020F0502020204030204"/>
+        <a:latin typeface="Century Gothic" panose="020B0502020202020204"/>
         <a:ea typeface=""/>
         <a:cs typeface=""/>
-        <a:font script="Jpan" typeface="游ゴシック"/>
+        <a:font script="Jpan" typeface="メイリオ"/>
         <a:font script="Hang" typeface="맑은 고딕"/>
-        <a:font script="Hans" typeface="等线"/>
+        <a:font script="Hans" typeface="宋体"/>
         <a:font script="Hant" typeface="新細明體"/>
         <a:font script="Arab" typeface="Arial"/>
         <a:font script="Hebr" typeface="Arial"/>
@@ -5107,7 +8599,7 @@
         <a:font script="Geor" typeface="Sylfaen"/>
       </a:minorFont>
     </a:fontScheme>
-    <a:fmtScheme name="Office">
+    <a:fmtScheme name="イオン">
       <a:fillStyleLst>
         <a:solidFill>
           <a:schemeClr val="phClr"/>
@@ -5116,23 +8608,15 @@
           <a:gsLst>
             <a:gs pos="0">
               <a:schemeClr val="phClr">
-                <a:lumMod val="110000"/>
-                <a:satMod val="105000"/>
-                <a:tint val="67000"/>
-              </a:schemeClr>
-            </a:gs>
-            <a:gs pos="50000">
-              <a:schemeClr val="phClr">
-                <a:lumMod val="105000"/>
-                <a:satMod val="103000"/>
-                <a:tint val="73000"/>
+                <a:tint val="64000"/>
+                <a:lumMod val="118000"/>
               </a:schemeClr>
             </a:gs>
             <a:gs pos="100000">
               <a:schemeClr val="phClr">
-                <a:lumMod val="105000"/>
-                <a:satMod val="109000"/>
-                <a:tint val="81000"/>
+                <a:tint val="92000"/>
+                <a:alpha val="100000"/>
+                <a:lumMod val="110000"/>
               </a:schemeClr>
             </a:gs>
           </a:gsLst>
@@ -5142,23 +8626,14 @@
           <a:gsLst>
             <a:gs pos="0">
               <a:schemeClr val="phClr">
-                <a:satMod val="103000"/>
-                <a:lumMod val="102000"/>
-                <a:tint val="94000"/>
-              </a:schemeClr>
-            </a:gs>
-            <a:gs pos="50000">
-              <a:schemeClr val="phClr">
-                <a:satMod val="110000"/>
-                <a:lumMod val="100000"/>
-                <a:shade val="100000"/>
+                <a:tint val="98000"/>
+                <a:lumMod val="114000"/>
               </a:schemeClr>
             </a:gs>
             <a:gs pos="100000">
               <a:schemeClr val="phClr">
-                <a:lumMod val="99000"/>
-                <a:satMod val="120000"/>
-                <a:shade val="78000"/>
+                <a:shade val="90000"/>
+                <a:lumMod val="84000"/>
               </a:schemeClr>
             </a:gs>
           </a:gsLst>
@@ -5166,26 +8641,23 @@
         </a:gradFill>
       </a:fillStyleLst>
       <a:lnStyleLst>
-        <a:ln w="6350" cap="flat" cmpd="sng" algn="ctr">
+        <a:ln w="9525" cap="rnd" cmpd="sng" algn="ctr">
           <a:solidFill>
             <a:schemeClr val="phClr"/>
           </a:solidFill>
           <a:prstDash val="solid"/>
-          <a:miter lim="800000"/>
         </a:ln>
-        <a:ln w="12700" cap="flat" cmpd="sng" algn="ctr">
+        <a:ln w="19050" cap="rnd" cmpd="sng" algn="ctr">
           <a:solidFill>
             <a:schemeClr val="phClr"/>
           </a:solidFill>
           <a:prstDash val="solid"/>
-          <a:miter lim="800000"/>
         </a:ln>
-        <a:ln w="19050" cap="flat" cmpd="sng" algn="ctr">
+        <a:ln w="28575" cap="rnd" cmpd="sng" algn="ctr">
           <a:solidFill>
             <a:schemeClr val="phClr"/>
           </a:solidFill>
           <a:prstDash val="solid"/>
-          <a:miter lim="800000"/>
         </a:ln>
       </a:lnStyleLst>
       <a:effectStyleLst>
@@ -5193,55 +8665,80 @@
           <a:effectLst/>
         </a:effectStyle>
         <a:effectStyle>
-          <a:effectLst/>
+          <a:effectLst>
+            <a:outerShdw blurRad="38100" dist="25400" dir="5400000" rotWithShape="0">
+              <a:srgbClr val="000000">
+                <a:alpha val="45000"/>
+              </a:srgbClr>
+            </a:outerShdw>
+          </a:effectLst>
         </a:effectStyle>
         <a:effectStyle>
           <a:effectLst>
-            <a:outerShdw blurRad="57150" dist="19050" dir="5400000" algn="ctr" rotWithShape="0">
+            <a:outerShdw blurRad="63500" dist="38100" dir="5400000" rotWithShape="0">
               <a:srgbClr val="000000">
-                <a:alpha val="63000"/>
+                <a:alpha val="60000"/>
               </a:srgbClr>
             </a:outerShdw>
           </a:effectLst>
+          <a:scene3d>
+            <a:camera prst="orthographicFront">
+              <a:rot lat="0" lon="0" rev="0"/>
+            </a:camera>
+            <a:lightRig rig="threePt" dir="tl"/>
+          </a:scene3d>
+          <a:sp3d prstMaterial="plastic">
+            <a:bevelT w="0" h="0"/>
+          </a:sp3d>
         </a:effectStyle>
       </a:effectStyleLst>
       <a:bgFillStyleLst>
         <a:solidFill>
           <a:schemeClr val="phClr"/>
         </a:solidFill>
-        <a:solidFill>
-          <a:schemeClr val="phClr">
-            <a:tint val="95000"/>
-            <a:satMod val="170000"/>
-          </a:schemeClr>
-        </a:solidFill>
         <a:gradFill rotWithShape="1">
           <a:gsLst>
             <a:gs pos="0">
               <a:schemeClr val="phClr">
-                <a:tint val="93000"/>
-                <a:satMod val="150000"/>
-                <a:shade val="98000"/>
-                <a:lumMod val="102000"/>
-              </a:schemeClr>
-            </a:gs>
-            <a:gs pos="50000">
-              <a:schemeClr val="phClr">
-                <a:tint val="98000"/>
+                <a:tint val="97000"/>
+                <a:hueMod val="88000"/>
                 <a:satMod val="130000"/>
-                <a:shade val="90000"/>
-                <a:lumMod val="103000"/>
+                <a:lumMod val="124000"/>
               </a:schemeClr>
             </a:gs>
             <a:gs pos="100000">
               <a:schemeClr val="phClr">
-                <a:shade val="63000"/>
-                <a:satMod val="120000"/>
+                <a:tint val="96000"/>
+                <a:shade val="88000"/>
+                <a:hueMod val="108000"/>
+                <a:satMod val="164000"/>
+                <a:lumMod val="76000"/>
               </a:schemeClr>
             </a:gs>
           </a:gsLst>
-          <a:lin ang="5400000" scaled="0"/>
+          <a:path path="circle">
+            <a:fillToRect l="45000" t="65000" r="125000" b="100000"/>
+          </a:path>
         </a:gradFill>
+        <a:blipFill rotWithShape="1">
+          <a:blip xmlns:r="http://schemas.openxmlformats.org/officeDocument/2006/relationships" r:embed="rId1">
+            <a:duotone>
+              <a:schemeClr val="phClr">
+                <a:shade val="69000"/>
+                <a:hueMod val="108000"/>
+                <a:satMod val="164000"/>
+                <a:lumMod val="74000"/>
+              </a:schemeClr>
+              <a:schemeClr val="phClr">
+                <a:tint val="96000"/>
+                <a:hueMod val="88000"/>
+                <a:satMod val="140000"/>
+                <a:lumMod val="132000"/>
+              </a:schemeClr>
+            </a:duotone>
+          </a:blip>
+          <a:stretch/>
+        </a:blipFill>
       </a:bgFillStyleLst>
     </a:fmtScheme>
   </a:themeElements>
@@ -5249,7 +8746,7 @@
   <a:extraClrSchemeLst/>
   <a:extLst>
     <a:ext uri="{05A4C25C-085E-4340-85A3-A5531E510DB2}">
-      <thm15:themeFamily xmlns:thm15="http://schemas.microsoft.com/office/thememl/2012/main" name="Office Theme" id="{62F939B6-93AF-4DB8-9C6B-D6C7DFDC589F}" vid="{4A3C46E8-61CC-4603-A589-7422A47A8E4A}"/>
+      <thm15:themeFamily xmlns:thm15="http://schemas.microsoft.com/office/thememl/2012/main" name="Ion" id="{B8441ADB-2E43-4AF7-B97A-BD870242C6A8}" vid="{292E63A9-BB86-4E3D-B92A-7223C6510D2E}"/>
     </a:ext>
   </a:extLst>
 </a:theme>
